--- a/ThesisImg.pptx
+++ b/ThesisImg.pptx
@@ -178,10 +178,9 @@
           <a:lstStyle/>
           <a:p>
             <a:r>
-              <a:rPr lang="zh-CN" altLang="en-US" smtClean="0"/>
+              <a:rPr lang="zh-CN" altLang="en-US"/>
               <a:t>单击此处编辑母版标题样式</a:t>
             </a:r>
-            <a:endParaRPr lang="zh-CN" altLang="en-US"/>
           </a:p>
         </p:txBody>
       </p:sp>
@@ -297,10 +296,9 @@
           </a:lstStyle>
           <a:p>
             <a:r>
-              <a:rPr lang="zh-CN" altLang="en-US" smtClean="0"/>
+              <a:rPr lang="zh-CN" altLang="en-US"/>
               <a:t>单击此处编辑母版副标题样式</a:t>
             </a:r>
-            <a:endParaRPr lang="zh-CN" altLang="en-US"/>
           </a:p>
         </p:txBody>
       </p:sp>
@@ -322,7 +320,7 @@
             <a:fld id="{14079E88-C8E6-41F4-996F-838B1F23D75D}" type="datetimeFigureOut">
               <a:rPr lang="zh-CN" altLang="en-US" smtClean="0"/>
               <a:pPr/>
-              <a:t>2016/2/3</a:t>
+              <a:t>2016/5/2</a:t>
             </a:fld>
             <a:endParaRPr lang="zh-CN" altLang="en-US"/>
           </a:p>
@@ -412,10 +410,9 @@
           <a:lstStyle/>
           <a:p>
             <a:r>
-              <a:rPr lang="zh-CN" altLang="en-US" smtClean="0"/>
+              <a:rPr lang="zh-CN" altLang="en-US"/>
               <a:t>单击此处编辑母版标题样式</a:t>
             </a:r>
-            <a:endParaRPr lang="zh-CN" altLang="en-US"/>
           </a:p>
         </p:txBody>
       </p:sp>
@@ -436,38 +433,37 @@
           <a:p>
             <a:pPr lvl="0"/>
             <a:r>
-              <a:rPr lang="zh-CN" altLang="en-US" smtClean="0"/>
+              <a:rPr lang="zh-CN" altLang="en-US"/>
               <a:t>单击此处编辑母版文本样式</a:t>
             </a:r>
           </a:p>
           <a:p>
             <a:pPr lvl="1"/>
             <a:r>
-              <a:rPr lang="zh-CN" altLang="en-US" smtClean="0"/>
+              <a:rPr lang="zh-CN" altLang="en-US"/>
               <a:t>第二级</a:t>
             </a:r>
           </a:p>
           <a:p>
             <a:pPr lvl="2"/>
             <a:r>
-              <a:rPr lang="zh-CN" altLang="en-US" smtClean="0"/>
+              <a:rPr lang="zh-CN" altLang="en-US"/>
               <a:t>第三级</a:t>
             </a:r>
           </a:p>
           <a:p>
             <a:pPr lvl="3"/>
             <a:r>
-              <a:rPr lang="zh-CN" altLang="en-US" smtClean="0"/>
+              <a:rPr lang="zh-CN" altLang="en-US"/>
               <a:t>第四级</a:t>
             </a:r>
           </a:p>
           <a:p>
             <a:pPr lvl="4"/>
             <a:r>
-              <a:rPr lang="zh-CN" altLang="en-US" smtClean="0"/>
+              <a:rPr lang="zh-CN" altLang="en-US"/>
               <a:t>第五级</a:t>
             </a:r>
-            <a:endParaRPr lang="zh-CN" altLang="en-US"/>
           </a:p>
         </p:txBody>
       </p:sp>
@@ -489,7 +485,7 @@
             <a:fld id="{14079E88-C8E6-41F4-996F-838B1F23D75D}" type="datetimeFigureOut">
               <a:rPr lang="zh-CN" altLang="en-US" smtClean="0"/>
               <a:pPr/>
-              <a:t>2016/2/3</a:t>
+              <a:t>2016/5/2</a:t>
             </a:fld>
             <a:endParaRPr lang="zh-CN" altLang="en-US"/>
           </a:p>
@@ -584,10 +580,9 @@
           <a:lstStyle/>
           <a:p>
             <a:r>
-              <a:rPr lang="zh-CN" altLang="en-US" smtClean="0"/>
+              <a:rPr lang="zh-CN" altLang="en-US"/>
               <a:t>单击此处编辑母版标题样式</a:t>
             </a:r>
-            <a:endParaRPr lang="zh-CN" altLang="en-US"/>
           </a:p>
         </p:txBody>
       </p:sp>
@@ -613,38 +608,37 @@
           <a:p>
             <a:pPr lvl="0"/>
             <a:r>
-              <a:rPr lang="zh-CN" altLang="en-US" smtClean="0"/>
+              <a:rPr lang="zh-CN" altLang="en-US"/>
               <a:t>单击此处编辑母版文本样式</a:t>
             </a:r>
           </a:p>
           <a:p>
             <a:pPr lvl="1"/>
             <a:r>
-              <a:rPr lang="zh-CN" altLang="en-US" smtClean="0"/>
+              <a:rPr lang="zh-CN" altLang="en-US"/>
               <a:t>第二级</a:t>
             </a:r>
           </a:p>
           <a:p>
             <a:pPr lvl="2"/>
             <a:r>
-              <a:rPr lang="zh-CN" altLang="en-US" smtClean="0"/>
+              <a:rPr lang="zh-CN" altLang="en-US"/>
               <a:t>第三级</a:t>
             </a:r>
           </a:p>
           <a:p>
             <a:pPr lvl="3"/>
             <a:r>
-              <a:rPr lang="zh-CN" altLang="en-US" smtClean="0"/>
+              <a:rPr lang="zh-CN" altLang="en-US"/>
               <a:t>第四级</a:t>
             </a:r>
           </a:p>
           <a:p>
             <a:pPr lvl="4"/>
             <a:r>
-              <a:rPr lang="zh-CN" altLang="en-US" smtClean="0"/>
+              <a:rPr lang="zh-CN" altLang="en-US"/>
               <a:t>第五级</a:t>
             </a:r>
-            <a:endParaRPr lang="zh-CN" altLang="en-US"/>
           </a:p>
         </p:txBody>
       </p:sp>
@@ -666,7 +660,7 @@
             <a:fld id="{14079E88-C8E6-41F4-996F-838B1F23D75D}" type="datetimeFigureOut">
               <a:rPr lang="zh-CN" altLang="en-US" smtClean="0"/>
               <a:pPr/>
-              <a:t>2016/2/3</a:t>
+              <a:t>2016/5/2</a:t>
             </a:fld>
             <a:endParaRPr lang="zh-CN" altLang="en-US"/>
           </a:p>
@@ -756,10 +750,9 @@
           <a:lstStyle/>
           <a:p>
             <a:r>
-              <a:rPr lang="zh-CN" altLang="en-US" smtClean="0"/>
+              <a:rPr lang="zh-CN" altLang="en-US"/>
               <a:t>单击此处编辑母版标题样式</a:t>
             </a:r>
-            <a:endParaRPr lang="zh-CN" altLang="en-US"/>
           </a:p>
         </p:txBody>
       </p:sp>
@@ -780,38 +773,37 @@
           <a:p>
             <a:pPr lvl="0"/>
             <a:r>
-              <a:rPr lang="zh-CN" altLang="en-US" smtClean="0"/>
+              <a:rPr lang="zh-CN" altLang="en-US"/>
               <a:t>单击此处编辑母版文本样式</a:t>
             </a:r>
           </a:p>
           <a:p>
             <a:pPr lvl="1"/>
             <a:r>
-              <a:rPr lang="zh-CN" altLang="en-US" smtClean="0"/>
+              <a:rPr lang="zh-CN" altLang="en-US"/>
               <a:t>第二级</a:t>
             </a:r>
           </a:p>
           <a:p>
             <a:pPr lvl="2"/>
             <a:r>
-              <a:rPr lang="zh-CN" altLang="en-US" smtClean="0"/>
+              <a:rPr lang="zh-CN" altLang="en-US"/>
               <a:t>第三级</a:t>
             </a:r>
           </a:p>
           <a:p>
             <a:pPr lvl="3"/>
             <a:r>
-              <a:rPr lang="zh-CN" altLang="en-US" smtClean="0"/>
+              <a:rPr lang="zh-CN" altLang="en-US"/>
               <a:t>第四级</a:t>
             </a:r>
           </a:p>
           <a:p>
             <a:pPr lvl="4"/>
             <a:r>
-              <a:rPr lang="zh-CN" altLang="en-US" smtClean="0"/>
+              <a:rPr lang="zh-CN" altLang="en-US"/>
               <a:t>第五级</a:t>
             </a:r>
-            <a:endParaRPr lang="zh-CN" altLang="en-US"/>
           </a:p>
         </p:txBody>
       </p:sp>
@@ -833,7 +825,7 @@
             <a:fld id="{14079E88-C8E6-41F4-996F-838B1F23D75D}" type="datetimeFigureOut">
               <a:rPr lang="zh-CN" altLang="en-US" smtClean="0"/>
               <a:pPr/>
-              <a:t>2016/2/3</a:t>
+              <a:t>2016/5/2</a:t>
             </a:fld>
             <a:endParaRPr lang="zh-CN" altLang="en-US"/>
           </a:p>
@@ -932,10 +924,9 @@
           </a:lstStyle>
           <a:p>
             <a:r>
-              <a:rPr lang="zh-CN" altLang="en-US" smtClean="0"/>
+              <a:rPr lang="zh-CN" altLang="en-US"/>
               <a:t>单击此处编辑母版标题样式</a:t>
             </a:r>
-            <a:endParaRPr lang="zh-CN" altLang="en-US"/>
           </a:p>
         </p:txBody>
       </p:sp>
@@ -1052,7 +1043,7 @@
           <a:p>
             <a:pPr lvl="0"/>
             <a:r>
-              <a:rPr lang="zh-CN" altLang="en-US" smtClean="0"/>
+              <a:rPr lang="zh-CN" altLang="en-US"/>
               <a:t>单击此处编辑母版文本样式</a:t>
             </a:r>
           </a:p>
@@ -1076,7 +1067,7 @@
             <a:fld id="{14079E88-C8E6-41F4-996F-838B1F23D75D}" type="datetimeFigureOut">
               <a:rPr lang="zh-CN" altLang="en-US" smtClean="0"/>
               <a:pPr/>
-              <a:t>2016/2/3</a:t>
+              <a:t>2016/5/2</a:t>
             </a:fld>
             <a:endParaRPr lang="zh-CN" altLang="en-US"/>
           </a:p>
@@ -1166,10 +1157,9 @@
           <a:lstStyle/>
           <a:p>
             <a:r>
-              <a:rPr lang="zh-CN" altLang="en-US" smtClean="0"/>
+              <a:rPr lang="zh-CN" altLang="en-US"/>
               <a:t>单击此处编辑母版标题样式</a:t>
             </a:r>
-            <a:endParaRPr lang="zh-CN" altLang="en-US"/>
           </a:p>
         </p:txBody>
       </p:sp>
@@ -1223,38 +1213,37 @@
           <a:p>
             <a:pPr lvl="0"/>
             <a:r>
-              <a:rPr lang="zh-CN" altLang="en-US" smtClean="0"/>
+              <a:rPr lang="zh-CN" altLang="en-US"/>
               <a:t>单击此处编辑母版文本样式</a:t>
             </a:r>
           </a:p>
           <a:p>
             <a:pPr lvl="1"/>
             <a:r>
-              <a:rPr lang="zh-CN" altLang="en-US" smtClean="0"/>
+              <a:rPr lang="zh-CN" altLang="en-US"/>
               <a:t>第二级</a:t>
             </a:r>
           </a:p>
           <a:p>
             <a:pPr lvl="2"/>
             <a:r>
-              <a:rPr lang="zh-CN" altLang="en-US" smtClean="0"/>
+              <a:rPr lang="zh-CN" altLang="en-US"/>
               <a:t>第三级</a:t>
             </a:r>
           </a:p>
           <a:p>
             <a:pPr lvl="3"/>
             <a:r>
-              <a:rPr lang="zh-CN" altLang="en-US" smtClean="0"/>
+              <a:rPr lang="zh-CN" altLang="en-US"/>
               <a:t>第四级</a:t>
             </a:r>
           </a:p>
           <a:p>
             <a:pPr lvl="4"/>
             <a:r>
-              <a:rPr lang="zh-CN" altLang="en-US" smtClean="0"/>
+              <a:rPr lang="zh-CN" altLang="en-US"/>
               <a:t>第五级</a:t>
             </a:r>
-            <a:endParaRPr lang="zh-CN" altLang="en-US"/>
           </a:p>
         </p:txBody>
       </p:sp>
@@ -1308,38 +1297,37 @@
           <a:p>
             <a:pPr lvl="0"/>
             <a:r>
-              <a:rPr lang="zh-CN" altLang="en-US" smtClean="0"/>
+              <a:rPr lang="zh-CN" altLang="en-US"/>
               <a:t>单击此处编辑母版文本样式</a:t>
             </a:r>
           </a:p>
           <a:p>
             <a:pPr lvl="1"/>
             <a:r>
-              <a:rPr lang="zh-CN" altLang="en-US" smtClean="0"/>
+              <a:rPr lang="zh-CN" altLang="en-US"/>
               <a:t>第二级</a:t>
             </a:r>
           </a:p>
           <a:p>
             <a:pPr lvl="2"/>
             <a:r>
-              <a:rPr lang="zh-CN" altLang="en-US" smtClean="0"/>
+              <a:rPr lang="zh-CN" altLang="en-US"/>
               <a:t>第三级</a:t>
             </a:r>
           </a:p>
           <a:p>
             <a:pPr lvl="3"/>
             <a:r>
-              <a:rPr lang="zh-CN" altLang="en-US" smtClean="0"/>
+              <a:rPr lang="zh-CN" altLang="en-US"/>
               <a:t>第四级</a:t>
             </a:r>
           </a:p>
           <a:p>
             <a:pPr lvl="4"/>
             <a:r>
-              <a:rPr lang="zh-CN" altLang="en-US" smtClean="0"/>
+              <a:rPr lang="zh-CN" altLang="en-US"/>
               <a:t>第五级</a:t>
             </a:r>
-            <a:endParaRPr lang="zh-CN" altLang="en-US"/>
           </a:p>
         </p:txBody>
       </p:sp>
@@ -1361,7 +1349,7 @@
             <a:fld id="{14079E88-C8E6-41F4-996F-838B1F23D75D}" type="datetimeFigureOut">
               <a:rPr lang="zh-CN" altLang="en-US" smtClean="0"/>
               <a:pPr/>
-              <a:t>2016/2/3</a:t>
+              <a:t>2016/5/2</a:t>
             </a:fld>
             <a:endParaRPr lang="zh-CN" altLang="en-US"/>
           </a:p>
@@ -1455,10 +1443,9 @@
           </a:lstStyle>
           <a:p>
             <a:r>
-              <a:rPr lang="zh-CN" altLang="en-US" smtClean="0"/>
+              <a:rPr lang="zh-CN" altLang="en-US"/>
               <a:t>单击此处编辑母版标题样式</a:t>
             </a:r>
-            <a:endParaRPr lang="zh-CN" altLang="en-US"/>
           </a:p>
         </p:txBody>
       </p:sp>
@@ -1521,7 +1508,7 @@
           <a:p>
             <a:pPr lvl="0"/>
             <a:r>
-              <a:rPr lang="zh-CN" altLang="en-US" smtClean="0"/>
+              <a:rPr lang="zh-CN" altLang="en-US"/>
               <a:t>单击此处编辑母版文本样式</a:t>
             </a:r>
           </a:p>
@@ -1577,38 +1564,37 @@
           <a:p>
             <a:pPr lvl="0"/>
             <a:r>
-              <a:rPr lang="zh-CN" altLang="en-US" smtClean="0"/>
+              <a:rPr lang="zh-CN" altLang="en-US"/>
               <a:t>单击此处编辑母版文本样式</a:t>
             </a:r>
           </a:p>
           <a:p>
             <a:pPr lvl="1"/>
             <a:r>
-              <a:rPr lang="zh-CN" altLang="en-US" smtClean="0"/>
+              <a:rPr lang="zh-CN" altLang="en-US"/>
               <a:t>第二级</a:t>
             </a:r>
           </a:p>
           <a:p>
             <a:pPr lvl="2"/>
             <a:r>
-              <a:rPr lang="zh-CN" altLang="en-US" smtClean="0"/>
+              <a:rPr lang="zh-CN" altLang="en-US"/>
               <a:t>第三级</a:t>
             </a:r>
           </a:p>
           <a:p>
             <a:pPr lvl="3"/>
             <a:r>
-              <a:rPr lang="zh-CN" altLang="en-US" smtClean="0"/>
+              <a:rPr lang="zh-CN" altLang="en-US"/>
               <a:t>第四级</a:t>
             </a:r>
           </a:p>
           <a:p>
             <a:pPr lvl="4"/>
             <a:r>
-              <a:rPr lang="zh-CN" altLang="en-US" smtClean="0"/>
+              <a:rPr lang="zh-CN" altLang="en-US"/>
               <a:t>第五级</a:t>
             </a:r>
-            <a:endParaRPr lang="zh-CN" altLang="en-US"/>
           </a:p>
         </p:txBody>
       </p:sp>
@@ -1671,7 +1657,7 @@
           <a:p>
             <a:pPr lvl="0"/>
             <a:r>
-              <a:rPr lang="zh-CN" altLang="en-US" smtClean="0"/>
+              <a:rPr lang="zh-CN" altLang="en-US"/>
               <a:t>单击此处编辑母版文本样式</a:t>
             </a:r>
           </a:p>
@@ -1727,38 +1713,37 @@
           <a:p>
             <a:pPr lvl="0"/>
             <a:r>
-              <a:rPr lang="zh-CN" altLang="en-US" smtClean="0"/>
+              <a:rPr lang="zh-CN" altLang="en-US"/>
               <a:t>单击此处编辑母版文本样式</a:t>
             </a:r>
           </a:p>
           <a:p>
             <a:pPr lvl="1"/>
             <a:r>
-              <a:rPr lang="zh-CN" altLang="en-US" smtClean="0"/>
+              <a:rPr lang="zh-CN" altLang="en-US"/>
               <a:t>第二级</a:t>
             </a:r>
           </a:p>
           <a:p>
             <a:pPr lvl="2"/>
             <a:r>
-              <a:rPr lang="zh-CN" altLang="en-US" smtClean="0"/>
+              <a:rPr lang="zh-CN" altLang="en-US"/>
               <a:t>第三级</a:t>
             </a:r>
           </a:p>
           <a:p>
             <a:pPr lvl="3"/>
             <a:r>
-              <a:rPr lang="zh-CN" altLang="en-US" smtClean="0"/>
+              <a:rPr lang="zh-CN" altLang="en-US"/>
               <a:t>第四级</a:t>
             </a:r>
           </a:p>
           <a:p>
             <a:pPr lvl="4"/>
             <a:r>
-              <a:rPr lang="zh-CN" altLang="en-US" smtClean="0"/>
+              <a:rPr lang="zh-CN" altLang="en-US"/>
               <a:t>第五级</a:t>
             </a:r>
-            <a:endParaRPr lang="zh-CN" altLang="en-US"/>
           </a:p>
         </p:txBody>
       </p:sp>
@@ -1780,7 +1765,7 @@
             <a:fld id="{14079E88-C8E6-41F4-996F-838B1F23D75D}" type="datetimeFigureOut">
               <a:rPr lang="zh-CN" altLang="en-US" smtClean="0"/>
               <a:pPr/>
-              <a:t>2016/2/3</a:t>
+              <a:t>2016/5/2</a:t>
             </a:fld>
             <a:endParaRPr lang="zh-CN" altLang="en-US"/>
           </a:p>
@@ -1870,10 +1855,9 @@
           <a:lstStyle/>
           <a:p>
             <a:r>
-              <a:rPr lang="zh-CN" altLang="en-US" smtClean="0"/>
+              <a:rPr lang="zh-CN" altLang="en-US"/>
               <a:t>单击此处编辑母版标题样式</a:t>
             </a:r>
-            <a:endParaRPr lang="zh-CN" altLang="en-US"/>
           </a:p>
         </p:txBody>
       </p:sp>
@@ -1895,7 +1879,7 @@
             <a:fld id="{14079E88-C8E6-41F4-996F-838B1F23D75D}" type="datetimeFigureOut">
               <a:rPr lang="zh-CN" altLang="en-US" smtClean="0"/>
               <a:pPr/>
-              <a:t>2016/2/3</a:t>
+              <a:t>2016/5/2</a:t>
             </a:fld>
             <a:endParaRPr lang="zh-CN" altLang="en-US"/>
           </a:p>
@@ -1987,7 +1971,7 @@
             <a:fld id="{14079E88-C8E6-41F4-996F-838B1F23D75D}" type="datetimeFigureOut">
               <a:rPr lang="zh-CN" altLang="en-US" smtClean="0"/>
               <a:pPr/>
-              <a:t>2016/2/3</a:t>
+              <a:t>2016/5/2</a:t>
             </a:fld>
             <a:endParaRPr lang="zh-CN" altLang="en-US"/>
           </a:p>
@@ -2086,10 +2070,9 @@
           </a:lstStyle>
           <a:p>
             <a:r>
-              <a:rPr lang="zh-CN" altLang="en-US" smtClean="0"/>
+              <a:rPr lang="zh-CN" altLang="en-US"/>
               <a:t>单击此处编辑母版标题样式</a:t>
             </a:r>
-            <a:endParaRPr lang="zh-CN" altLang="en-US"/>
           </a:p>
         </p:txBody>
       </p:sp>
@@ -2143,38 +2126,37 @@
           <a:p>
             <a:pPr lvl="0"/>
             <a:r>
-              <a:rPr lang="zh-CN" altLang="en-US" smtClean="0"/>
+              <a:rPr lang="zh-CN" altLang="en-US"/>
               <a:t>单击此处编辑母版文本样式</a:t>
             </a:r>
           </a:p>
           <a:p>
             <a:pPr lvl="1"/>
             <a:r>
-              <a:rPr lang="zh-CN" altLang="en-US" smtClean="0"/>
+              <a:rPr lang="zh-CN" altLang="en-US"/>
               <a:t>第二级</a:t>
             </a:r>
           </a:p>
           <a:p>
             <a:pPr lvl="2"/>
             <a:r>
-              <a:rPr lang="zh-CN" altLang="en-US" smtClean="0"/>
+              <a:rPr lang="zh-CN" altLang="en-US"/>
               <a:t>第三级</a:t>
             </a:r>
           </a:p>
           <a:p>
             <a:pPr lvl="3"/>
             <a:r>
-              <a:rPr lang="zh-CN" altLang="en-US" smtClean="0"/>
+              <a:rPr lang="zh-CN" altLang="en-US"/>
               <a:t>第四级</a:t>
             </a:r>
           </a:p>
           <a:p>
             <a:pPr lvl="4"/>
             <a:r>
-              <a:rPr lang="zh-CN" altLang="en-US" smtClean="0"/>
+              <a:rPr lang="zh-CN" altLang="en-US"/>
               <a:t>第五级</a:t>
             </a:r>
-            <a:endParaRPr lang="zh-CN" altLang="en-US"/>
           </a:p>
         </p:txBody>
       </p:sp>
@@ -2237,7 +2219,7 @@
           <a:p>
             <a:pPr lvl="0"/>
             <a:r>
-              <a:rPr lang="zh-CN" altLang="en-US" smtClean="0"/>
+              <a:rPr lang="zh-CN" altLang="en-US"/>
               <a:t>单击此处编辑母版文本样式</a:t>
             </a:r>
           </a:p>
@@ -2261,7 +2243,7 @@
             <a:fld id="{14079E88-C8E6-41F4-996F-838B1F23D75D}" type="datetimeFigureOut">
               <a:rPr lang="zh-CN" altLang="en-US" smtClean="0"/>
               <a:pPr/>
-              <a:t>2016/2/3</a:t>
+              <a:t>2016/5/2</a:t>
             </a:fld>
             <a:endParaRPr lang="zh-CN" altLang="en-US"/>
           </a:p>
@@ -2360,10 +2342,9 @@
           </a:lstStyle>
           <a:p>
             <a:r>
-              <a:rPr lang="zh-CN" altLang="en-US" smtClean="0"/>
+              <a:rPr lang="zh-CN" altLang="en-US"/>
               <a:t>单击此处编辑母版标题样式</a:t>
             </a:r>
-            <a:endParaRPr lang="zh-CN" altLang="en-US"/>
           </a:p>
         </p:txBody>
       </p:sp>
@@ -2487,7 +2468,7 @@
           <a:p>
             <a:pPr lvl="0"/>
             <a:r>
-              <a:rPr lang="zh-CN" altLang="en-US" smtClean="0"/>
+              <a:rPr lang="zh-CN" altLang="en-US"/>
               <a:t>单击此处编辑母版文本样式</a:t>
             </a:r>
           </a:p>
@@ -2511,7 +2492,7 @@
             <a:fld id="{14079E88-C8E6-41F4-996F-838B1F23D75D}" type="datetimeFigureOut">
               <a:rPr lang="zh-CN" altLang="en-US" smtClean="0"/>
               <a:pPr/>
-              <a:t>2016/2/3</a:t>
+              <a:t>2016/5/2</a:t>
             </a:fld>
             <a:endParaRPr lang="zh-CN" altLang="en-US"/>
           </a:p>
@@ -2616,10 +2597,9 @@
           <a:lstStyle/>
           <a:p>
             <a:r>
-              <a:rPr lang="zh-CN" altLang="en-US" smtClean="0"/>
+              <a:rPr lang="zh-CN" altLang="en-US"/>
               <a:t>单击此处编辑母版标题样式</a:t>
             </a:r>
-            <a:endParaRPr lang="zh-CN" altLang="en-US"/>
           </a:p>
         </p:txBody>
       </p:sp>
@@ -2650,38 +2630,37 @@
           <a:p>
             <a:pPr lvl="0"/>
             <a:r>
-              <a:rPr lang="zh-CN" altLang="en-US" smtClean="0"/>
+              <a:rPr lang="zh-CN" altLang="en-US"/>
               <a:t>单击此处编辑母版文本样式</a:t>
             </a:r>
           </a:p>
           <a:p>
             <a:pPr lvl="1"/>
             <a:r>
-              <a:rPr lang="zh-CN" altLang="en-US" smtClean="0"/>
+              <a:rPr lang="zh-CN" altLang="en-US"/>
               <a:t>第二级</a:t>
             </a:r>
           </a:p>
           <a:p>
             <a:pPr lvl="2"/>
             <a:r>
-              <a:rPr lang="zh-CN" altLang="en-US" smtClean="0"/>
+              <a:rPr lang="zh-CN" altLang="en-US"/>
               <a:t>第三级</a:t>
             </a:r>
           </a:p>
           <a:p>
             <a:pPr lvl="3"/>
             <a:r>
-              <a:rPr lang="zh-CN" altLang="en-US" smtClean="0"/>
+              <a:rPr lang="zh-CN" altLang="en-US"/>
               <a:t>第四级</a:t>
             </a:r>
           </a:p>
           <a:p>
             <a:pPr lvl="4"/>
             <a:r>
-              <a:rPr lang="zh-CN" altLang="en-US" smtClean="0"/>
+              <a:rPr lang="zh-CN" altLang="en-US"/>
               <a:t>第五级</a:t>
             </a:r>
-            <a:endParaRPr lang="zh-CN" altLang="en-US"/>
           </a:p>
         </p:txBody>
       </p:sp>
@@ -2721,7 +2700,7 @@
             <a:fld id="{14079E88-C8E6-41F4-996F-838B1F23D75D}" type="datetimeFigureOut">
               <a:rPr lang="zh-CN" altLang="en-US" smtClean="0"/>
               <a:pPr/>
-              <a:t>2016/2/3</a:t>
+              <a:t>2016/5/2</a:t>
             </a:fld>
             <a:endParaRPr lang="zh-CN" altLang="en-US"/>
           </a:p>
@@ -3190,7 +3169,7 @@
           <a:p>
             <a:pPr algn="ctr"/>
             <a:r>
-              <a:rPr lang="en-US" altLang="zh-CN" dirty="0" smtClean="0">
+              <a:rPr lang="en-US" altLang="zh-CN" dirty="0">
                 <a:solidFill>
                   <a:schemeClr val="tx1"/>
                 </a:solidFill>
@@ -3245,7 +3224,7 @@
           <a:p>
             <a:pPr algn="ctr"/>
             <a:r>
-              <a:rPr lang="en-US" altLang="zh-CN" dirty="0" smtClean="0">
+              <a:rPr lang="en-US" altLang="zh-CN" dirty="0">
                 <a:solidFill>
                   <a:schemeClr val="tx1"/>
                 </a:solidFill>
@@ -3282,14 +3261,14 @@
           <a:lstStyle/>
           <a:p>
             <a:r>
-              <a:rPr lang="en-US" altLang="zh-CN" sz="1400" dirty="0" smtClean="0"/>
+              <a:rPr lang="en-US" altLang="zh-CN" sz="1400" dirty="0"/>
               <a:t>Application Layer</a:t>
             </a:r>
             <a:r>
-              <a:rPr lang="en-US" sz="1400" dirty="0" smtClean="0"/>
+              <a:rPr lang="en-US" sz="1400" dirty="0"/>
               <a:t>: Build a user friendly interface for CoAP communication,  message queue management and multiple thread dispatcher.</a:t>
             </a:r>
-            <a:endParaRPr lang="en-US" altLang="zh-CN" sz="1400" dirty="0" smtClean="0"/>
+            <a:endParaRPr lang="en-US" altLang="zh-CN" sz="1400" dirty="0"/>
           </a:p>
         </p:txBody>
       </p:sp>
@@ -3315,14 +3294,14 @@
           <a:lstStyle/>
           <a:p>
             <a:r>
-              <a:rPr lang="en-US" altLang="zh-CN" sz="1400" dirty="0" smtClean="0"/>
+              <a:rPr lang="en-US" altLang="zh-CN" sz="1400" dirty="0"/>
               <a:t>Network Layer</a:t>
             </a:r>
             <a:r>
-              <a:rPr lang="en-US" sz="1400" dirty="0" smtClean="0"/>
+              <a:rPr lang="en-US" sz="1400" dirty="0"/>
               <a:t>: Different  implementations of wireless communication in Non IP environment </a:t>
             </a:r>
-            <a:endParaRPr lang="en-US" altLang="zh-CN" sz="1400" dirty="0" smtClean="0"/>
+            <a:endParaRPr lang="en-US" altLang="zh-CN" sz="1400" dirty="0"/>
           </a:p>
         </p:txBody>
       </p:sp>
@@ -3366,7 +3345,7 @@
           <a:p>
             <a:pPr algn="ctr"/>
             <a:r>
-              <a:rPr lang="en-US" altLang="zh-CN" dirty="0" smtClean="0">
+              <a:rPr lang="en-US" altLang="zh-CN" dirty="0">
                 <a:solidFill>
                   <a:schemeClr val="tx1"/>
                 </a:solidFill>
@@ -3403,14 +3382,14 @@
           <a:lstStyle/>
           <a:p>
             <a:r>
-              <a:rPr lang="en-US" altLang="zh-CN" sz="1400" dirty="0" smtClean="0"/>
+              <a:rPr lang="en-US" altLang="zh-CN" sz="1400" dirty="0"/>
               <a:t>Developer Layer</a:t>
             </a:r>
             <a:r>
-              <a:rPr lang="en-US" sz="1400" dirty="0" smtClean="0"/>
+              <a:rPr lang="en-US" sz="1400" dirty="0"/>
               <a:t>:  This layer is customized by developers.</a:t>
             </a:r>
-            <a:endParaRPr lang="en-US" altLang="zh-CN" sz="1400" dirty="0" smtClean="0"/>
+            <a:endParaRPr lang="en-US" altLang="zh-CN" sz="1400" dirty="0"/>
           </a:p>
         </p:txBody>
       </p:sp>
@@ -3479,7 +3458,7 @@
           <a:p>
             <a:pPr algn="ctr"/>
             <a:r>
-              <a:rPr lang="en-US" altLang="zh-CN" dirty="0" smtClean="0">
+              <a:rPr lang="en-US" altLang="zh-CN" dirty="0">
                 <a:solidFill>
                   <a:schemeClr val="tx1"/>
                 </a:solidFill>
@@ -3572,7 +3551,7 @@
           <a:p>
             <a:pPr algn="ctr"/>
             <a:r>
-              <a:rPr lang="en-US" altLang="zh-CN" dirty="0" smtClean="0">
+              <a:rPr lang="en-US" altLang="zh-CN" dirty="0">
                 <a:solidFill>
                   <a:schemeClr val="tx1"/>
                 </a:solidFill>
@@ -3627,7 +3606,7 @@
           <a:p>
             <a:pPr algn="ctr"/>
             <a:r>
-              <a:rPr lang="en-US" altLang="zh-CN" dirty="0" smtClean="0">
+              <a:rPr lang="en-US" altLang="zh-CN" dirty="0">
                 <a:solidFill>
                   <a:schemeClr val="tx1"/>
                 </a:solidFill>
@@ -3665,16 +3644,15 @@
           <a:lstStyle/>
           <a:p>
             <a:r>
-              <a:rPr lang="en-CA" dirty="0" smtClean="0"/>
+              <a:rPr lang="en-CA" dirty="0"/>
               <a:t>Message Queue and </a:t>
             </a:r>
           </a:p>
           <a:p>
             <a:r>
-              <a:rPr lang="en-CA" dirty="0" smtClean="0"/>
+              <a:rPr lang="en-CA" dirty="0"/>
               <a:t>Data Processing</a:t>
             </a:r>
-            <a:endParaRPr lang="en-CA" dirty="0"/>
           </a:p>
         </p:txBody>
       </p:sp>
@@ -3701,30 +3679,30 @@
           <a:lstStyle/>
           <a:p>
             <a:r>
-              <a:rPr lang="en-CA" dirty="0" smtClean="0"/>
+              <a:rPr lang="en-CA" dirty="0"/>
               <a:t>Implement common interface, </a:t>
             </a:r>
           </a:p>
           <a:p>
             <a:r>
-              <a:rPr lang="en-CA" dirty="0" smtClean="0"/>
+              <a:rPr lang="en-CA" dirty="0"/>
               <a:t>deliver data between network layer </a:t>
             </a:r>
           </a:p>
           <a:p>
             <a:r>
-              <a:rPr lang="en-CA" dirty="0" smtClean="0"/>
+              <a:rPr lang="en-CA" dirty="0"/>
               <a:t>and process </a:t>
             </a:r>
             <a:r>
-              <a:rPr lang="en-CA" dirty="0" err="1" smtClean="0"/>
+              <a:rPr lang="en-CA" dirty="0" err="1"/>
               <a:t>compoenent</a:t>
             </a:r>
             <a:r>
               <a:rPr lang="en-CA"/>
               <a:t>.</a:t>
             </a:r>
-            <a:endParaRPr lang="en-CA" dirty="0" smtClean="0"/>
+            <a:endParaRPr lang="en-CA" dirty="0"/>
           </a:p>
         </p:txBody>
       </p:sp>
@@ -3760,14 +3738,14 @@
       </p:grpSpPr>
       <p:sp>
         <p:nvSpPr>
-          <p:cNvPr id="106" name="矩形 105"/>
+          <p:cNvPr id="5" name="矩形 4"/>
           <p:cNvSpPr/>
           <p:nvPr/>
         </p:nvSpPr>
         <p:spPr>
           <a:xfrm>
-            <a:off x="216270" y="571480"/>
-            <a:ext cx="8715436" cy="5643602"/>
+            <a:off x="287708" y="3143248"/>
+            <a:ext cx="1357322" cy="500066"/>
           </a:xfrm>
           <a:prstGeom prst="rect">
             <a:avLst/>
@@ -3798,54 +3776,7 @@
           <a:p>
             <a:pPr algn="ctr"/>
             <a:r>
-              <a:rPr lang="en-CA" altLang="zh-CN" dirty="0" smtClean="0"/>
-              <a:t>ads</a:t>
-            </a:r>
-            <a:endParaRPr lang="zh-CN" altLang="en-US" dirty="0"/>
-          </a:p>
-        </p:txBody>
-      </p:sp>
-      <p:sp>
-        <p:nvSpPr>
-          <p:cNvPr id="5" name="矩形 4"/>
-          <p:cNvSpPr/>
-          <p:nvPr/>
-        </p:nvSpPr>
-        <p:spPr>
-          <a:xfrm>
-            <a:off x="287708" y="3143248"/>
-            <a:ext cx="1357322" cy="500066"/>
-          </a:xfrm>
-          <a:prstGeom prst="rect">
-            <a:avLst/>
-          </a:prstGeom>
-          <a:solidFill>
-            <a:schemeClr val="bg1"/>
-          </a:solidFill>
-        </p:spPr>
-        <p:style>
-          <a:lnRef idx="2">
-            <a:schemeClr val="accent1">
-              <a:shade val="50000"/>
-            </a:schemeClr>
-          </a:lnRef>
-          <a:fillRef idx="1">
-            <a:schemeClr val="accent1"/>
-          </a:fillRef>
-          <a:effectRef idx="0">
-            <a:schemeClr val="accent1"/>
-          </a:effectRef>
-          <a:fontRef idx="minor">
-            <a:schemeClr val="lt1"/>
-          </a:fontRef>
-        </p:style>
-        <p:txBody>
-          <a:bodyPr rtlCol="0" anchor="ctr"/>
-          <a:lstStyle/>
-          <a:p>
-            <a:pPr algn="ctr"/>
-            <a:r>
-              <a:rPr lang="en-US" altLang="zh-CN" dirty="0" smtClean="0">
+              <a:rPr lang="en-US" altLang="zh-CN" dirty="0">
                 <a:solidFill>
                   <a:schemeClr val="tx1"/>
                 </a:solidFill>
@@ -3900,7 +3831,7 @@
           <a:p>
             <a:pPr algn="ctr"/>
             <a:r>
-              <a:rPr lang="en-US" altLang="zh-CN" dirty="0" smtClean="0">
+              <a:rPr lang="en-US" altLang="zh-CN" dirty="0">
                 <a:solidFill>
                   <a:schemeClr val="tx1"/>
                 </a:solidFill>
@@ -3955,7 +3886,7 @@
           <a:p>
             <a:pPr algn="ctr"/>
             <a:r>
-              <a:rPr lang="en-US" altLang="zh-CN" dirty="0" smtClean="0">
+              <a:rPr lang="en-US" altLang="zh-CN" dirty="0">
                 <a:solidFill>
                   <a:schemeClr val="tx1"/>
                 </a:solidFill>
@@ -3972,14 +3903,14 @@
       </p:sp>
       <p:sp>
         <p:nvSpPr>
-          <p:cNvPr id="8" name="矩形 7"/>
+          <p:cNvPr id="9" name="矩形 8"/>
           <p:cNvSpPr/>
           <p:nvPr/>
         </p:nvSpPr>
         <p:spPr>
           <a:xfrm>
-            <a:off x="216269" y="571480"/>
-            <a:ext cx="3082297" cy="428628"/>
+            <a:off x="3288104" y="2428868"/>
+            <a:ext cx="1357322" cy="500066"/>
           </a:xfrm>
           <a:prstGeom prst="rect">
             <a:avLst/>
@@ -4010,12 +3941,12 @@
           <a:p>
             <a:pPr algn="ctr"/>
             <a:r>
-              <a:rPr lang="en-US" altLang="zh-CN" dirty="0" smtClean="0">
+              <a:rPr lang="en-US" altLang="zh-CN" dirty="0">
                 <a:solidFill>
                   <a:schemeClr val="tx1"/>
                 </a:solidFill>
               </a:rPr>
-              <a:t>Application Layer (Process)</a:t>
+              <a:t>Processor 1</a:t>
             </a:r>
             <a:endParaRPr lang="zh-CN" altLang="en-US" dirty="0">
               <a:solidFill>
@@ -4027,13 +3958,13 @@
       </p:sp>
       <p:sp>
         <p:nvSpPr>
-          <p:cNvPr id="9" name="矩形 8"/>
+          <p:cNvPr id="10" name="矩形 9"/>
           <p:cNvSpPr/>
           <p:nvPr/>
         </p:nvSpPr>
         <p:spPr>
           <a:xfrm>
-            <a:off x="3288104" y="2428868"/>
+            <a:off x="3288104" y="3143248"/>
             <a:ext cx="1357322" cy="500066"/>
           </a:xfrm>
           <a:prstGeom prst="rect">
@@ -4065,12 +3996,12 @@
           <a:p>
             <a:pPr algn="ctr"/>
             <a:r>
-              <a:rPr lang="en-US" altLang="zh-CN" dirty="0" smtClean="0">
+              <a:rPr lang="en-US" altLang="zh-CN" dirty="0">
                 <a:solidFill>
                   <a:schemeClr val="tx1"/>
                 </a:solidFill>
               </a:rPr>
-              <a:t>Processor 1</a:t>
+              <a:t>Processor 2</a:t>
             </a:r>
             <a:endParaRPr lang="zh-CN" altLang="en-US" dirty="0">
               <a:solidFill>
@@ -4082,21 +4013,18 @@
       </p:sp>
       <p:sp>
         <p:nvSpPr>
-          <p:cNvPr id="10" name="矩形 9"/>
+          <p:cNvPr id="11" name="椭圆 10"/>
           <p:cNvSpPr/>
           <p:nvPr/>
         </p:nvSpPr>
         <p:spPr>
           <a:xfrm>
-            <a:off x="3288104" y="3143248"/>
-            <a:ext cx="1357322" cy="500066"/>
-          </a:xfrm>
-          <a:prstGeom prst="rect">
-            <a:avLst/>
-          </a:prstGeom>
-          <a:solidFill>
-            <a:schemeClr val="bg1"/>
-          </a:solidFill>
+            <a:off x="3931046" y="3786190"/>
+            <a:ext cx="71438" cy="71438"/>
+          </a:xfrm>
+          <a:prstGeom prst="ellipse">
+            <a:avLst/>
+          </a:prstGeom>
         </p:spPr>
         <p:style>
           <a:lnRef idx="2">
@@ -4119,13 +4047,216 @@
           <a:lstStyle/>
           <a:p>
             <a:pPr algn="ctr"/>
-            <a:r>
-              <a:rPr lang="en-US" altLang="zh-CN" dirty="0" smtClean="0">
+            <a:endParaRPr lang="zh-CN" altLang="en-US"/>
+          </a:p>
+        </p:txBody>
+      </p:sp>
+      <p:sp>
+        <p:nvSpPr>
+          <p:cNvPr id="12" name="椭圆 11"/>
+          <p:cNvSpPr/>
+          <p:nvPr/>
+        </p:nvSpPr>
+        <p:spPr>
+          <a:xfrm>
+            <a:off x="3931046" y="3929066"/>
+            <a:ext cx="71438" cy="71438"/>
+          </a:xfrm>
+          <a:prstGeom prst="ellipse">
+            <a:avLst/>
+          </a:prstGeom>
+        </p:spPr>
+        <p:style>
+          <a:lnRef idx="2">
+            <a:schemeClr val="accent1">
+              <a:shade val="50000"/>
+            </a:schemeClr>
+          </a:lnRef>
+          <a:fillRef idx="1">
+            <a:schemeClr val="accent1"/>
+          </a:fillRef>
+          <a:effectRef idx="0">
+            <a:schemeClr val="accent1"/>
+          </a:effectRef>
+          <a:fontRef idx="minor">
+            <a:schemeClr val="lt1"/>
+          </a:fontRef>
+        </p:style>
+        <p:txBody>
+          <a:bodyPr rtlCol="0" anchor="ctr"/>
+          <a:lstStyle/>
+          <a:p>
+            <a:pPr algn="ctr"/>
+            <a:endParaRPr lang="zh-CN" altLang="en-US"/>
+          </a:p>
+        </p:txBody>
+      </p:sp>
+      <p:sp>
+        <p:nvSpPr>
+          <p:cNvPr id="13" name="椭圆 12"/>
+          <p:cNvSpPr/>
+          <p:nvPr/>
+        </p:nvSpPr>
+        <p:spPr>
+          <a:xfrm>
+            <a:off x="3931046" y="4071942"/>
+            <a:ext cx="71438" cy="71438"/>
+          </a:xfrm>
+          <a:prstGeom prst="ellipse">
+            <a:avLst/>
+          </a:prstGeom>
+        </p:spPr>
+        <p:style>
+          <a:lnRef idx="2">
+            <a:schemeClr val="accent1">
+              <a:shade val="50000"/>
+            </a:schemeClr>
+          </a:lnRef>
+          <a:fillRef idx="1">
+            <a:schemeClr val="accent1"/>
+          </a:fillRef>
+          <a:effectRef idx="0">
+            <a:schemeClr val="accent1"/>
+          </a:effectRef>
+          <a:fontRef idx="minor">
+            <a:schemeClr val="lt1"/>
+          </a:fontRef>
+        </p:style>
+        <p:txBody>
+          <a:bodyPr rtlCol="0" anchor="ctr"/>
+          <a:lstStyle/>
+          <a:p>
+            <a:pPr algn="ctr"/>
+            <a:endParaRPr lang="zh-CN" altLang="en-US"/>
+          </a:p>
+        </p:txBody>
+      </p:sp>
+      <p:sp>
+        <p:nvSpPr>
+          <p:cNvPr id="14" name="椭圆 13"/>
+          <p:cNvSpPr/>
+          <p:nvPr/>
+        </p:nvSpPr>
+        <p:spPr>
+          <a:xfrm>
+            <a:off x="3931046" y="4214818"/>
+            <a:ext cx="71438" cy="71438"/>
+          </a:xfrm>
+          <a:prstGeom prst="ellipse">
+            <a:avLst/>
+          </a:prstGeom>
+        </p:spPr>
+        <p:style>
+          <a:lnRef idx="2">
+            <a:schemeClr val="accent1">
+              <a:shade val="50000"/>
+            </a:schemeClr>
+          </a:lnRef>
+          <a:fillRef idx="1">
+            <a:schemeClr val="accent1"/>
+          </a:fillRef>
+          <a:effectRef idx="0">
+            <a:schemeClr val="accent1"/>
+          </a:effectRef>
+          <a:fontRef idx="minor">
+            <a:schemeClr val="lt1"/>
+          </a:fontRef>
+        </p:style>
+        <p:txBody>
+          <a:bodyPr rtlCol="0" anchor="ctr"/>
+          <a:lstStyle/>
+          <a:p>
+            <a:pPr algn="ctr"/>
+            <a:endParaRPr lang="zh-CN" altLang="en-US"/>
+          </a:p>
+        </p:txBody>
+      </p:sp>
+      <p:sp>
+        <p:nvSpPr>
+          <p:cNvPr id="15" name="椭圆 14"/>
+          <p:cNvSpPr/>
+          <p:nvPr/>
+        </p:nvSpPr>
+        <p:spPr>
+          <a:xfrm>
+            <a:off x="3931046" y="4357694"/>
+            <a:ext cx="71438" cy="71438"/>
+          </a:xfrm>
+          <a:prstGeom prst="ellipse">
+            <a:avLst/>
+          </a:prstGeom>
+        </p:spPr>
+        <p:style>
+          <a:lnRef idx="2">
+            <a:schemeClr val="accent1">
+              <a:shade val="50000"/>
+            </a:schemeClr>
+          </a:lnRef>
+          <a:fillRef idx="1">
+            <a:schemeClr val="accent1"/>
+          </a:fillRef>
+          <a:effectRef idx="0">
+            <a:schemeClr val="accent1"/>
+          </a:effectRef>
+          <a:fontRef idx="minor">
+            <a:schemeClr val="lt1"/>
+          </a:fontRef>
+        </p:style>
+        <p:txBody>
+          <a:bodyPr rtlCol="0" anchor="ctr"/>
+          <a:lstStyle/>
+          <a:p>
+            <a:pPr algn="ctr"/>
+            <a:endParaRPr lang="zh-CN" altLang="en-US"/>
+          </a:p>
+        </p:txBody>
+      </p:sp>
+      <p:sp>
+        <p:nvSpPr>
+          <p:cNvPr id="16" name="矩形 15"/>
+          <p:cNvSpPr/>
+          <p:nvPr/>
+        </p:nvSpPr>
+        <p:spPr>
+          <a:xfrm>
+            <a:off x="3288104" y="4500570"/>
+            <a:ext cx="1357322" cy="500066"/>
+          </a:xfrm>
+          <a:prstGeom prst="rect">
+            <a:avLst/>
+          </a:prstGeom>
+          <a:solidFill>
+            <a:schemeClr val="bg1"/>
+          </a:solidFill>
+        </p:spPr>
+        <p:style>
+          <a:lnRef idx="2">
+            <a:schemeClr val="accent1">
+              <a:shade val="50000"/>
+            </a:schemeClr>
+          </a:lnRef>
+          <a:fillRef idx="1">
+            <a:schemeClr val="accent1"/>
+          </a:fillRef>
+          <a:effectRef idx="0">
+            <a:schemeClr val="accent1"/>
+          </a:effectRef>
+          <a:fontRef idx="minor">
+            <a:schemeClr val="lt1"/>
+          </a:fontRef>
+        </p:style>
+        <p:txBody>
+          <a:bodyPr rtlCol="0" anchor="ctr"/>
+          <a:lstStyle/>
+          <a:p>
+            <a:pPr algn="ctr"/>
+            <a:r>
+              <a:rPr lang="en-US" altLang="zh-CN" dirty="0">
                 <a:solidFill>
                   <a:schemeClr val="tx1"/>
                 </a:solidFill>
               </a:rPr>
-              <a:t>Processor 2</a:t>
+              <a:t>Processor n</a:t>
             </a:r>
             <a:endParaRPr lang="zh-CN" altLang="en-US" dirty="0">
               <a:solidFill>
@@ -4137,18 +4268,21 @@
       </p:sp>
       <p:sp>
         <p:nvSpPr>
-          <p:cNvPr id="11" name="椭圆 10"/>
+          <p:cNvPr id="35" name="矩形 34"/>
           <p:cNvSpPr/>
           <p:nvPr/>
         </p:nvSpPr>
         <p:spPr>
           <a:xfrm>
-            <a:off x="3931046" y="3786190"/>
-            <a:ext cx="71438" cy="71438"/>
-          </a:xfrm>
-          <a:prstGeom prst="ellipse">
-            <a:avLst/>
-          </a:prstGeom>
+            <a:off x="5788434" y="2428868"/>
+            <a:ext cx="1357322" cy="500066"/>
+          </a:xfrm>
+          <a:prstGeom prst="rect">
+            <a:avLst/>
+          </a:prstGeom>
+          <a:solidFill>
+            <a:schemeClr val="bg1"/>
+          </a:solidFill>
         </p:spPr>
         <p:style>
           <a:lnRef idx="2">
@@ -4171,216 +4305,13 @@
           <a:lstStyle/>
           <a:p>
             <a:pPr algn="ctr"/>
-            <a:endParaRPr lang="zh-CN" altLang="en-US"/>
-          </a:p>
-        </p:txBody>
-      </p:sp>
-      <p:sp>
-        <p:nvSpPr>
-          <p:cNvPr id="12" name="椭圆 11"/>
-          <p:cNvSpPr/>
-          <p:nvPr/>
-        </p:nvSpPr>
-        <p:spPr>
-          <a:xfrm>
-            <a:off x="3931046" y="3929066"/>
-            <a:ext cx="71438" cy="71438"/>
-          </a:xfrm>
-          <a:prstGeom prst="ellipse">
-            <a:avLst/>
-          </a:prstGeom>
-        </p:spPr>
-        <p:style>
-          <a:lnRef idx="2">
-            <a:schemeClr val="accent1">
-              <a:shade val="50000"/>
-            </a:schemeClr>
-          </a:lnRef>
-          <a:fillRef idx="1">
-            <a:schemeClr val="accent1"/>
-          </a:fillRef>
-          <a:effectRef idx="0">
-            <a:schemeClr val="accent1"/>
-          </a:effectRef>
-          <a:fontRef idx="minor">
-            <a:schemeClr val="lt1"/>
-          </a:fontRef>
-        </p:style>
-        <p:txBody>
-          <a:bodyPr rtlCol="0" anchor="ctr"/>
-          <a:lstStyle/>
-          <a:p>
-            <a:pPr algn="ctr"/>
-            <a:endParaRPr lang="zh-CN" altLang="en-US"/>
-          </a:p>
-        </p:txBody>
-      </p:sp>
-      <p:sp>
-        <p:nvSpPr>
-          <p:cNvPr id="13" name="椭圆 12"/>
-          <p:cNvSpPr/>
-          <p:nvPr/>
-        </p:nvSpPr>
-        <p:spPr>
-          <a:xfrm>
-            <a:off x="3931046" y="4071942"/>
-            <a:ext cx="71438" cy="71438"/>
-          </a:xfrm>
-          <a:prstGeom prst="ellipse">
-            <a:avLst/>
-          </a:prstGeom>
-        </p:spPr>
-        <p:style>
-          <a:lnRef idx="2">
-            <a:schemeClr val="accent1">
-              <a:shade val="50000"/>
-            </a:schemeClr>
-          </a:lnRef>
-          <a:fillRef idx="1">
-            <a:schemeClr val="accent1"/>
-          </a:fillRef>
-          <a:effectRef idx="0">
-            <a:schemeClr val="accent1"/>
-          </a:effectRef>
-          <a:fontRef idx="minor">
-            <a:schemeClr val="lt1"/>
-          </a:fontRef>
-        </p:style>
-        <p:txBody>
-          <a:bodyPr rtlCol="0" anchor="ctr"/>
-          <a:lstStyle/>
-          <a:p>
-            <a:pPr algn="ctr"/>
-            <a:endParaRPr lang="zh-CN" altLang="en-US"/>
-          </a:p>
-        </p:txBody>
-      </p:sp>
-      <p:sp>
-        <p:nvSpPr>
-          <p:cNvPr id="14" name="椭圆 13"/>
-          <p:cNvSpPr/>
-          <p:nvPr/>
-        </p:nvSpPr>
-        <p:spPr>
-          <a:xfrm>
-            <a:off x="3931046" y="4214818"/>
-            <a:ext cx="71438" cy="71438"/>
-          </a:xfrm>
-          <a:prstGeom prst="ellipse">
-            <a:avLst/>
-          </a:prstGeom>
-        </p:spPr>
-        <p:style>
-          <a:lnRef idx="2">
-            <a:schemeClr val="accent1">
-              <a:shade val="50000"/>
-            </a:schemeClr>
-          </a:lnRef>
-          <a:fillRef idx="1">
-            <a:schemeClr val="accent1"/>
-          </a:fillRef>
-          <a:effectRef idx="0">
-            <a:schemeClr val="accent1"/>
-          </a:effectRef>
-          <a:fontRef idx="minor">
-            <a:schemeClr val="lt1"/>
-          </a:fontRef>
-        </p:style>
-        <p:txBody>
-          <a:bodyPr rtlCol="0" anchor="ctr"/>
-          <a:lstStyle/>
-          <a:p>
-            <a:pPr algn="ctr"/>
-            <a:endParaRPr lang="zh-CN" altLang="en-US"/>
-          </a:p>
-        </p:txBody>
-      </p:sp>
-      <p:sp>
-        <p:nvSpPr>
-          <p:cNvPr id="15" name="椭圆 14"/>
-          <p:cNvSpPr/>
-          <p:nvPr/>
-        </p:nvSpPr>
-        <p:spPr>
-          <a:xfrm>
-            <a:off x="3931046" y="4357694"/>
-            <a:ext cx="71438" cy="71438"/>
-          </a:xfrm>
-          <a:prstGeom prst="ellipse">
-            <a:avLst/>
-          </a:prstGeom>
-        </p:spPr>
-        <p:style>
-          <a:lnRef idx="2">
-            <a:schemeClr val="accent1">
-              <a:shade val="50000"/>
-            </a:schemeClr>
-          </a:lnRef>
-          <a:fillRef idx="1">
-            <a:schemeClr val="accent1"/>
-          </a:fillRef>
-          <a:effectRef idx="0">
-            <a:schemeClr val="accent1"/>
-          </a:effectRef>
-          <a:fontRef idx="minor">
-            <a:schemeClr val="lt1"/>
-          </a:fontRef>
-        </p:style>
-        <p:txBody>
-          <a:bodyPr rtlCol="0" anchor="ctr"/>
-          <a:lstStyle/>
-          <a:p>
-            <a:pPr algn="ctr"/>
-            <a:endParaRPr lang="zh-CN" altLang="en-US"/>
-          </a:p>
-        </p:txBody>
-      </p:sp>
-      <p:sp>
-        <p:nvSpPr>
-          <p:cNvPr id="16" name="矩形 15"/>
-          <p:cNvSpPr/>
-          <p:nvPr/>
-        </p:nvSpPr>
-        <p:spPr>
-          <a:xfrm>
-            <a:off x="3288104" y="4500570"/>
-            <a:ext cx="1357322" cy="500066"/>
-          </a:xfrm>
-          <a:prstGeom prst="rect">
-            <a:avLst/>
-          </a:prstGeom>
-          <a:solidFill>
-            <a:schemeClr val="bg1"/>
-          </a:solidFill>
-        </p:spPr>
-        <p:style>
-          <a:lnRef idx="2">
-            <a:schemeClr val="accent1">
-              <a:shade val="50000"/>
-            </a:schemeClr>
-          </a:lnRef>
-          <a:fillRef idx="1">
-            <a:schemeClr val="accent1"/>
-          </a:fillRef>
-          <a:effectRef idx="0">
-            <a:schemeClr val="accent1"/>
-          </a:effectRef>
-          <a:fontRef idx="minor">
-            <a:schemeClr val="lt1"/>
-          </a:fontRef>
-        </p:style>
-        <p:txBody>
-          <a:bodyPr rtlCol="0" anchor="ctr"/>
-          <a:lstStyle/>
-          <a:p>
-            <a:pPr algn="ctr"/>
-            <a:r>
-              <a:rPr lang="en-US" altLang="zh-CN" dirty="0" smtClean="0">
+            <a:r>
+              <a:rPr lang="en-US" altLang="zh-CN" dirty="0">
                 <a:solidFill>
                   <a:schemeClr val="tx1"/>
                 </a:solidFill>
               </a:rPr>
-              <a:t>Processor n</a:t>
+              <a:t>Sender 1</a:t>
             </a:r>
             <a:endParaRPr lang="zh-CN" altLang="en-US" dirty="0">
               <a:solidFill>
@@ -4392,13 +4323,13 @@
       </p:sp>
       <p:sp>
         <p:nvSpPr>
-          <p:cNvPr id="35" name="矩形 34"/>
+          <p:cNvPr id="36" name="矩形 35"/>
           <p:cNvSpPr/>
           <p:nvPr/>
         </p:nvSpPr>
         <p:spPr>
           <a:xfrm>
-            <a:off x="5788434" y="2428868"/>
+            <a:off x="5788434" y="3143248"/>
             <a:ext cx="1357322" cy="500066"/>
           </a:xfrm>
           <a:prstGeom prst="rect">
@@ -4430,12 +4361,12 @@
           <a:p>
             <a:pPr algn="ctr"/>
             <a:r>
-              <a:rPr lang="en-US" altLang="zh-CN" dirty="0" smtClean="0">
+              <a:rPr lang="en-US" altLang="zh-CN" dirty="0">
                 <a:solidFill>
                   <a:schemeClr val="tx1"/>
                 </a:solidFill>
               </a:rPr>
-              <a:t>Sender 1</a:t>
+              <a:t>Sender 2</a:t>
             </a:r>
             <a:endParaRPr lang="zh-CN" altLang="en-US" dirty="0">
               <a:solidFill>
@@ -4447,21 +4378,18 @@
       </p:sp>
       <p:sp>
         <p:nvSpPr>
-          <p:cNvPr id="36" name="矩形 35"/>
+          <p:cNvPr id="37" name="椭圆 36"/>
           <p:cNvSpPr/>
           <p:nvPr/>
         </p:nvSpPr>
         <p:spPr>
           <a:xfrm>
-            <a:off x="5788434" y="3143248"/>
-            <a:ext cx="1357322" cy="500066"/>
-          </a:xfrm>
-          <a:prstGeom prst="rect">
-            <a:avLst/>
-          </a:prstGeom>
-          <a:solidFill>
-            <a:schemeClr val="bg1"/>
-          </a:solidFill>
+            <a:off x="6431376" y="3786190"/>
+            <a:ext cx="71438" cy="71438"/>
+          </a:xfrm>
+          <a:prstGeom prst="ellipse">
+            <a:avLst/>
+          </a:prstGeom>
         </p:spPr>
         <p:style>
           <a:lnRef idx="2">
@@ -4484,31 +4412,19 @@
           <a:lstStyle/>
           <a:p>
             <a:pPr algn="ctr"/>
-            <a:r>
-              <a:rPr lang="en-US" altLang="zh-CN" dirty="0" smtClean="0">
-                <a:solidFill>
-                  <a:schemeClr val="tx1"/>
-                </a:solidFill>
-              </a:rPr>
-              <a:t>Sender 2</a:t>
-            </a:r>
-            <a:endParaRPr lang="zh-CN" altLang="en-US" dirty="0">
-              <a:solidFill>
-                <a:schemeClr val="tx1"/>
-              </a:solidFill>
-            </a:endParaRPr>
-          </a:p>
-        </p:txBody>
-      </p:sp>
-      <p:sp>
-        <p:nvSpPr>
-          <p:cNvPr id="37" name="椭圆 36"/>
+            <a:endParaRPr lang="zh-CN" altLang="en-US"/>
+          </a:p>
+        </p:txBody>
+      </p:sp>
+      <p:sp>
+        <p:nvSpPr>
+          <p:cNvPr id="38" name="椭圆 37"/>
           <p:cNvSpPr/>
           <p:nvPr/>
         </p:nvSpPr>
         <p:spPr>
           <a:xfrm>
-            <a:off x="6431376" y="3786190"/>
+            <a:off x="6431376" y="3929066"/>
             <a:ext cx="71438" cy="71438"/>
           </a:xfrm>
           <a:prstGeom prst="ellipse">
@@ -4542,13 +4458,13 @@
       </p:sp>
       <p:sp>
         <p:nvSpPr>
-          <p:cNvPr id="38" name="椭圆 37"/>
+          <p:cNvPr id="39" name="椭圆 38"/>
           <p:cNvSpPr/>
           <p:nvPr/>
         </p:nvSpPr>
         <p:spPr>
           <a:xfrm>
-            <a:off x="6431376" y="3929066"/>
+            <a:off x="6431376" y="4071942"/>
             <a:ext cx="71438" cy="71438"/>
           </a:xfrm>
           <a:prstGeom prst="ellipse">
@@ -4582,13 +4498,13 @@
       </p:sp>
       <p:sp>
         <p:nvSpPr>
-          <p:cNvPr id="39" name="椭圆 38"/>
+          <p:cNvPr id="40" name="椭圆 39"/>
           <p:cNvSpPr/>
           <p:nvPr/>
         </p:nvSpPr>
         <p:spPr>
           <a:xfrm>
-            <a:off x="6431376" y="4071942"/>
+            <a:off x="6431376" y="4214818"/>
             <a:ext cx="71438" cy="71438"/>
           </a:xfrm>
           <a:prstGeom prst="ellipse">
@@ -4622,13 +4538,13 @@
       </p:sp>
       <p:sp>
         <p:nvSpPr>
-          <p:cNvPr id="40" name="椭圆 39"/>
+          <p:cNvPr id="41" name="椭圆 40"/>
           <p:cNvSpPr/>
           <p:nvPr/>
         </p:nvSpPr>
         <p:spPr>
           <a:xfrm>
-            <a:off x="6431376" y="4214818"/>
+            <a:off x="6431376" y="4357694"/>
             <a:ext cx="71438" cy="71438"/>
           </a:xfrm>
           <a:prstGeom prst="ellipse">
@@ -4662,18 +4578,21 @@
       </p:sp>
       <p:sp>
         <p:nvSpPr>
-          <p:cNvPr id="41" name="椭圆 40"/>
+          <p:cNvPr id="42" name="矩形 41"/>
           <p:cNvSpPr/>
           <p:nvPr/>
         </p:nvSpPr>
         <p:spPr>
           <a:xfrm>
-            <a:off x="6431376" y="4357694"/>
-            <a:ext cx="71438" cy="71438"/>
-          </a:xfrm>
-          <a:prstGeom prst="ellipse">
-            <a:avLst/>
-          </a:prstGeom>
+            <a:off x="5788434" y="4500570"/>
+            <a:ext cx="1357322" cy="500066"/>
+          </a:xfrm>
+          <a:prstGeom prst="rect">
+            <a:avLst/>
+          </a:prstGeom>
+          <a:solidFill>
+            <a:schemeClr val="bg1"/>
+          </a:solidFill>
         </p:spPr>
         <p:style>
           <a:lnRef idx="2">
@@ -4696,51 +4615,8 @@
           <a:lstStyle/>
           <a:p>
             <a:pPr algn="ctr"/>
-            <a:endParaRPr lang="zh-CN" altLang="en-US"/>
-          </a:p>
-        </p:txBody>
-      </p:sp>
-      <p:sp>
-        <p:nvSpPr>
-          <p:cNvPr id="42" name="矩形 41"/>
-          <p:cNvSpPr/>
-          <p:nvPr/>
-        </p:nvSpPr>
-        <p:spPr>
-          <a:xfrm>
-            <a:off x="5788434" y="4500570"/>
-            <a:ext cx="1357322" cy="500066"/>
-          </a:xfrm>
-          <a:prstGeom prst="rect">
-            <a:avLst/>
-          </a:prstGeom>
-          <a:solidFill>
-            <a:schemeClr val="bg1"/>
-          </a:solidFill>
-        </p:spPr>
-        <p:style>
-          <a:lnRef idx="2">
-            <a:schemeClr val="accent1">
-              <a:shade val="50000"/>
-            </a:schemeClr>
-          </a:lnRef>
-          <a:fillRef idx="1">
-            <a:schemeClr val="accent1"/>
-          </a:fillRef>
-          <a:effectRef idx="0">
-            <a:schemeClr val="accent1"/>
-          </a:effectRef>
-          <a:fontRef idx="minor">
-            <a:schemeClr val="lt1"/>
-          </a:fontRef>
-        </p:style>
-        <p:txBody>
-          <a:bodyPr rtlCol="0" anchor="ctr"/>
-          <a:lstStyle/>
-          <a:p>
-            <a:pPr algn="ctr"/>
-            <a:r>
-              <a:rPr lang="en-US" altLang="zh-CN" dirty="0" smtClean="0">
+            <a:r>
+              <a:rPr lang="en-US" altLang="zh-CN" dirty="0">
                 <a:solidFill>
                   <a:schemeClr val="tx1"/>
                 </a:solidFill>
@@ -4962,7 +4838,7 @@
           <a:lstStyle/>
           <a:p>
             <a:r>
-              <a:rPr lang="en-US" altLang="zh-CN" sz="1200" dirty="0" smtClean="0"/>
+              <a:rPr lang="en-US" altLang="zh-CN" sz="1200" dirty="0"/>
               <a:t>Dispatcher</a:t>
             </a:r>
             <a:endParaRPr lang="zh-CN" altLang="en-US" sz="1200" dirty="0"/>
@@ -4992,7 +4868,7 @@
           <a:lstStyle/>
           <a:p>
             <a:r>
-              <a:rPr lang="en-US" altLang="zh-CN" sz="1200" dirty="0" smtClean="0"/>
+              <a:rPr lang="en-US" altLang="zh-CN" sz="1200" dirty="0"/>
               <a:t>Dispatcher</a:t>
             </a:r>
             <a:endParaRPr lang="zh-CN" altLang="en-US" sz="1200" dirty="0"/>
@@ -5103,10 +4979,9 @@
           <a:lstStyle/>
           <a:p>
             <a:r>
-              <a:rPr lang="en-CA" dirty="0" smtClean="0"/>
+              <a:rPr lang="en-CA" dirty="0"/>
               <a:t>Is request?</a:t>
             </a:r>
-            <a:endParaRPr lang="en-CA" dirty="0"/>
           </a:p>
         </p:txBody>
       </p:sp>
@@ -5133,10 +5008,9 @@
           <a:lstStyle/>
           <a:p>
             <a:r>
-              <a:rPr lang="en-CA" dirty="0" smtClean="0"/>
+              <a:rPr lang="en-CA" dirty="0"/>
               <a:t>N</a:t>
             </a:r>
-            <a:endParaRPr lang="en-CA" dirty="0"/>
           </a:p>
         </p:txBody>
       </p:sp>
@@ -5228,10 +5102,9 @@
           <a:lstStyle/>
           <a:p>
             <a:r>
-              <a:rPr lang="en-CA" dirty="0" smtClean="0"/>
+              <a:rPr lang="en-CA" dirty="0"/>
               <a:t>Y</a:t>
             </a:r>
-            <a:endParaRPr lang="en-CA" dirty="0"/>
           </a:p>
         </p:txBody>
       </p:sp>
@@ -5275,7 +5148,7 @@
           <a:p>
             <a:pPr algn="ctr"/>
             <a:r>
-              <a:rPr lang="en-US" altLang="zh-CN" dirty="0" smtClean="0">
+              <a:rPr lang="en-US" altLang="zh-CN" dirty="0">
                 <a:solidFill>
                   <a:schemeClr val="tx1"/>
                 </a:solidFill>
@@ -5283,7 +5156,7 @@
               <a:t>Look Up Response </a:t>
             </a:r>
             <a:r>
-              <a:rPr lang="en-US" altLang="zh-CN" dirty="0" err="1" smtClean="0">
+              <a:rPr lang="en-US" altLang="zh-CN" dirty="0" err="1">
                 <a:solidFill>
                   <a:schemeClr val="tx1"/>
                 </a:solidFill>
@@ -5291,7 +5164,7 @@
               <a:t>CallBack</a:t>
             </a:r>
             <a:r>
-              <a:rPr lang="en-US" altLang="zh-CN" dirty="0" smtClean="0">
+              <a:rPr lang="en-US" altLang="zh-CN" dirty="0">
                 <a:solidFill>
                   <a:schemeClr val="tx1"/>
                 </a:solidFill>
@@ -5379,7 +5252,7 @@
           <a:p>
             <a:pPr algn="ctr"/>
             <a:r>
-              <a:rPr lang="en-US" altLang="zh-CN" dirty="0" smtClean="0">
+              <a:rPr lang="en-US" altLang="zh-CN" dirty="0">
                 <a:solidFill>
                   <a:schemeClr val="tx1"/>
                 </a:solidFill>
@@ -5387,7 +5260,7 @@
               <a:t>Register message in </a:t>
             </a:r>
             <a:r>
-              <a:rPr lang="en-US" altLang="zh-CN" dirty="0" err="1" smtClean="0">
+              <a:rPr lang="en-US" altLang="zh-CN" dirty="0" err="1">
                 <a:solidFill>
                   <a:schemeClr val="tx1"/>
                 </a:solidFill>
@@ -5395,7 +5268,7 @@
               <a:t>CallBack</a:t>
             </a:r>
             <a:r>
-              <a:rPr lang="en-US" altLang="zh-CN" dirty="0" smtClean="0">
+              <a:rPr lang="en-US" altLang="zh-CN" dirty="0">
                 <a:solidFill>
                   <a:schemeClr val="tx1"/>
                 </a:solidFill>
@@ -5403,7 +5276,7 @@
               <a:t> </a:t>
             </a:r>
             <a:r>
-              <a:rPr lang="en-US" altLang="zh-CN" dirty="0" err="1" smtClean="0">
+              <a:rPr lang="en-US" altLang="zh-CN" dirty="0" err="1">
                 <a:solidFill>
                   <a:schemeClr val="tx1"/>
                 </a:solidFill>
@@ -5411,7 +5284,7 @@
               <a:t>inMap</a:t>
             </a:r>
             <a:r>
-              <a:rPr lang="en-US" altLang="zh-CN" dirty="0" smtClean="0">
+              <a:rPr lang="en-US" altLang="zh-CN" dirty="0">
                 <a:solidFill>
                   <a:schemeClr val="tx1"/>
                 </a:solidFill>
@@ -5534,7 +5407,7 @@
           <a:p>
             <a:pPr algn="ctr"/>
             <a:r>
-              <a:rPr lang="en-US" altLang="zh-CN" dirty="0" smtClean="0">
+              <a:rPr lang="en-US" altLang="zh-CN" dirty="0">
                 <a:solidFill>
                   <a:schemeClr val="tx1"/>
                 </a:solidFill>
@@ -5590,7 +5463,7 @@
                     <a:lstStyle/>
                     <a:p>
                       <a:r>
-                        <a:rPr lang="en-US" altLang="zh-CN" sz="1600" dirty="0" smtClean="0">
+                        <a:rPr lang="en-US" altLang="zh-CN" sz="1600" dirty="0">
                           <a:solidFill>
                             <a:schemeClr val="tx1"/>
                           </a:solidFill>
@@ -5652,7 +5525,7 @@
                     <a:lstStyle/>
                     <a:p>
                       <a:r>
-                        <a:rPr lang="en-US" altLang="zh-CN" sz="1600" dirty="0" smtClean="0">
+                        <a:rPr lang="en-US" altLang="zh-CN" sz="1600" dirty="0">
                           <a:solidFill>
                             <a:schemeClr val="tx1"/>
                           </a:solidFill>
@@ -5721,7 +5594,7 @@
                     <a:lstStyle/>
                     <a:p>
                       <a:r>
-                        <a:rPr lang="en-US" altLang="zh-CN" sz="1600" dirty="0" smtClean="0">
+                        <a:rPr lang="en-US" altLang="zh-CN" sz="1600" dirty="0">
                           <a:solidFill>
                             <a:schemeClr val="tx1"/>
                           </a:solidFill>
@@ -5783,7 +5656,7 @@
                     <a:lstStyle/>
                     <a:p>
                       <a:r>
-                        <a:rPr lang="en-US" altLang="zh-CN" sz="1600" dirty="0" smtClean="0">
+                        <a:rPr lang="en-US" altLang="zh-CN" sz="1600" dirty="0">
                           <a:solidFill>
                             <a:schemeClr val="tx1"/>
                           </a:solidFill>
@@ -5852,7 +5725,7 @@
                     <a:lstStyle/>
                     <a:p>
                       <a:r>
-                        <a:rPr lang="en-US" altLang="zh-CN" sz="1600" dirty="0" smtClean="0">
+                        <a:rPr lang="en-US" altLang="zh-CN" sz="1600" dirty="0">
                           <a:solidFill>
                             <a:schemeClr val="tx1"/>
                           </a:solidFill>
@@ -5914,7 +5787,7 @@
                     <a:lstStyle/>
                     <a:p>
                       <a:r>
-                        <a:rPr lang="en-US" altLang="zh-CN" sz="1600" dirty="0" smtClean="0">
+                        <a:rPr lang="en-US" altLang="zh-CN" sz="1600" dirty="0">
                           <a:solidFill>
                             <a:schemeClr val="tx1"/>
                           </a:solidFill>
@@ -5983,7 +5856,7 @@
                     <a:lstStyle/>
                     <a:p>
                       <a:r>
-                        <a:rPr lang="en-US" altLang="zh-CN" sz="1600" dirty="0" smtClean="0">
+                        <a:rPr lang="en-US" altLang="zh-CN" sz="1600" dirty="0">
                           <a:solidFill>
                             <a:schemeClr val="tx1"/>
                           </a:solidFill>
@@ -6045,7 +5918,7 @@
                     <a:lstStyle/>
                     <a:p>
                       <a:r>
-                        <a:rPr lang="en-US" altLang="zh-CN" sz="1600" dirty="0" smtClean="0">
+                        <a:rPr lang="en-US" altLang="zh-CN" sz="1600" dirty="0">
                           <a:solidFill>
                             <a:schemeClr val="tx1"/>
                           </a:solidFill>
@@ -6114,7 +5987,7 @@
                     <a:lstStyle/>
                     <a:p>
                       <a:r>
-                        <a:rPr lang="en-US" altLang="zh-CN" sz="1600" dirty="0" smtClean="0">
+                        <a:rPr lang="en-US" altLang="zh-CN" sz="1600" dirty="0">
                           <a:solidFill>
                             <a:schemeClr val="tx1"/>
                           </a:solidFill>
@@ -6176,7 +6049,7 @@
                     <a:lstStyle/>
                     <a:p>
                       <a:r>
-                        <a:rPr lang="en-US" altLang="zh-CN" sz="1600" dirty="0" smtClean="0">
+                        <a:rPr lang="en-US" altLang="zh-CN" sz="1600" dirty="0">
                           <a:solidFill>
                             <a:schemeClr val="tx1"/>
                           </a:solidFill>
@@ -6245,7 +6118,7 @@
                     <a:lstStyle/>
                     <a:p>
                       <a:r>
-                        <a:rPr lang="en-US" altLang="zh-CN" sz="1600" dirty="0" smtClean="0">
+                        <a:rPr lang="en-US" altLang="zh-CN" sz="1600" dirty="0">
                           <a:solidFill>
                             <a:schemeClr val="tx1"/>
                           </a:solidFill>
@@ -6307,7 +6180,7 @@
                     <a:lstStyle/>
                     <a:p>
                       <a:r>
-                        <a:rPr lang="en-US" altLang="zh-CN" sz="1600" dirty="0" smtClean="0">
+                        <a:rPr lang="en-US" altLang="zh-CN" sz="1600" dirty="0">
                           <a:solidFill>
                             <a:schemeClr val="tx1"/>
                           </a:solidFill>
@@ -6376,7 +6249,7 @@
                     <a:lstStyle/>
                     <a:p>
                       <a:r>
-                        <a:rPr lang="en-US" altLang="zh-CN" sz="1600" dirty="0" smtClean="0">
+                        <a:rPr lang="en-US" altLang="zh-CN" sz="1600" dirty="0">
                           <a:solidFill>
                             <a:schemeClr val="tx1"/>
                           </a:solidFill>
@@ -6438,7 +6311,7 @@
                     <a:lstStyle/>
                     <a:p>
                       <a:r>
-                        <a:rPr lang="en-US" altLang="zh-CN" sz="1600" dirty="0" smtClean="0">
+                        <a:rPr lang="en-US" altLang="zh-CN" sz="1600" dirty="0">
                           <a:solidFill>
                             <a:schemeClr val="tx1"/>
                           </a:solidFill>
@@ -6507,7 +6380,7 @@
                     <a:lstStyle/>
                     <a:p>
                       <a:r>
-                        <a:rPr lang="en-US" altLang="zh-CN" sz="1600" dirty="0" smtClean="0">
+                        <a:rPr lang="en-US" altLang="zh-CN" sz="1600" dirty="0">
                           <a:solidFill>
                             <a:schemeClr val="tx1"/>
                           </a:solidFill>
@@ -6569,7 +6442,7 @@
                     <a:lstStyle/>
                     <a:p>
                       <a:r>
-                        <a:rPr lang="en-US" altLang="zh-CN" sz="1600" dirty="0" smtClean="0">
+                        <a:rPr lang="en-US" altLang="zh-CN" sz="1600" dirty="0">
                           <a:solidFill>
                             <a:schemeClr val="tx1"/>
                           </a:solidFill>
@@ -6638,7 +6511,7 @@
                     <a:lstStyle/>
                     <a:p>
                       <a:r>
-                        <a:rPr lang="en-US" altLang="zh-CN" sz="1600" dirty="0" smtClean="0">
+                        <a:rPr lang="en-US" altLang="zh-CN" sz="1600" dirty="0">
                           <a:solidFill>
                             <a:schemeClr val="tx1"/>
                           </a:solidFill>
@@ -6700,7 +6573,7 @@
                     <a:lstStyle/>
                     <a:p>
                       <a:r>
-                        <a:rPr lang="en-US" altLang="zh-CN" sz="1600" dirty="0" smtClean="0">
+                        <a:rPr lang="en-US" altLang="zh-CN" sz="1600" dirty="0">
                           <a:solidFill>
                             <a:schemeClr val="tx1"/>
                           </a:solidFill>
@@ -6769,7 +6642,7 @@
                     <a:lstStyle/>
                     <a:p>
                       <a:r>
-                        <a:rPr lang="en-US" altLang="zh-CN" sz="1600" dirty="0" smtClean="0">
+                        <a:rPr lang="en-US" altLang="zh-CN" sz="1600" dirty="0">
                           <a:solidFill>
                             <a:schemeClr val="tx1"/>
                           </a:solidFill>
@@ -6831,7 +6704,7 @@
                     <a:lstStyle/>
                     <a:p>
                       <a:r>
-                        <a:rPr lang="en-US" altLang="zh-CN" sz="1600" dirty="0" smtClean="0">
+                        <a:rPr lang="en-US" altLang="zh-CN" sz="1600" dirty="0">
                           <a:solidFill>
                             <a:schemeClr val="tx1"/>
                           </a:solidFill>
@@ -6900,7 +6773,7 @@
                     <a:lstStyle/>
                     <a:p>
                       <a:r>
-                        <a:rPr lang="en-US" altLang="zh-CN" sz="1600" dirty="0" smtClean="0">
+                        <a:rPr lang="en-US" altLang="zh-CN" sz="1600" dirty="0">
                           <a:solidFill>
                             <a:schemeClr val="tx1"/>
                           </a:solidFill>
@@ -6962,7 +6835,7 @@
                     <a:lstStyle/>
                     <a:p>
                       <a:r>
-                        <a:rPr lang="en-US" altLang="zh-CN" sz="1600" dirty="0" smtClean="0">
+                        <a:rPr lang="en-US" altLang="zh-CN" sz="1600" dirty="0">
                           <a:solidFill>
                             <a:schemeClr val="tx1"/>
                           </a:solidFill>
@@ -7051,13 +6924,13 @@
           <a:lstStyle/>
           <a:p>
             <a:r>
-              <a:rPr lang="en-US" altLang="zh-CN" sz="1200" dirty="0" smtClean="0"/>
+              <a:rPr lang="en-US" altLang="zh-CN" sz="1200" dirty="0"/>
               <a:t>Repeat send 32bytes data 100 times (extra 8 bytes per frame)</a:t>
             </a:r>
           </a:p>
           <a:p>
             <a:r>
-              <a:rPr lang="en-US" altLang="zh-CN" sz="1200" dirty="0" smtClean="0"/>
+              <a:rPr lang="en-US" altLang="zh-CN" sz="1200" dirty="0"/>
               <a:t>Therefore we use 4000 bites/ time usage= bandwidth;</a:t>
             </a:r>
             <a:endParaRPr lang="zh-CN" altLang="en-US" sz="1200" dirty="0"/>
@@ -7105,7 +6978,7 @@
                     <a:lstStyle/>
                     <a:p>
                       <a:r>
-                        <a:rPr lang="en-US" altLang="zh-CN" dirty="0" smtClean="0">
+                        <a:rPr lang="en-US" altLang="zh-CN" dirty="0">
                           <a:solidFill>
                             <a:schemeClr val="tx1"/>
                           </a:solidFill>
@@ -7184,14 +7057,14 @@
                         <a:defRPr/>
                       </a:pPr>
                       <a:r>
-                        <a:rPr lang="en-US" altLang="zh-CN" dirty="0" smtClean="0">
+                        <a:rPr lang="en-US" altLang="zh-CN" dirty="0">
                           <a:solidFill>
                             <a:schemeClr val="tx1"/>
                           </a:solidFill>
                         </a:rPr>
                         <a:t>Average Result</a:t>
                       </a:r>
-                      <a:endParaRPr lang="zh-CN" altLang="en-US" dirty="0" smtClean="0">
+                      <a:endParaRPr lang="zh-CN" altLang="en-US" dirty="0">
                         <a:solidFill>
                           <a:schemeClr val="tx1"/>
                         </a:solidFill>
@@ -7254,7 +7127,7 @@
                     <a:p>
                       <a:pPr algn="l" fontAlgn="ctr"/>
                       <a:r>
-                        <a:rPr lang="en-US" altLang="zh-CN" sz="1400" b="1" i="0" u="none" strike="noStrike" dirty="0" smtClean="0">
+                        <a:rPr lang="en-US" altLang="zh-CN" sz="1400" b="1" i="0" u="none" strike="noStrike" dirty="0">
                           <a:solidFill>
                             <a:srgbClr val="000000"/>
                           </a:solidFill>
@@ -7262,12 +7135,6 @@
                         </a:rPr>
                         <a:t>19.6s</a:t>
                       </a:r>
-                      <a:endParaRPr lang="en-US" altLang="zh-CN" sz="1400" b="1" i="0" u="none" strike="noStrike" dirty="0">
-                        <a:solidFill>
-                          <a:srgbClr val="000000"/>
-                        </a:solidFill>
-                        <a:latin typeface="宋体"/>
-                      </a:endParaRPr>
                     </a:p>
                   </a:txBody>
                   <a:tcPr marL="9525" marR="9525" marT="9525" marB="0" anchor="ctr">
@@ -7319,7 +7186,7 @@
                     <a:p>
                       <a:pPr algn="l" fontAlgn="ctr"/>
                       <a:r>
-                        <a:rPr lang="en-US" altLang="zh-CN" sz="1400" b="1" i="0" u="none" strike="noStrike" dirty="0" smtClean="0">
+                        <a:rPr lang="en-US" altLang="zh-CN" sz="1400" b="1" i="0" u="none" strike="noStrike" dirty="0">
                           <a:solidFill>
                             <a:srgbClr val="000000"/>
                           </a:solidFill>
@@ -7327,12 +7194,6 @@
                         </a:rPr>
                         <a:t>1.6336kbps</a:t>
                       </a:r>
-                      <a:endParaRPr lang="en-US" altLang="zh-CN" sz="1400" b="1" i="0" u="none" strike="noStrike" dirty="0">
-                        <a:solidFill>
-                          <a:srgbClr val="000000"/>
-                        </a:solidFill>
-                        <a:latin typeface="宋体"/>
-                      </a:endParaRPr>
                     </a:p>
                   </a:txBody>
                   <a:tcPr marL="9525" marR="9525" marT="9525" marB="0" anchor="ctr">
@@ -7414,60 +7275,13 @@
       </p:grpSpPr>
       <p:sp>
         <p:nvSpPr>
-          <p:cNvPr id="4" name="矩形 3"/>
-          <p:cNvSpPr/>
-          <p:nvPr/>
-        </p:nvSpPr>
-        <p:spPr>
-          <a:xfrm>
-            <a:off x="216270" y="214290"/>
-            <a:ext cx="8715436" cy="6000792"/>
-          </a:xfrm>
-          <a:prstGeom prst="rect">
-            <a:avLst/>
-          </a:prstGeom>
-          <a:solidFill>
-            <a:schemeClr val="bg1"/>
-          </a:solidFill>
-        </p:spPr>
-        <p:style>
-          <a:lnRef idx="2">
-            <a:schemeClr val="accent1">
-              <a:shade val="50000"/>
-            </a:schemeClr>
-          </a:lnRef>
-          <a:fillRef idx="1">
-            <a:schemeClr val="accent1"/>
-          </a:fillRef>
-          <a:effectRef idx="0">
-            <a:schemeClr val="accent1"/>
-          </a:effectRef>
-          <a:fontRef idx="minor">
-            <a:schemeClr val="lt1"/>
-          </a:fontRef>
-        </p:style>
-        <p:txBody>
-          <a:bodyPr rtlCol="0" anchor="ctr"/>
-          <a:lstStyle/>
-          <a:p>
-            <a:pPr algn="ctr"/>
-            <a:r>
-              <a:rPr lang="en-CA" altLang="zh-CN" dirty="0" smtClean="0"/>
-              <a:t>ads</a:t>
-            </a:r>
-            <a:endParaRPr lang="zh-CN" altLang="en-US" dirty="0"/>
-          </a:p>
-        </p:txBody>
-      </p:sp>
-      <p:sp>
-        <p:nvSpPr>
           <p:cNvPr id="47" name="矩形 46"/>
           <p:cNvSpPr/>
           <p:nvPr/>
         </p:nvSpPr>
         <p:spPr>
           <a:xfrm>
-            <a:off x="3786182" y="3857628"/>
+            <a:off x="3786182" y="4305513"/>
             <a:ext cx="1571636" cy="2071702"/>
           </a:xfrm>
           <a:prstGeom prst="rect">
@@ -7649,14 +7463,14 @@
       </p:sp>
       <p:sp>
         <p:nvSpPr>
-          <p:cNvPr id="52" name="TextBox 51"/>
+          <p:cNvPr id="55" name="TextBox 54"/>
           <p:cNvSpPr txBox="1"/>
           <p:nvPr/>
         </p:nvSpPr>
         <p:spPr>
           <a:xfrm>
-            <a:off x="928662" y="3000372"/>
-            <a:ext cx="1228606" cy="276999"/>
+            <a:off x="6643702" y="3786190"/>
+            <a:ext cx="1404359" cy="276999"/>
           </a:xfrm>
           <a:prstGeom prst="rect">
             <a:avLst/>
@@ -7670,97 +7484,7 @@
           <a:lstStyle/>
           <a:p>
             <a:r>
-              <a:rPr lang="en-CA" sz="1200" dirty="0" smtClean="0"/>
-              <a:t>Request Sponsor</a:t>
-            </a:r>
-            <a:endParaRPr lang="en-CA" sz="1200" dirty="0"/>
-          </a:p>
-        </p:txBody>
-      </p:sp>
-      <p:sp>
-        <p:nvSpPr>
-          <p:cNvPr id="53" name="TextBox 52"/>
-          <p:cNvSpPr txBox="1"/>
-          <p:nvPr/>
-        </p:nvSpPr>
-        <p:spPr>
-          <a:xfrm>
-            <a:off x="3857620" y="2143116"/>
-            <a:ext cx="1404359" cy="276999"/>
-          </a:xfrm>
-          <a:prstGeom prst="rect">
-            <a:avLst/>
-          </a:prstGeom>
-          <a:noFill/>
-        </p:spPr>
-        <p:txBody>
-          <a:bodyPr wrap="none" rtlCol="0">
-            <a:spAutoFit/>
-          </a:bodyPr>
-          <a:lstStyle/>
-          <a:p>
-            <a:r>
-              <a:rPr lang="en-US" altLang="zh-CN" sz="1200" dirty="0" smtClean="0"/>
-              <a:t>Resource Container</a:t>
-            </a:r>
-            <a:endParaRPr lang="en-CA" sz="1200" dirty="0"/>
-          </a:p>
-        </p:txBody>
-      </p:sp>
-      <p:sp>
-        <p:nvSpPr>
-          <p:cNvPr id="54" name="TextBox 53"/>
-          <p:cNvSpPr txBox="1"/>
-          <p:nvPr/>
-        </p:nvSpPr>
-        <p:spPr>
-          <a:xfrm>
-            <a:off x="3857620" y="5643578"/>
-            <a:ext cx="1404359" cy="276999"/>
-          </a:xfrm>
-          <a:prstGeom prst="rect">
-            <a:avLst/>
-          </a:prstGeom>
-          <a:noFill/>
-        </p:spPr>
-        <p:txBody>
-          <a:bodyPr wrap="none" rtlCol="0">
-            <a:spAutoFit/>
-          </a:bodyPr>
-          <a:lstStyle/>
-          <a:p>
-            <a:r>
-              <a:rPr lang="en-US" altLang="zh-CN" sz="1200" dirty="0" smtClean="0"/>
-              <a:t>Resource Container</a:t>
-            </a:r>
-            <a:endParaRPr lang="en-CA" sz="1200" dirty="0"/>
-          </a:p>
-        </p:txBody>
-      </p:sp>
-      <p:sp>
-        <p:nvSpPr>
-          <p:cNvPr id="55" name="TextBox 54"/>
-          <p:cNvSpPr txBox="1"/>
-          <p:nvPr/>
-        </p:nvSpPr>
-        <p:spPr>
-          <a:xfrm>
-            <a:off x="6643702" y="3786190"/>
-            <a:ext cx="1404359" cy="276999"/>
-          </a:xfrm>
-          <a:prstGeom prst="rect">
-            <a:avLst/>
-          </a:prstGeom>
-          <a:noFill/>
-        </p:spPr>
-        <p:txBody>
-          <a:bodyPr wrap="none" rtlCol="0">
-            <a:spAutoFit/>
-          </a:bodyPr>
-          <a:lstStyle/>
-          <a:p>
-            <a:r>
-              <a:rPr lang="en-US" altLang="zh-CN" sz="1200" dirty="0" smtClean="0"/>
+              <a:rPr lang="en-US" altLang="zh-CN" sz="1200" dirty="0"/>
               <a:t>Resource Container</a:t>
             </a:r>
             <a:endParaRPr lang="en-CA" sz="1200" dirty="0"/>
@@ -7823,10 +7547,9 @@
           <a:lstStyle/>
           <a:p>
             <a:r>
-              <a:rPr lang="en-CA" sz="1200" dirty="0" smtClean="0"/>
+              <a:rPr lang="en-CA" sz="1200" dirty="0"/>
               <a:t>Request VR 100</a:t>
             </a:r>
-            <a:endParaRPr lang="en-CA" sz="1200" dirty="0"/>
           </a:p>
         </p:txBody>
       </p:sp>
@@ -7886,10 +7609,9 @@
           <a:lstStyle/>
           <a:p>
             <a:r>
-              <a:rPr lang="en-CA" sz="1200" dirty="0" smtClean="0"/>
+              <a:rPr lang="en-CA" sz="1200" dirty="0"/>
               <a:t>Return VR 100</a:t>
             </a:r>
-            <a:endParaRPr lang="en-CA" sz="1200" dirty="0"/>
           </a:p>
         </p:txBody>
       </p:sp>
@@ -7938,18 +7660,13 @@
           <a:p>
             <a:pPr algn="ctr"/>
             <a:r>
-              <a:rPr lang="en-CA" sz="1200" dirty="0" smtClean="0">
+              <a:rPr lang="en-CA" sz="1200" dirty="0">
                 <a:solidFill>
                   <a:schemeClr val="accent1"/>
                 </a:solidFill>
               </a:rPr>
               <a:t>R1</a:t>
             </a:r>
-            <a:endParaRPr lang="en-CA" sz="1200" dirty="0">
-              <a:solidFill>
-                <a:schemeClr val="accent1"/>
-              </a:solidFill>
-            </a:endParaRPr>
           </a:p>
         </p:txBody>
       </p:sp>
@@ -7998,18 +7715,13 @@
           <a:p>
             <a:pPr algn="ctr"/>
             <a:r>
-              <a:rPr lang="en-CA" sz="1200" dirty="0" smtClean="0">
+              <a:rPr lang="en-CA" sz="1200" dirty="0">
                 <a:solidFill>
                   <a:schemeClr val="accent1"/>
                 </a:solidFill>
               </a:rPr>
               <a:t>R2</a:t>
             </a:r>
-            <a:endParaRPr lang="en-CA" sz="1200" dirty="0">
-              <a:solidFill>
-                <a:schemeClr val="accent1"/>
-              </a:solidFill>
-            </a:endParaRPr>
           </a:p>
         </p:txBody>
       </p:sp>
@@ -8058,7 +7770,7 @@
           <a:p>
             <a:pPr algn="ctr"/>
             <a:r>
-              <a:rPr lang="en-CA" sz="1000" dirty="0" smtClean="0">
+              <a:rPr lang="en-CA" sz="1000" dirty="0">
                 <a:solidFill>
                   <a:schemeClr val="accent1"/>
                 </a:solidFill>
@@ -8069,18 +7781,13 @@
           <a:p>
             <a:pPr algn="ctr"/>
             <a:r>
-              <a:rPr lang="en-CA" sz="1000" dirty="0" smtClean="0">
+              <a:rPr lang="en-CA" sz="1000" dirty="0">
                 <a:solidFill>
                   <a:schemeClr val="accent1"/>
                 </a:solidFill>
               </a:rPr>
               <a:t>100</a:t>
             </a:r>
-            <a:endParaRPr lang="en-CA" sz="1000" dirty="0">
-              <a:solidFill>
-                <a:schemeClr val="accent1"/>
-              </a:solidFill>
-            </a:endParaRPr>
           </a:p>
         </p:txBody>
       </p:sp>
@@ -8129,7 +7836,7 @@
           <a:p>
             <a:pPr algn="ctr"/>
             <a:r>
-              <a:rPr lang="en-CA" sz="1000" dirty="0" smtClean="0">
+              <a:rPr lang="en-CA" sz="1000" dirty="0">
                 <a:solidFill>
                   <a:schemeClr val="accent1"/>
                 </a:solidFill>
@@ -8140,18 +7847,13 @@
           <a:p>
             <a:pPr algn="ctr"/>
             <a:r>
-              <a:rPr lang="en-CA" sz="1000" dirty="0" smtClean="0">
+              <a:rPr lang="en-CA" sz="1000" dirty="0">
                 <a:solidFill>
                   <a:schemeClr val="accent1"/>
                 </a:solidFill>
               </a:rPr>
               <a:t>101</a:t>
             </a:r>
-            <a:endParaRPr lang="en-CA" sz="1000" dirty="0">
-              <a:solidFill>
-                <a:schemeClr val="accent1"/>
-              </a:solidFill>
-            </a:endParaRPr>
           </a:p>
         </p:txBody>
       </p:sp>
@@ -8163,7 +7865,7 @@
         </p:nvSpPr>
         <p:spPr>
           <a:xfrm>
-            <a:off x="4643438" y="4000504"/>
+            <a:off x="4643438" y="4448389"/>
             <a:ext cx="571504" cy="571504"/>
           </a:xfrm>
           <a:prstGeom prst="ellipse">
@@ -8200,7 +7902,7 @@
           <a:p>
             <a:pPr algn="ctr"/>
             <a:r>
-              <a:rPr lang="en-CA" sz="1000" dirty="0" smtClean="0">
+              <a:rPr lang="en-CA" sz="1000" dirty="0">
                 <a:solidFill>
                   <a:schemeClr val="accent1"/>
                 </a:solidFill>
@@ -8211,18 +7913,13 @@
           <a:p>
             <a:pPr algn="ctr"/>
             <a:r>
-              <a:rPr lang="en-CA" sz="1000" dirty="0" smtClean="0">
+              <a:rPr lang="en-CA" sz="1000" dirty="0">
                 <a:solidFill>
                   <a:schemeClr val="accent1"/>
                 </a:solidFill>
               </a:rPr>
               <a:t>101</a:t>
             </a:r>
-            <a:endParaRPr lang="en-CA" sz="1000" dirty="0">
-              <a:solidFill>
-                <a:schemeClr val="accent1"/>
-              </a:solidFill>
-            </a:endParaRPr>
           </a:p>
         </p:txBody>
       </p:sp>
@@ -8234,7 +7931,7 @@
         </p:nvSpPr>
         <p:spPr>
           <a:xfrm>
-            <a:off x="3929058" y="4000504"/>
+            <a:off x="3929058" y="4448389"/>
             <a:ext cx="571504" cy="571504"/>
           </a:xfrm>
           <a:prstGeom prst="ellipse">
@@ -8271,18 +7968,13 @@
           <a:p>
             <a:pPr algn="ctr"/>
             <a:r>
-              <a:rPr lang="en-CA" sz="1200" dirty="0" smtClean="0">
+              <a:rPr lang="en-CA" sz="1200" dirty="0">
                 <a:solidFill>
                   <a:schemeClr val="accent1"/>
                 </a:solidFill>
               </a:rPr>
               <a:t>R1</a:t>
             </a:r>
-            <a:endParaRPr lang="en-CA" sz="1200" dirty="0">
-              <a:solidFill>
-                <a:schemeClr val="accent1"/>
-              </a:solidFill>
-            </a:endParaRPr>
           </a:p>
         </p:txBody>
       </p:sp>
@@ -8331,7 +8023,7 @@
           <a:p>
             <a:pPr algn="ctr"/>
             <a:r>
-              <a:rPr lang="en-CA" sz="1000" dirty="0" smtClean="0">
+              <a:rPr lang="en-CA" sz="1000" dirty="0">
                 <a:solidFill>
                   <a:schemeClr val="accent1"/>
                 </a:solidFill>
@@ -8342,18 +8034,13 @@
           <a:p>
             <a:pPr algn="ctr"/>
             <a:r>
-              <a:rPr lang="en-CA" sz="1000" dirty="0" smtClean="0">
+              <a:rPr lang="en-CA" sz="1000" dirty="0">
                 <a:solidFill>
                   <a:schemeClr val="accent1"/>
                 </a:solidFill>
               </a:rPr>
               <a:t>100</a:t>
             </a:r>
-            <a:endParaRPr lang="en-CA" sz="1000" dirty="0">
-              <a:solidFill>
-                <a:schemeClr val="accent1"/>
-              </a:solidFill>
-            </a:endParaRPr>
           </a:p>
         </p:txBody>
       </p:sp>
@@ -8402,18 +8089,13 @@
           <a:p>
             <a:pPr algn="ctr"/>
             <a:r>
-              <a:rPr lang="en-CA" sz="1200" dirty="0" smtClean="0">
+              <a:rPr lang="en-CA" sz="1200" dirty="0">
                 <a:solidFill>
                   <a:schemeClr val="accent1"/>
                 </a:solidFill>
               </a:rPr>
               <a:t>R1</a:t>
             </a:r>
-            <a:endParaRPr lang="en-CA" sz="1200" dirty="0">
-              <a:solidFill>
-                <a:schemeClr val="accent1"/>
-              </a:solidFill>
-            </a:endParaRPr>
           </a:p>
         </p:txBody>
       </p:sp>
@@ -8473,10 +8155,9 @@
           <a:lstStyle/>
           <a:p>
             <a:r>
-              <a:rPr lang="en-CA" sz="1200" dirty="0" smtClean="0"/>
+              <a:rPr lang="en-CA" sz="1200" dirty="0"/>
               <a:t>Request VR 100</a:t>
             </a:r>
-            <a:endParaRPr lang="en-CA" sz="1200" dirty="0"/>
           </a:p>
         </p:txBody>
       </p:sp>
@@ -8488,7 +8169,7 @@
         </p:nvCxnSpPr>
         <p:spPr>
           <a:xfrm>
-            <a:off x="2571736" y="2928934"/>
+            <a:off x="2571736" y="3212976"/>
             <a:ext cx="3786214" cy="1588"/>
           </a:xfrm>
           <a:prstGeom prst="straightConnector1">
@@ -8521,7 +8202,7 @@
         </p:nvSpPr>
         <p:spPr>
           <a:xfrm>
-            <a:off x="3929058" y="2643182"/>
+            <a:off x="4073347" y="2970389"/>
             <a:ext cx="1166088" cy="276999"/>
           </a:xfrm>
           <a:prstGeom prst="rect">
@@ -8536,10 +8217,9 @@
           <a:lstStyle/>
           <a:p>
             <a:r>
-              <a:rPr lang="en-CA" sz="1200" dirty="0" smtClean="0"/>
+              <a:rPr lang="en-CA" sz="1200" dirty="0"/>
               <a:t>Request VR 100</a:t>
             </a:r>
-            <a:endParaRPr lang="en-CA" sz="1200" dirty="0"/>
           </a:p>
         </p:txBody>
       </p:sp>
@@ -8551,7 +8231,7 @@
         </p:nvCxnSpPr>
         <p:spPr>
           <a:xfrm rot="10800000">
-            <a:off x="2500298" y="3071810"/>
+            <a:off x="2500298" y="3355852"/>
             <a:ext cx="3857652" cy="1588"/>
           </a:xfrm>
           <a:prstGeom prst="straightConnector1">
@@ -8585,7 +8265,7 @@
         </p:nvSpPr>
         <p:spPr>
           <a:xfrm>
-            <a:off x="3857620" y="3143248"/>
+            <a:off x="3857620" y="3427290"/>
             <a:ext cx="2078198" cy="276999"/>
           </a:xfrm>
           <a:prstGeom prst="rect">
@@ -8600,10 +8280,9 @@
           <a:lstStyle/>
           <a:p>
             <a:r>
-              <a:rPr lang="en-CA" sz="1200" dirty="0" smtClean="0"/>
+              <a:rPr lang="en-CA" sz="1200" dirty="0"/>
               <a:t>Failed Return VR100 (timeout)</a:t>
             </a:r>
-            <a:endParaRPr lang="en-CA" sz="1200" dirty="0"/>
           </a:p>
         </p:txBody>
       </p:sp>
@@ -8630,10 +8309,9 @@
           <a:lstStyle/>
           <a:p>
             <a:r>
-              <a:rPr lang="en-CA" sz="1400" dirty="0" smtClean="0"/>
+              <a:rPr lang="en-CA" sz="1400" dirty="0"/>
               <a:t>Device A</a:t>
             </a:r>
-            <a:endParaRPr lang="en-CA" sz="1400" dirty="0"/>
           </a:p>
         </p:txBody>
       </p:sp>
@@ -8645,7 +8323,7 @@
         </p:nvSpPr>
         <p:spPr>
           <a:xfrm>
-            <a:off x="4214810" y="5929330"/>
+            <a:off x="4214810" y="6377215"/>
             <a:ext cx="810543" cy="307777"/>
           </a:xfrm>
           <a:prstGeom prst="rect">
@@ -8660,10 +8338,9 @@
           <a:lstStyle/>
           <a:p>
             <a:r>
-              <a:rPr lang="en-CA" sz="1400" dirty="0" smtClean="0"/>
+              <a:rPr lang="en-CA" sz="1400" dirty="0"/>
               <a:t>Device B</a:t>
             </a:r>
-            <a:endParaRPr lang="en-CA" sz="1400" dirty="0"/>
           </a:p>
         </p:txBody>
       </p:sp>
@@ -8675,7 +8352,7 @@
         </p:nvSpPr>
         <p:spPr>
           <a:xfrm>
-            <a:off x="4214810" y="2428868"/>
+            <a:off x="4252180" y="2420553"/>
             <a:ext cx="808939" cy="307777"/>
           </a:xfrm>
           <a:prstGeom prst="rect">
@@ -8690,10 +8367,9 @@
           <a:lstStyle/>
           <a:p>
             <a:r>
-              <a:rPr lang="en-CA" sz="1400" dirty="0" smtClean="0"/>
+              <a:rPr lang="en-CA" sz="1400" dirty="0"/>
               <a:t>Device C</a:t>
             </a:r>
-            <a:endParaRPr lang="en-CA" sz="1400" dirty="0"/>
           </a:p>
         </p:txBody>
       </p:sp>
@@ -8719,10 +8395,236 @@
           <a:lstStyle/>
           <a:p>
             <a:r>
-              <a:rPr lang="en-CA" sz="1400" dirty="0" smtClean="0"/>
+              <a:rPr lang="en-CA" sz="1400" dirty="0"/>
               <a:t>Device D</a:t>
             </a:r>
-            <a:endParaRPr lang="en-CA" sz="1400" dirty="0"/>
+          </a:p>
+        </p:txBody>
+      </p:sp>
+      <p:sp>
+        <p:nvSpPr>
+          <p:cNvPr id="3" name="Rectangle 2"/>
+          <p:cNvSpPr/>
+          <p:nvPr/>
+        </p:nvSpPr>
+        <p:spPr>
+          <a:xfrm>
+            <a:off x="785785" y="1863643"/>
+            <a:ext cx="401838" cy="279473"/>
+          </a:xfrm>
+          <a:prstGeom prst="rect">
+            <a:avLst/>
+          </a:prstGeom>
+          <a:solidFill>
+            <a:schemeClr val="bg1"/>
+          </a:solidFill>
+          <a:ln>
+            <a:solidFill>
+              <a:schemeClr val="tx2"/>
+            </a:solidFill>
+          </a:ln>
+        </p:spPr>
+        <p:style>
+          <a:lnRef idx="2">
+            <a:schemeClr val="accent1">
+              <a:shade val="50000"/>
+            </a:schemeClr>
+          </a:lnRef>
+          <a:fillRef idx="1">
+            <a:schemeClr val="accent1"/>
+          </a:fillRef>
+          <a:effectRef idx="0">
+            <a:schemeClr val="accent1"/>
+          </a:effectRef>
+          <a:fontRef idx="minor">
+            <a:schemeClr val="lt1"/>
+          </a:fontRef>
+        </p:style>
+        <p:txBody>
+          <a:bodyPr rtlCol="0" anchor="ctr"/>
+          <a:lstStyle/>
+          <a:p>
+            <a:pPr algn="ctr"/>
+            <a:endParaRPr lang="en-CA"/>
+          </a:p>
+        </p:txBody>
+      </p:sp>
+      <p:sp>
+        <p:nvSpPr>
+          <p:cNvPr id="36" name="Rectangle 35"/>
+          <p:cNvSpPr/>
+          <p:nvPr/>
+        </p:nvSpPr>
+        <p:spPr>
+          <a:xfrm>
+            <a:off x="3786182" y="77693"/>
+            <a:ext cx="401838" cy="279473"/>
+          </a:xfrm>
+          <a:prstGeom prst="rect">
+            <a:avLst/>
+          </a:prstGeom>
+          <a:solidFill>
+            <a:schemeClr val="bg1"/>
+          </a:solidFill>
+          <a:ln>
+            <a:solidFill>
+              <a:schemeClr val="tx2"/>
+            </a:solidFill>
+          </a:ln>
+        </p:spPr>
+        <p:style>
+          <a:lnRef idx="2">
+            <a:schemeClr val="accent1">
+              <a:shade val="50000"/>
+            </a:schemeClr>
+          </a:lnRef>
+          <a:fillRef idx="1">
+            <a:schemeClr val="accent1"/>
+          </a:fillRef>
+          <a:effectRef idx="0">
+            <a:schemeClr val="accent1"/>
+          </a:effectRef>
+          <a:fontRef idx="minor">
+            <a:schemeClr val="lt1"/>
+          </a:fontRef>
+        </p:style>
+        <p:txBody>
+          <a:bodyPr rtlCol="0" anchor="ctr"/>
+          <a:lstStyle/>
+          <a:p>
+            <a:pPr algn="ctr"/>
+            <a:endParaRPr lang="en-CA"/>
+          </a:p>
+        </p:txBody>
+      </p:sp>
+      <p:sp>
+        <p:nvSpPr>
+          <p:cNvPr id="37" name="Rectangle 36"/>
+          <p:cNvSpPr/>
+          <p:nvPr/>
+        </p:nvSpPr>
+        <p:spPr>
+          <a:xfrm>
+            <a:off x="6585093" y="1748391"/>
+            <a:ext cx="401838" cy="279473"/>
+          </a:xfrm>
+          <a:prstGeom prst="rect">
+            <a:avLst/>
+          </a:prstGeom>
+          <a:solidFill>
+            <a:schemeClr val="bg1"/>
+          </a:solidFill>
+          <a:ln>
+            <a:solidFill>
+              <a:schemeClr val="tx2"/>
+            </a:solidFill>
+          </a:ln>
+        </p:spPr>
+        <p:style>
+          <a:lnRef idx="2">
+            <a:schemeClr val="accent1">
+              <a:shade val="50000"/>
+            </a:schemeClr>
+          </a:lnRef>
+          <a:fillRef idx="1">
+            <a:schemeClr val="accent1"/>
+          </a:fillRef>
+          <a:effectRef idx="0">
+            <a:schemeClr val="accent1"/>
+          </a:effectRef>
+          <a:fontRef idx="minor">
+            <a:schemeClr val="lt1"/>
+          </a:fontRef>
+        </p:style>
+        <p:txBody>
+          <a:bodyPr rtlCol="0" anchor="ctr"/>
+          <a:lstStyle/>
+          <a:p>
+            <a:pPr algn="ctr"/>
+            <a:endParaRPr lang="en-CA"/>
+          </a:p>
+        </p:txBody>
+      </p:sp>
+      <p:sp>
+        <p:nvSpPr>
+          <p:cNvPr id="38" name="Rectangle 37"/>
+          <p:cNvSpPr/>
+          <p:nvPr/>
+        </p:nvSpPr>
+        <p:spPr>
+          <a:xfrm>
+            <a:off x="3786182" y="4024803"/>
+            <a:ext cx="401838" cy="279473"/>
+          </a:xfrm>
+          <a:prstGeom prst="rect">
+            <a:avLst/>
+          </a:prstGeom>
+          <a:solidFill>
+            <a:schemeClr val="bg1"/>
+          </a:solidFill>
+          <a:ln>
+            <a:solidFill>
+              <a:schemeClr val="tx2"/>
+            </a:solidFill>
+          </a:ln>
+        </p:spPr>
+        <p:style>
+          <a:lnRef idx="2">
+            <a:schemeClr val="accent1">
+              <a:shade val="50000"/>
+            </a:schemeClr>
+          </a:lnRef>
+          <a:fillRef idx="1">
+            <a:schemeClr val="accent1"/>
+          </a:fillRef>
+          <a:effectRef idx="0">
+            <a:schemeClr val="accent1"/>
+          </a:effectRef>
+          <a:fontRef idx="minor">
+            <a:schemeClr val="lt1"/>
+          </a:fontRef>
+        </p:style>
+        <p:txBody>
+          <a:bodyPr rtlCol="0" anchor="ctr"/>
+          <a:lstStyle/>
+          <a:p>
+            <a:pPr algn="ctr"/>
+            <a:endParaRPr lang="en-CA"/>
+          </a:p>
+        </p:txBody>
+      </p:sp>
+      <p:sp>
+        <p:nvSpPr>
+          <p:cNvPr id="6" name="TextBox 5"/>
+          <p:cNvSpPr txBox="1"/>
+          <p:nvPr/>
+        </p:nvSpPr>
+        <p:spPr>
+          <a:xfrm>
+            <a:off x="735157" y="5872052"/>
+            <a:ext cx="1672894" cy="523220"/>
+          </a:xfrm>
+          <a:prstGeom prst="rect">
+            <a:avLst/>
+          </a:prstGeom>
+          <a:noFill/>
+        </p:spPr>
+        <p:txBody>
+          <a:bodyPr wrap="none" rtlCol="0">
+            <a:spAutoFit/>
+          </a:bodyPr>
+          <a:lstStyle/>
+          <a:p>
+            <a:r>
+              <a:rPr lang="en-CA" sz="1400" dirty="0"/>
+              <a:t>R: Resource</a:t>
+            </a:r>
+          </a:p>
+          <a:p>
+            <a:r>
+              <a:rPr lang="en-CA" sz="1400" dirty="0"/>
+              <a:t>VR: Virtual Resource</a:t>
+            </a:r>
           </a:p>
         </p:txBody>
       </p:sp>
@@ -8791,7 +8693,7 @@
           <a:p>
             <a:pPr algn="ctr"/>
             <a:r>
-              <a:rPr lang="en-CA" altLang="zh-CN" dirty="0" smtClean="0"/>
+              <a:rPr lang="en-CA" altLang="zh-CN" dirty="0"/>
               <a:t>ads</a:t>
             </a:r>
             <a:endParaRPr lang="zh-CN" altLang="en-US" dirty="0"/>
@@ -8843,18 +8745,13 @@
           <a:p>
             <a:pPr algn="ctr"/>
             <a:r>
-              <a:rPr lang="en-CA" dirty="0" smtClean="0">
+              <a:rPr lang="en-CA" dirty="0">
                 <a:solidFill>
                   <a:schemeClr val="tx1"/>
                 </a:solidFill>
               </a:rPr>
               <a:t>Proxy</a:t>
             </a:r>
-            <a:endParaRPr lang="en-CA" dirty="0">
-              <a:solidFill>
-                <a:schemeClr val="tx1"/>
-              </a:solidFill>
-            </a:endParaRPr>
           </a:p>
         </p:txBody>
       </p:sp>
@@ -9243,18 +9140,13 @@
           <a:p>
             <a:pPr algn="ctr"/>
             <a:r>
-              <a:rPr lang="en-CA" dirty="0" smtClean="0">
+              <a:rPr lang="en-CA" dirty="0">
                 <a:solidFill>
                   <a:schemeClr val="tx1"/>
                 </a:solidFill>
               </a:rPr>
               <a:t>Proxy</a:t>
             </a:r>
-            <a:endParaRPr lang="en-CA" dirty="0">
-              <a:solidFill>
-                <a:schemeClr val="tx1"/>
-              </a:solidFill>
-            </a:endParaRPr>
           </a:p>
         </p:txBody>
       </p:sp>
@@ -9329,7 +9221,7 @@
               <a:p>
                 <a:pPr algn="ctr"/>
                 <a:r>
-                  <a:rPr lang="en-US" altLang="zh-CN" sz="1200" dirty="0" smtClean="0">
+                  <a:rPr lang="en-US" altLang="zh-CN" sz="1200" dirty="0">
                     <a:solidFill>
                       <a:schemeClr val="tx1"/>
                     </a:solidFill>
@@ -9521,7 +9413,7 @@
               <a:p>
                 <a:pPr algn="ctr"/>
                 <a:r>
-                  <a:rPr lang="en-US" altLang="zh-CN" sz="1200" dirty="0" smtClean="0">
+                  <a:rPr lang="en-US" altLang="zh-CN" sz="1200" dirty="0">
                     <a:solidFill>
                       <a:schemeClr val="tx1"/>
                     </a:solidFill>
@@ -10061,10 +9953,9 @@
           <a:lstStyle/>
           <a:p>
             <a:r>
-              <a:rPr lang="en-CA" sz="1000" dirty="0" smtClean="0"/>
+              <a:rPr lang="en-CA" sz="1000" dirty="0"/>
               <a:t>BLE(GATT)</a:t>
             </a:r>
-            <a:endParaRPr lang="en-CA" sz="1000" dirty="0"/>
           </a:p>
         </p:txBody>
       </p:sp>
@@ -10091,10 +9982,9 @@
           <a:lstStyle/>
           <a:p>
             <a:r>
-              <a:rPr lang="en-CA" sz="1000" dirty="0" smtClean="0"/>
+              <a:rPr lang="en-CA" sz="1000" dirty="0"/>
               <a:t>NFC(Byte array)</a:t>
             </a:r>
-            <a:endParaRPr lang="en-CA" sz="1000" dirty="0"/>
           </a:p>
         </p:txBody>
       </p:sp>
@@ -10121,10 +10011,9 @@
           <a:lstStyle/>
           <a:p>
             <a:r>
-              <a:rPr lang="en-CA" sz="1000" dirty="0" smtClean="0"/>
+              <a:rPr lang="en-CA" sz="1000" dirty="0"/>
               <a:t>CoAP</a:t>
             </a:r>
-            <a:endParaRPr lang="en-CA" sz="1000" dirty="0"/>
           </a:p>
         </p:txBody>
       </p:sp>
@@ -10151,10 +10040,9 @@
           <a:lstStyle/>
           <a:p>
             <a:r>
-              <a:rPr lang="en-CA" sz="1000" dirty="0" smtClean="0"/>
+              <a:rPr lang="en-CA" sz="1000" dirty="0"/>
               <a:t>CoAP</a:t>
             </a:r>
-            <a:endParaRPr lang="en-CA" sz="1000" dirty="0"/>
           </a:p>
         </p:txBody>
       </p:sp>
@@ -10181,10 +10069,9 @@
           <a:lstStyle/>
           <a:p>
             <a:r>
-              <a:rPr lang="en-CA" sz="1000" dirty="0" smtClean="0"/>
+              <a:rPr lang="en-CA" sz="1000" dirty="0"/>
               <a:t>BLE(CoAP)</a:t>
             </a:r>
-            <a:endParaRPr lang="en-CA" sz="1000" dirty="0"/>
           </a:p>
         </p:txBody>
       </p:sp>
@@ -10211,7 +10098,7 @@
           <a:lstStyle/>
           <a:p>
             <a:r>
-              <a:rPr lang="en-CA" sz="1000" dirty="0" smtClean="0"/>
+              <a:rPr lang="en-CA" sz="1000" dirty="0"/>
               <a:t>NFC(CoAP)</a:t>
             </a:r>
           </a:p>
@@ -10240,10 +10127,9 @@
           <a:lstStyle/>
           <a:p>
             <a:r>
-              <a:rPr lang="en-CA" sz="1200" dirty="0" smtClean="0"/>
+              <a:rPr lang="en-CA" sz="1200" dirty="0"/>
               <a:t>Current Solution to merge WAPN into CoAP network</a:t>
             </a:r>
-            <a:endParaRPr lang="en-CA" sz="1200" dirty="0"/>
           </a:p>
         </p:txBody>
       </p:sp>
@@ -10270,10 +10156,9 @@
           <a:lstStyle/>
           <a:p>
             <a:r>
-              <a:rPr lang="en-CA" sz="1200" dirty="0" smtClean="0"/>
+              <a:rPr lang="en-CA" sz="1200" dirty="0"/>
               <a:t>Proposed Solution to merge WAPN into CoAP network</a:t>
             </a:r>
-            <a:endParaRPr lang="en-CA" sz="1200" dirty="0"/>
           </a:p>
         </p:txBody>
       </p:sp>
@@ -10322,18 +10207,13 @@
           <a:p>
             <a:pPr algn="ctr"/>
             <a:r>
-              <a:rPr lang="en-CA" dirty="0" smtClean="0">
+              <a:rPr lang="en-CA" dirty="0">
                 <a:solidFill>
                   <a:schemeClr val="tx1"/>
                 </a:solidFill>
               </a:rPr>
               <a:t>Proxy</a:t>
             </a:r>
-            <a:endParaRPr lang="en-CA" dirty="0">
-              <a:solidFill>
-                <a:schemeClr val="tx1"/>
-              </a:solidFill>
-            </a:endParaRPr>
           </a:p>
         </p:txBody>
       </p:sp>
@@ -10426,10 +10306,9 @@
           <a:lstStyle/>
           <a:p>
             <a:r>
-              <a:rPr lang="en-CA" sz="1000" dirty="0" smtClean="0"/>
+              <a:rPr lang="en-CA" sz="1000" dirty="0"/>
               <a:t>CoAP</a:t>
             </a:r>
-            <a:endParaRPr lang="en-CA" sz="1000" dirty="0"/>
           </a:p>
         </p:txBody>
       </p:sp>
@@ -10498,7 +10377,7 @@
           <a:p>
             <a:pPr algn="ctr"/>
             <a:r>
-              <a:rPr lang="en-CA" altLang="zh-CN" dirty="0" smtClean="0"/>
+              <a:rPr lang="en-CA" altLang="zh-CN" dirty="0"/>
               <a:t>ads</a:t>
             </a:r>
             <a:endParaRPr lang="zh-CN" altLang="en-US" dirty="0"/>
@@ -10545,7 +10424,7 @@
           <a:p>
             <a:pPr algn="ctr"/>
             <a:r>
-              <a:rPr lang="en-US" altLang="zh-CN" dirty="0" smtClean="0">
+              <a:rPr lang="en-US" altLang="zh-CN" dirty="0">
                 <a:solidFill>
                   <a:schemeClr val="tx1"/>
                 </a:solidFill>
@@ -10600,7 +10479,7 @@
           <a:p>
             <a:pPr algn="ctr"/>
             <a:r>
-              <a:rPr lang="en-US" altLang="zh-CN" dirty="0" smtClean="0">
+              <a:rPr lang="en-US" altLang="zh-CN" dirty="0">
                 <a:solidFill>
                   <a:schemeClr val="tx1"/>
                 </a:solidFill>
@@ -10655,7 +10534,7 @@
           <a:p>
             <a:pPr algn="ctr"/>
             <a:r>
-              <a:rPr lang="en-US" altLang="zh-CN" dirty="0" smtClean="0">
+              <a:rPr lang="en-US" altLang="zh-CN" dirty="0">
                 <a:solidFill>
                   <a:schemeClr val="tx1"/>
                 </a:solidFill>
@@ -10710,7 +10589,7 @@
           <a:p>
             <a:pPr algn="ctr"/>
             <a:r>
-              <a:rPr lang="en-US" altLang="zh-CN" dirty="0" smtClean="0">
+              <a:rPr lang="en-US" altLang="zh-CN" dirty="0">
                 <a:solidFill>
                   <a:schemeClr val="tx1"/>
                 </a:solidFill>
@@ -10765,7 +10644,7 @@
           <a:p>
             <a:pPr algn="ctr"/>
             <a:r>
-              <a:rPr lang="en-US" altLang="zh-CN" dirty="0" smtClean="0">
+              <a:rPr lang="en-US" altLang="zh-CN" dirty="0">
                 <a:solidFill>
                   <a:schemeClr val="tx1"/>
                 </a:solidFill>
@@ -10820,7 +10699,7 @@
           <a:p>
             <a:pPr algn="ctr"/>
             <a:r>
-              <a:rPr lang="en-US" altLang="zh-CN" dirty="0" smtClean="0">
+              <a:rPr lang="en-US" altLang="zh-CN" dirty="0">
                 <a:solidFill>
                   <a:schemeClr val="tx1"/>
                 </a:solidFill>
@@ -11075,7 +10954,7 @@
           <a:p>
             <a:pPr algn="ctr"/>
             <a:r>
-              <a:rPr lang="en-US" altLang="zh-CN" dirty="0" smtClean="0">
+              <a:rPr lang="en-US" altLang="zh-CN" dirty="0">
                 <a:solidFill>
                   <a:schemeClr val="tx1"/>
                 </a:solidFill>
@@ -11130,7 +11009,7 @@
           <a:p>
             <a:pPr algn="ctr"/>
             <a:r>
-              <a:rPr lang="en-US" altLang="zh-CN" dirty="0" smtClean="0">
+              <a:rPr lang="en-US" altLang="zh-CN" dirty="0">
                 <a:solidFill>
                   <a:schemeClr val="tx1"/>
                 </a:solidFill>
@@ -11185,7 +11064,7 @@
           <a:p>
             <a:pPr algn="ctr"/>
             <a:r>
-              <a:rPr lang="en-US" altLang="zh-CN" dirty="0" smtClean="0">
+              <a:rPr lang="en-US" altLang="zh-CN" dirty="0">
                 <a:solidFill>
                   <a:schemeClr val="tx1"/>
                 </a:solidFill>
@@ -11440,7 +11319,7 @@
           <a:p>
             <a:pPr algn="ctr"/>
             <a:r>
-              <a:rPr lang="en-US" altLang="zh-CN" dirty="0" smtClean="0">
+              <a:rPr lang="en-US" altLang="zh-CN" dirty="0">
                 <a:solidFill>
                   <a:schemeClr val="tx1"/>
                 </a:solidFill>
@@ -11662,7 +11541,7 @@
           <a:lstStyle/>
           <a:p>
             <a:r>
-              <a:rPr lang="en-US" altLang="zh-CN" sz="1200" dirty="0" smtClean="0"/>
+              <a:rPr lang="en-US" altLang="zh-CN" sz="1200" dirty="0"/>
               <a:t>Dispatcher</a:t>
             </a:r>
             <a:endParaRPr lang="zh-CN" altLang="en-US" sz="1200" dirty="0"/>
@@ -11692,7 +11571,7 @@
           <a:lstStyle/>
           <a:p>
             <a:r>
-              <a:rPr lang="en-US" altLang="zh-CN" sz="1200" dirty="0" smtClean="0"/>
+              <a:rPr lang="en-US" altLang="zh-CN" sz="1200" dirty="0"/>
               <a:t>Dispatcher</a:t>
             </a:r>
             <a:endParaRPr lang="zh-CN" altLang="en-US" sz="1200" dirty="0"/>
@@ -11803,10 +11682,9 @@
           <a:lstStyle/>
           <a:p>
             <a:r>
-              <a:rPr lang="en-CA" dirty="0" smtClean="0"/>
+              <a:rPr lang="en-CA" dirty="0"/>
               <a:t>Is request?</a:t>
             </a:r>
-            <a:endParaRPr lang="en-CA" dirty="0"/>
           </a:p>
         </p:txBody>
       </p:sp>
@@ -11833,10 +11711,9 @@
           <a:lstStyle/>
           <a:p>
             <a:r>
-              <a:rPr lang="en-CA" dirty="0" smtClean="0"/>
+              <a:rPr lang="en-CA" dirty="0"/>
               <a:t>N</a:t>
             </a:r>
-            <a:endParaRPr lang="en-CA" dirty="0"/>
           </a:p>
         </p:txBody>
       </p:sp>
@@ -11928,10 +11805,9 @@
           <a:lstStyle/>
           <a:p>
             <a:r>
-              <a:rPr lang="en-CA" dirty="0" smtClean="0"/>
+              <a:rPr lang="en-CA" dirty="0"/>
               <a:t>Y</a:t>
             </a:r>
-            <a:endParaRPr lang="en-CA" dirty="0"/>
           </a:p>
         </p:txBody>
       </p:sp>
@@ -11975,7 +11851,7 @@
           <a:p>
             <a:pPr algn="ctr"/>
             <a:r>
-              <a:rPr lang="en-US" altLang="zh-CN" dirty="0" smtClean="0">
+              <a:rPr lang="en-US" altLang="zh-CN" dirty="0">
                 <a:solidFill>
                   <a:schemeClr val="tx1"/>
                 </a:solidFill>
@@ -11983,7 +11859,7 @@
               <a:t>Look Up Response </a:t>
             </a:r>
             <a:r>
-              <a:rPr lang="en-US" altLang="zh-CN" dirty="0" err="1" smtClean="0">
+              <a:rPr lang="en-US" altLang="zh-CN" dirty="0" err="1">
                 <a:solidFill>
                   <a:schemeClr val="tx1"/>
                 </a:solidFill>
@@ -11991,7 +11867,7 @@
               <a:t>CallBack</a:t>
             </a:r>
             <a:r>
-              <a:rPr lang="en-US" altLang="zh-CN" dirty="0" smtClean="0">
+              <a:rPr lang="en-US" altLang="zh-CN" dirty="0">
                 <a:solidFill>
                   <a:schemeClr val="tx1"/>
                 </a:solidFill>
@@ -12079,7 +11955,7 @@
           <a:p>
             <a:pPr algn="ctr"/>
             <a:r>
-              <a:rPr lang="en-US" altLang="zh-CN" dirty="0" smtClean="0">
+              <a:rPr lang="en-US" altLang="zh-CN" dirty="0">
                 <a:solidFill>
                   <a:schemeClr val="tx1"/>
                 </a:solidFill>
@@ -12087,7 +11963,7 @@
               <a:t>Register </a:t>
             </a:r>
             <a:r>
-              <a:rPr lang="en-US" altLang="zh-CN" dirty="0" err="1" smtClean="0">
+              <a:rPr lang="en-US" altLang="zh-CN" dirty="0" err="1">
                 <a:solidFill>
                   <a:schemeClr val="tx1"/>
                 </a:solidFill>
@@ -12095,7 +11971,7 @@
               <a:t>CallBack</a:t>
             </a:r>
             <a:r>
-              <a:rPr lang="en-US" altLang="zh-CN" dirty="0" smtClean="0">
+              <a:rPr lang="en-US" altLang="zh-CN" dirty="0">
                 <a:solidFill>
                   <a:schemeClr val="tx1"/>
                 </a:solidFill>
@@ -12103,7 +11979,7 @@
               <a:t> </a:t>
             </a:r>
             <a:r>
-              <a:rPr lang="en-US" altLang="zh-CN" dirty="0" err="1" smtClean="0">
+              <a:rPr lang="en-US" altLang="zh-CN" dirty="0" err="1">
                 <a:solidFill>
                   <a:schemeClr val="tx1"/>
                 </a:solidFill>
@@ -12111,7 +11987,7 @@
               <a:t>inMap</a:t>
             </a:r>
             <a:r>
-              <a:rPr lang="en-US" altLang="zh-CN" dirty="0" smtClean="0">
+              <a:rPr lang="en-US" altLang="zh-CN" dirty="0">
                 <a:solidFill>
                   <a:schemeClr val="tx1"/>
                 </a:solidFill>
@@ -12196,18 +12072,13 @@
           <a:p>
             <a:pPr algn="ctr"/>
             <a:r>
-              <a:rPr lang="en-CA" dirty="0" smtClean="0">
+              <a:rPr lang="en-CA" dirty="0">
                 <a:solidFill>
                   <a:schemeClr val="tx1"/>
                 </a:solidFill>
               </a:rPr>
               <a:t>Begin</a:t>
             </a:r>
-            <a:endParaRPr lang="en-CA" dirty="0">
-              <a:solidFill>
-                <a:schemeClr val="tx1"/>
-              </a:solidFill>
-            </a:endParaRPr>
           </a:p>
         </p:txBody>
       </p:sp>
@@ -12256,18 +12127,13 @@
           <a:p>
             <a:pPr algn="ctr"/>
             <a:r>
-              <a:rPr lang="en-CA" dirty="0" smtClean="0">
+              <a:rPr lang="en-CA" dirty="0">
                 <a:solidFill>
                   <a:schemeClr val="tx1"/>
                 </a:solidFill>
               </a:rPr>
               <a:t>End</a:t>
             </a:r>
-            <a:endParaRPr lang="en-CA" dirty="0">
-              <a:solidFill>
-                <a:schemeClr val="tx1"/>
-              </a:solidFill>
-            </a:endParaRPr>
           </a:p>
         </p:txBody>
       </p:sp>
@@ -12316,18 +12182,13 @@
           <a:p>
             <a:pPr algn="ctr"/>
             <a:r>
-              <a:rPr lang="en-CA" sz="1400" dirty="0" smtClean="0">
+              <a:rPr lang="en-CA" sz="1400" dirty="0">
                 <a:solidFill>
                   <a:schemeClr val="tx1"/>
                 </a:solidFill>
               </a:rPr>
               <a:t>Have Service?</a:t>
             </a:r>
-            <a:endParaRPr lang="en-CA" sz="1400" dirty="0">
-              <a:solidFill>
-                <a:schemeClr val="tx1"/>
-              </a:solidFill>
-            </a:endParaRPr>
           </a:p>
         </p:txBody>
       </p:sp>
@@ -12376,18 +12237,13 @@
           <a:p>
             <a:pPr algn="ctr"/>
             <a:r>
-              <a:rPr lang="en-CA" sz="1400" dirty="0" smtClean="0">
+              <a:rPr lang="en-CA" sz="1400" dirty="0">
                 <a:solidFill>
                   <a:schemeClr val="tx1"/>
                 </a:solidFill>
               </a:rPr>
               <a:t>Create Instance of App</a:t>
             </a:r>
-            <a:endParaRPr lang="en-CA" sz="1400" dirty="0">
-              <a:solidFill>
-                <a:schemeClr val="tx1"/>
-              </a:solidFill>
-            </a:endParaRPr>
           </a:p>
         </p:txBody>
       </p:sp>
@@ -12436,18 +12292,13 @@
           <a:p>
             <a:pPr algn="ctr"/>
             <a:r>
-              <a:rPr lang="en-CA" sz="1400" dirty="0" smtClean="0">
+              <a:rPr lang="en-CA" sz="1400" dirty="0">
                 <a:solidFill>
                   <a:schemeClr val="tx1"/>
                 </a:solidFill>
               </a:rPr>
               <a:t>Start new service</a:t>
             </a:r>
-            <a:endParaRPr lang="en-CA" sz="1400" dirty="0">
-              <a:solidFill>
-                <a:schemeClr val="tx1"/>
-              </a:solidFill>
-            </a:endParaRPr>
           </a:p>
         </p:txBody>
       </p:sp>
@@ -12496,18 +12347,13 @@
           <a:p>
             <a:pPr algn="ctr"/>
             <a:r>
-              <a:rPr lang="en-CA" sz="1400" dirty="0" smtClean="0">
+              <a:rPr lang="en-CA" sz="1400" dirty="0">
                 <a:solidFill>
                   <a:schemeClr val="tx1"/>
                 </a:solidFill>
               </a:rPr>
               <a:t>Create Connection</a:t>
             </a:r>
-            <a:endParaRPr lang="en-CA" sz="1400" dirty="0">
-              <a:solidFill>
-                <a:schemeClr val="tx1"/>
-              </a:solidFill>
-            </a:endParaRPr>
           </a:p>
         </p:txBody>
       </p:sp>
@@ -12556,18 +12402,13 @@
           <a:p>
             <a:pPr algn="ctr"/>
             <a:r>
-              <a:rPr lang="en-CA" sz="1400" dirty="0" smtClean="0">
+              <a:rPr lang="en-CA" sz="1400" dirty="0">
                 <a:solidFill>
                   <a:schemeClr val="tx1"/>
                 </a:solidFill>
               </a:rPr>
               <a:t>Connection Lost</a:t>
             </a:r>
-            <a:endParaRPr lang="en-CA" sz="1400" dirty="0">
-              <a:solidFill>
-                <a:schemeClr val="tx1"/>
-              </a:solidFill>
-            </a:endParaRPr>
           </a:p>
         </p:txBody>
       </p:sp>
@@ -12750,18 +12591,13 @@
           <a:p>
             <a:pPr algn="ctr"/>
             <a:r>
-              <a:rPr lang="en-CA" sz="1400" dirty="0" smtClean="0">
+              <a:rPr lang="en-CA" sz="1400" dirty="0">
                 <a:solidFill>
                   <a:schemeClr val="tx1"/>
                 </a:solidFill>
               </a:rPr>
               <a:t>Communication</a:t>
             </a:r>
-            <a:endParaRPr lang="en-CA" sz="1400" dirty="0">
-              <a:solidFill>
-                <a:schemeClr val="tx1"/>
-              </a:solidFill>
-            </a:endParaRPr>
           </a:p>
         </p:txBody>
       </p:sp>
@@ -12892,10 +12728,9 @@
           <a:lstStyle/>
           <a:p>
             <a:r>
-              <a:rPr lang="en-CA" sz="1400" dirty="0" smtClean="0"/>
+              <a:rPr lang="en-CA" sz="1400" dirty="0"/>
               <a:t>N</a:t>
             </a:r>
-            <a:endParaRPr lang="en-CA" sz="1400" dirty="0"/>
           </a:p>
         </p:txBody>
       </p:sp>
@@ -12922,10 +12757,9 @@
           <a:lstStyle/>
           <a:p>
             <a:r>
-              <a:rPr lang="en-CA" sz="1400" dirty="0" smtClean="0"/>
+              <a:rPr lang="en-CA" sz="1400" dirty="0"/>
               <a:t>Y</a:t>
             </a:r>
-            <a:endParaRPr lang="en-CA" sz="1400" dirty="0"/>
           </a:p>
         </p:txBody>
       </p:sp>
@@ -13009,18 +12843,13 @@
           <a:p>
             <a:pPr algn="ctr"/>
             <a:r>
-              <a:rPr lang="en-CA" sz="1400" dirty="0" smtClean="0">
+              <a:rPr lang="en-CA" sz="1400" dirty="0">
                 <a:solidFill>
                   <a:schemeClr val="tx1"/>
                 </a:solidFill>
               </a:rPr>
               <a:t>Call end service</a:t>
             </a:r>
-            <a:endParaRPr lang="en-CA" sz="1400" dirty="0">
-              <a:solidFill>
-                <a:schemeClr val="tx1"/>
-              </a:solidFill>
-            </a:endParaRPr>
           </a:p>
         </p:txBody>
       </p:sp>
@@ -13194,18 +13023,13 @@
           <a:p>
             <a:pPr algn="ctr"/>
             <a:r>
-              <a:rPr lang="en-CA" sz="1200" dirty="0" smtClean="0">
+              <a:rPr lang="en-CA" sz="1200" dirty="0">
                 <a:solidFill>
                   <a:schemeClr val="tx1"/>
                 </a:solidFill>
               </a:rPr>
               <a:t>Begin</a:t>
             </a:r>
-            <a:endParaRPr lang="en-CA" sz="1200" dirty="0">
-              <a:solidFill>
-                <a:schemeClr val="tx1"/>
-              </a:solidFill>
-            </a:endParaRPr>
           </a:p>
         </p:txBody>
       </p:sp>
@@ -13254,18 +13078,13 @@
           <a:p>
             <a:pPr algn="ctr"/>
             <a:r>
-              <a:rPr lang="en-CA" sz="1200" dirty="0" smtClean="0">
+              <a:rPr lang="en-CA" sz="1200" dirty="0">
                 <a:solidFill>
                   <a:schemeClr val="tx1"/>
                 </a:solidFill>
               </a:rPr>
               <a:t>End</a:t>
             </a:r>
-            <a:endParaRPr lang="en-CA" sz="1200" dirty="0">
-              <a:solidFill>
-                <a:schemeClr val="tx1"/>
-              </a:solidFill>
-            </a:endParaRPr>
           </a:p>
         </p:txBody>
       </p:sp>
@@ -13382,18 +13201,13 @@
           <a:p>
             <a:pPr algn="ctr"/>
             <a:r>
-              <a:rPr lang="en-CA" sz="1200" dirty="0" smtClean="0">
+              <a:rPr lang="en-CA" sz="1200" dirty="0">
                 <a:solidFill>
                   <a:schemeClr val="tx1"/>
                 </a:solidFill>
               </a:rPr>
               <a:t>Create instance of CoAPRequest</a:t>
             </a:r>
-            <a:endParaRPr lang="en-CA" sz="1200" dirty="0">
-              <a:solidFill>
-                <a:schemeClr val="tx1"/>
-              </a:solidFill>
-            </a:endParaRPr>
           </a:p>
         </p:txBody>
       </p:sp>
@@ -13442,18 +13256,13 @@
           <a:p>
             <a:pPr algn="ctr"/>
             <a:r>
-              <a:rPr lang="en-CA" sz="1200" dirty="0" smtClean="0">
+              <a:rPr lang="en-CA" sz="1200" dirty="0">
                 <a:solidFill>
                   <a:schemeClr val="tx1"/>
                 </a:solidFill>
               </a:rPr>
               <a:t>Push request to sender queue </a:t>
             </a:r>
-            <a:endParaRPr lang="en-CA" sz="1200" dirty="0">
-              <a:solidFill>
-                <a:schemeClr val="tx1"/>
-              </a:solidFill>
-            </a:endParaRPr>
           </a:p>
         </p:txBody>
       </p:sp>
@@ -13502,18 +13311,13 @@
           <a:p>
             <a:pPr algn="ctr"/>
             <a:r>
-              <a:rPr lang="en-CA" sz="1200" dirty="0" smtClean="0">
+              <a:rPr lang="en-CA" sz="1200" dirty="0">
                 <a:solidFill>
                   <a:schemeClr val="tx1"/>
                 </a:solidFill>
               </a:rPr>
               <a:t>Broadcast request to network layer</a:t>
             </a:r>
-            <a:endParaRPr lang="en-CA" sz="1200" dirty="0">
-              <a:solidFill>
-                <a:schemeClr val="tx1"/>
-              </a:solidFill>
-            </a:endParaRPr>
           </a:p>
         </p:txBody>
       </p:sp>
@@ -13598,18 +13402,13 @@
           <a:p>
             <a:pPr algn="ctr"/>
             <a:r>
-              <a:rPr lang="en-CA" sz="1200" dirty="0" smtClean="0">
+              <a:rPr lang="en-CA" sz="1200" dirty="0">
                 <a:solidFill>
                   <a:schemeClr val="tx1"/>
                 </a:solidFill>
               </a:rPr>
               <a:t>Send to remote device</a:t>
             </a:r>
-            <a:endParaRPr lang="en-CA" sz="1200" dirty="0">
-              <a:solidFill>
-                <a:schemeClr val="tx1"/>
-              </a:solidFill>
-            </a:endParaRPr>
           </a:p>
         </p:txBody>
       </p:sp>
@@ -13658,18 +13457,13 @@
           <a:p>
             <a:pPr algn="ctr"/>
             <a:r>
-              <a:rPr lang="en-CA" sz="1200" dirty="0" smtClean="0">
+              <a:rPr lang="en-CA" sz="1200" dirty="0">
                 <a:solidFill>
                   <a:schemeClr val="tx1"/>
                 </a:solidFill>
               </a:rPr>
               <a:t>Push request into processor queue </a:t>
             </a:r>
-            <a:endParaRPr lang="en-CA" sz="1200" dirty="0">
-              <a:solidFill>
-                <a:schemeClr val="tx1"/>
-              </a:solidFill>
-            </a:endParaRPr>
           </a:p>
         </p:txBody>
       </p:sp>
@@ -13718,18 +13512,13 @@
           <a:p>
             <a:pPr algn="ctr"/>
             <a:r>
-              <a:rPr lang="en-CA" sz="1200" dirty="0" smtClean="0">
+              <a:rPr lang="en-CA" sz="1200" dirty="0">
                 <a:solidFill>
                   <a:schemeClr val="tx1"/>
                 </a:solidFill>
               </a:rPr>
               <a:t>Send response to sender queue</a:t>
             </a:r>
-            <a:endParaRPr lang="en-CA" sz="1200" dirty="0">
-              <a:solidFill>
-                <a:schemeClr val="tx1"/>
-              </a:solidFill>
-            </a:endParaRPr>
           </a:p>
         </p:txBody>
       </p:sp>
@@ -13844,18 +13633,13 @@
           <a:p>
             <a:pPr algn="ctr"/>
             <a:r>
-              <a:rPr lang="en-CA" sz="900" dirty="0" smtClean="0">
+              <a:rPr lang="en-CA" sz="900" dirty="0">
                 <a:solidFill>
                   <a:schemeClr val="tx1"/>
                 </a:solidFill>
               </a:rPr>
               <a:t>Connection Available?</a:t>
             </a:r>
-            <a:endParaRPr lang="en-CA" sz="900" dirty="0">
-              <a:solidFill>
-                <a:schemeClr val="tx1"/>
-              </a:solidFill>
-            </a:endParaRPr>
           </a:p>
         </p:txBody>
       </p:sp>
@@ -13882,10 +13666,9 @@
           <a:lstStyle/>
           <a:p>
             <a:r>
-              <a:rPr lang="en-CA" sz="1000" dirty="0" smtClean="0"/>
+              <a:rPr lang="en-CA" sz="1000" dirty="0"/>
               <a:t>Y</a:t>
             </a:r>
-            <a:endParaRPr lang="en-CA" sz="1000" dirty="0"/>
           </a:p>
         </p:txBody>
       </p:sp>
@@ -13970,18 +13753,13 @@
           <a:p>
             <a:pPr algn="ctr"/>
             <a:r>
-              <a:rPr lang="en-CA" sz="900" dirty="0" smtClean="0">
+              <a:rPr lang="en-CA" sz="900" dirty="0">
                 <a:solidFill>
                   <a:schemeClr val="tx1"/>
                 </a:solidFill>
               </a:rPr>
               <a:t>Resource available?</a:t>
             </a:r>
-            <a:endParaRPr lang="en-CA" sz="900" dirty="0">
-              <a:solidFill>
-                <a:schemeClr val="tx1"/>
-              </a:solidFill>
-            </a:endParaRPr>
           </a:p>
         </p:txBody>
       </p:sp>
@@ -14078,10 +13856,9 @@
           <a:lstStyle/>
           <a:p>
             <a:r>
-              <a:rPr lang="en-CA" sz="1000" dirty="0" smtClean="0"/>
+              <a:rPr lang="en-CA" sz="1000" dirty="0"/>
               <a:t>Y</a:t>
             </a:r>
-            <a:endParaRPr lang="en-CA" sz="1000" dirty="0"/>
           </a:p>
         </p:txBody>
       </p:sp>
@@ -14130,18 +13907,13 @@
           <a:p>
             <a:pPr algn="ctr"/>
             <a:r>
-              <a:rPr lang="en-CA" sz="1200" dirty="0" smtClean="0">
+              <a:rPr lang="en-CA" sz="1200" dirty="0">
                 <a:solidFill>
                   <a:schemeClr val="tx1"/>
                 </a:solidFill>
               </a:rPr>
               <a:t>Send back to request sponsor device</a:t>
             </a:r>
-            <a:endParaRPr lang="en-CA" sz="1200" dirty="0">
-              <a:solidFill>
-                <a:schemeClr val="tx1"/>
-              </a:solidFill>
-            </a:endParaRPr>
           </a:p>
         </p:txBody>
       </p:sp>
@@ -14190,18 +13962,13 @@
           <a:p>
             <a:pPr algn="ctr"/>
             <a:r>
-              <a:rPr lang="en-CA" sz="1200" dirty="0" smtClean="0">
+              <a:rPr lang="en-CA" sz="1200" dirty="0">
                 <a:solidFill>
                   <a:schemeClr val="tx1"/>
                 </a:solidFill>
               </a:rPr>
               <a:t>Call response handler in the hashmap</a:t>
             </a:r>
-            <a:endParaRPr lang="en-CA" sz="1200" dirty="0">
-              <a:solidFill>
-                <a:schemeClr val="tx1"/>
-              </a:solidFill>
-            </a:endParaRPr>
           </a:p>
         </p:txBody>
       </p:sp>
@@ -14283,18 +14050,13 @@
           <a:p>
             <a:pPr algn="ctr"/>
             <a:r>
-              <a:rPr lang="en-CA" sz="900" dirty="0" smtClean="0">
+              <a:rPr lang="en-CA" sz="900" dirty="0">
                 <a:solidFill>
                   <a:schemeClr val="tx1"/>
                 </a:solidFill>
               </a:rPr>
               <a:t>Connection Available?</a:t>
             </a:r>
-            <a:endParaRPr lang="en-CA" sz="900" dirty="0">
-              <a:solidFill>
-                <a:schemeClr val="tx1"/>
-              </a:solidFill>
-            </a:endParaRPr>
           </a:p>
         </p:txBody>
       </p:sp>
@@ -14321,10 +14083,9 @@
           <a:lstStyle/>
           <a:p>
             <a:r>
-              <a:rPr lang="en-CA" sz="1000" dirty="0" smtClean="0"/>
+              <a:rPr lang="en-CA" sz="1000" dirty="0"/>
               <a:t>Y</a:t>
             </a:r>
-            <a:endParaRPr lang="en-CA" sz="1000" dirty="0"/>
           </a:p>
         </p:txBody>
       </p:sp>
@@ -14535,10 +14296,9 @@
           <a:lstStyle/>
           <a:p>
             <a:r>
-              <a:rPr lang="en-CA" dirty="0" smtClean="0"/>
+              <a:rPr lang="en-CA" dirty="0"/>
               <a:t>SOAP Envelope</a:t>
             </a:r>
-            <a:endParaRPr lang="en-CA" dirty="0"/>
           </a:p>
         </p:txBody>
       </p:sp>
@@ -14613,10 +14373,9 @@
           <a:lstStyle/>
           <a:p>
             <a:r>
-              <a:rPr lang="en-CA" dirty="0" smtClean="0"/>
+              <a:rPr lang="en-CA" dirty="0"/>
               <a:t>SOAP Header</a:t>
             </a:r>
-            <a:endParaRPr lang="en-CA" dirty="0"/>
           </a:p>
         </p:txBody>
       </p:sp>
@@ -14691,10 +14450,9 @@
           <a:lstStyle/>
           <a:p>
             <a:r>
-              <a:rPr lang="en-CA" dirty="0" smtClean="0"/>
+              <a:rPr lang="en-CA" dirty="0"/>
               <a:t>SOAP Body</a:t>
             </a:r>
-            <a:endParaRPr lang="en-CA" dirty="0"/>
           </a:p>
         </p:txBody>
       </p:sp>
@@ -14746,18 +14504,13 @@
           <a:p>
             <a:pPr algn="ctr"/>
             <a:r>
-              <a:rPr lang="en-CA" dirty="0" smtClean="0">
+              <a:rPr lang="en-CA" dirty="0">
                 <a:solidFill>
                   <a:schemeClr val="tx1"/>
                 </a:solidFill>
               </a:rPr>
               <a:t>Header Message</a:t>
             </a:r>
-            <a:endParaRPr lang="en-CA" dirty="0">
-              <a:solidFill>
-                <a:schemeClr val="tx1"/>
-              </a:solidFill>
-            </a:endParaRPr>
           </a:p>
         </p:txBody>
       </p:sp>
@@ -14809,18 +14562,13 @@
           <a:p>
             <a:pPr algn="ctr"/>
             <a:r>
-              <a:rPr lang="en-CA" dirty="0" smtClean="0">
+              <a:rPr lang="en-CA" dirty="0">
                 <a:solidFill>
                   <a:schemeClr val="tx1"/>
                 </a:solidFill>
               </a:rPr>
               <a:t>Body Message</a:t>
             </a:r>
-            <a:endParaRPr lang="en-CA" dirty="0">
-              <a:solidFill>
-                <a:schemeClr val="tx1"/>
-              </a:solidFill>
-            </a:endParaRPr>
           </a:p>
         </p:txBody>
       </p:sp>
@@ -14872,18 +14620,13 @@
           <a:p>
             <a:pPr algn="ctr"/>
             <a:r>
-              <a:rPr lang="en-CA" dirty="0" smtClean="0">
+              <a:rPr lang="en-CA" dirty="0">
                 <a:solidFill>
                   <a:schemeClr val="tx1"/>
                 </a:solidFill>
               </a:rPr>
               <a:t>Fault Message</a:t>
             </a:r>
-            <a:endParaRPr lang="en-CA" dirty="0">
-              <a:solidFill>
-                <a:schemeClr val="tx1"/>
-              </a:solidFill>
-            </a:endParaRPr>
           </a:p>
         </p:txBody>
       </p:sp>
@@ -14934,10 +14677,9 @@
                     <a:lstStyle/>
                     <a:p>
                       <a:r>
-                        <a:rPr lang="en-CA" dirty="0" smtClean="0"/>
+                        <a:rPr lang="en-CA" dirty="0"/>
                         <a:t>Element</a:t>
                       </a:r>
-                      <a:endParaRPr lang="en-CA" dirty="0"/>
                     </a:p>
                   </a:txBody>
                   <a:tcPr/>
@@ -14948,10 +14690,9 @@
                     <a:lstStyle/>
                     <a:p>
                       <a:r>
-                        <a:rPr lang="en-CA" dirty="0" smtClean="0"/>
+                        <a:rPr lang="en-CA" dirty="0"/>
                         <a:t>Required</a:t>
                       </a:r>
-                      <a:endParaRPr lang="en-CA" dirty="0"/>
                     </a:p>
                   </a:txBody>
                   <a:tcPr/>
@@ -14969,7 +14710,7 @@
                     <a:lstStyle/>
                     <a:p>
                       <a:r>
-                        <a:rPr lang="en-CA" sz="1800" b="0" i="0" kern="1200" dirty="0" smtClean="0">
+                        <a:rPr lang="en-CA" sz="1800" b="0" i="0" kern="1200" dirty="0">
                           <a:solidFill>
                             <a:schemeClr val="tx1"/>
                           </a:solidFill>
@@ -14991,7 +14732,7 @@
                     <a:lstStyle/>
                     <a:p>
                       <a:r>
-                        <a:rPr lang="en-CA" sz="1800" b="0" i="0" kern="1200" dirty="0" smtClean="0">
+                        <a:rPr lang="en-CA" sz="1800" b="0" i="0" kern="1200" dirty="0">
                           <a:solidFill>
                             <a:schemeClr val="tx1"/>
                           </a:solidFill>
@@ -15020,7 +14761,7 @@
                     <a:lstStyle/>
                     <a:p>
                       <a:r>
-                        <a:rPr lang="en-CA" sz="1800" b="0" i="0" kern="1200" dirty="0" smtClean="0">
+                        <a:rPr lang="en-CA" sz="1800" b="0" i="0" kern="1200" dirty="0">
                           <a:solidFill>
                             <a:schemeClr val="tx1"/>
                           </a:solidFill>
@@ -15042,7 +14783,7 @@
                     <a:lstStyle/>
                     <a:p>
                       <a:r>
-                        <a:rPr lang="en-CA" sz="1800" b="0" i="0" kern="1200" dirty="0" smtClean="0">
+                        <a:rPr lang="en-CA" sz="1800" b="0" i="0" kern="1200" dirty="0">
                           <a:solidFill>
                             <a:schemeClr val="tx1"/>
                           </a:solidFill>
@@ -15071,7 +14812,7 @@
                     <a:lstStyle/>
                     <a:p>
                       <a:r>
-                        <a:rPr lang="en-CA" sz="1800" b="0" i="0" kern="1200" dirty="0" smtClean="0">
+                        <a:rPr lang="en-CA" sz="1800" b="0" i="0" kern="1200" dirty="0">
                           <a:solidFill>
                             <a:schemeClr val="tx1"/>
                           </a:solidFill>
@@ -15093,7 +14834,7 @@
                     <a:lstStyle/>
                     <a:p>
                       <a:r>
-                        <a:rPr lang="en-CA" sz="1800" b="0" i="0" kern="1200" dirty="0" smtClean="0">
+                        <a:rPr lang="en-CA" sz="1800" b="0" i="0" kern="1200" dirty="0">
                           <a:solidFill>
                             <a:schemeClr val="tx1"/>
                           </a:solidFill>
@@ -15122,7 +14863,7 @@
                     <a:lstStyle/>
                     <a:p>
                       <a:r>
-                        <a:rPr lang="en-CA" sz="1800" b="0" i="0" kern="1200" dirty="0" smtClean="0">
+                        <a:rPr lang="en-CA" sz="1800" b="0" i="0" kern="1200" dirty="0">
                           <a:solidFill>
                             <a:schemeClr val="tx1"/>
                           </a:solidFill>
@@ -15144,7 +14885,7 @@
                     <a:lstStyle/>
                     <a:p>
                       <a:r>
-                        <a:rPr lang="en-CA" sz="1800" b="0" i="0" kern="1200" dirty="0" smtClean="0">
+                        <a:rPr lang="en-CA" sz="1800" b="0" i="0" kern="1200" dirty="0">
                           <a:solidFill>
                             <a:schemeClr val="tx1"/>
                           </a:solidFill>
@@ -15295,10 +15036,9 @@
                     <a:p>
                       <a:pPr algn="ctr"/>
                       <a:r>
-                        <a:rPr lang="en-CA" dirty="0" smtClean="0"/>
+                        <a:rPr lang="en-CA" dirty="0"/>
                         <a:t>Bit</a:t>
                       </a:r>
-                      <a:endParaRPr lang="en-CA" dirty="0"/>
                     </a:p>
                   </a:txBody>
                   <a:tcPr>
@@ -15341,10 +15081,9 @@
                     <a:p>
                       <a:pPr algn="ctr"/>
                       <a:r>
-                        <a:rPr lang="en-CA" dirty="0" smtClean="0"/>
+                        <a:rPr lang="en-CA" dirty="0"/>
                         <a:t>7</a:t>
                       </a:r>
-                      <a:endParaRPr lang="en-CA" dirty="0"/>
                     </a:p>
                   </a:txBody>
                   <a:tcPr>
@@ -15393,10 +15132,9 @@
                     <a:p>
                       <a:pPr algn="ctr"/>
                       <a:r>
-                        <a:rPr lang="en-CA" dirty="0" smtClean="0"/>
+                        <a:rPr lang="en-CA" dirty="0"/>
                         <a:t>6</a:t>
                       </a:r>
-                      <a:endParaRPr lang="en-CA" dirty="0"/>
                     </a:p>
                   </a:txBody>
                   <a:tcPr>
@@ -15445,10 +15183,9 @@
                     <a:p>
                       <a:pPr algn="ctr"/>
                       <a:r>
-                        <a:rPr lang="en-CA" dirty="0" smtClean="0"/>
+                        <a:rPr lang="en-CA" dirty="0"/>
                         <a:t>5</a:t>
                       </a:r>
-                      <a:endParaRPr lang="en-CA" dirty="0"/>
                     </a:p>
                   </a:txBody>
                   <a:tcPr>
@@ -15497,10 +15234,9 @@
                     <a:p>
                       <a:pPr algn="ctr"/>
                       <a:r>
-                        <a:rPr lang="en-CA" dirty="0" smtClean="0"/>
+                        <a:rPr lang="en-CA" dirty="0"/>
                         <a:t>4</a:t>
                       </a:r>
-                      <a:endParaRPr lang="en-CA" dirty="0"/>
                     </a:p>
                   </a:txBody>
                   <a:tcPr>
@@ -15549,10 +15285,9 @@
                     <a:p>
                       <a:pPr algn="ctr"/>
                       <a:r>
-                        <a:rPr lang="en-CA" dirty="0" smtClean="0"/>
+                        <a:rPr lang="en-CA" dirty="0"/>
                         <a:t>3</a:t>
                       </a:r>
-                      <a:endParaRPr lang="en-CA" dirty="0"/>
                     </a:p>
                   </a:txBody>
                   <a:tcPr>
@@ -15601,10 +15336,9 @@
                     <a:p>
                       <a:pPr algn="ctr"/>
                       <a:r>
-                        <a:rPr lang="en-CA" dirty="0" smtClean="0"/>
+                        <a:rPr lang="en-CA" dirty="0"/>
                         <a:t>2</a:t>
                       </a:r>
-                      <a:endParaRPr lang="en-CA" dirty="0"/>
                     </a:p>
                   </a:txBody>
                   <a:tcPr>
@@ -15653,10 +15387,9 @@
                     <a:p>
                       <a:pPr algn="ctr"/>
                       <a:r>
-                        <a:rPr lang="en-CA" dirty="0" smtClean="0"/>
+                        <a:rPr lang="en-CA" dirty="0"/>
                         <a:t>1</a:t>
                       </a:r>
-                      <a:endParaRPr lang="en-CA" dirty="0"/>
                     </a:p>
                   </a:txBody>
                   <a:tcPr>
@@ -15705,10 +15438,9 @@
                     <a:p>
                       <a:pPr algn="ctr"/>
                       <a:r>
-                        <a:rPr lang="en-CA" dirty="0" smtClean="0"/>
+                        <a:rPr lang="en-CA" dirty="0"/>
                         <a:t>0</a:t>
                       </a:r>
-                      <a:endParaRPr lang="en-CA" dirty="0"/>
                     </a:p>
                   </a:txBody>
                   <a:tcPr>
@@ -15760,10 +15492,9 @@
                     <a:lstStyle/>
                     <a:p>
                       <a:r>
-                        <a:rPr lang="en-CA" dirty="0" smtClean="0"/>
+                        <a:rPr lang="en-CA" dirty="0"/>
                         <a:t>Byte1</a:t>
                       </a:r>
-                      <a:endParaRPr lang="en-CA" dirty="0"/>
                     </a:p>
                   </a:txBody>
                   <a:tcPr>
@@ -15812,11 +15543,11 @@
                     <a:p>
                       <a:pPr algn="ctr"/>
                       <a:r>
-                        <a:rPr lang="en-CA" dirty="0" smtClean="0"/>
+                        <a:rPr lang="en-CA" dirty="0"/>
                         <a:t>Packet</a:t>
                       </a:r>
                       <a:r>
-                        <a:rPr lang="en-CA" baseline="0" dirty="0" smtClean="0"/>
+                        <a:rPr lang="en-CA" baseline="0" dirty="0"/>
                         <a:t> Type</a:t>
                       </a:r>
                       <a:endParaRPr lang="en-CA" dirty="0"/>
@@ -16009,10 +15740,9 @@
                     <a:p>
                       <a:pPr algn="ctr"/>
                       <a:r>
-                        <a:rPr lang="en-CA" dirty="0" smtClean="0"/>
+                        <a:rPr lang="en-CA" dirty="0"/>
                         <a:t>Flag</a:t>
                       </a:r>
-                      <a:endParaRPr lang="en-CA" dirty="0"/>
                     </a:p>
                   </a:txBody>
                   <a:tcPr>
@@ -16208,10 +15938,10 @@
                     <a:lstStyle/>
                     <a:p>
                       <a:r>
-                        <a:rPr lang="en-CA" smtClean="0"/>
+                        <a:rPr lang="en-CA"/>
                         <a:t>Byte2…</a:t>
                       </a:r>
-                      <a:endParaRPr lang="en-CA" dirty="0" smtClean="0"/>
+                      <a:endParaRPr lang="en-CA" dirty="0"/>
                     </a:p>
                   </a:txBody>
                   <a:tcPr>
@@ -16260,10 +15990,9 @@
                     <a:p>
                       <a:pPr algn="ctr"/>
                       <a:r>
-                        <a:rPr lang="en-CA" dirty="0" smtClean="0"/>
+                        <a:rPr lang="en-CA" dirty="0"/>
                         <a:t>Remaining Length</a:t>
                       </a:r>
-                      <a:endParaRPr lang="en-CA" dirty="0"/>
                     </a:p>
                   </a:txBody>
                   <a:tcPr>
@@ -16647,16 +16376,15 @@
                     <a:lstStyle/>
                     <a:p>
                       <a:r>
-                        <a:rPr lang="en-CA" dirty="0" smtClean="0"/>
+                        <a:rPr lang="en-CA" dirty="0"/>
                         <a:t>Unknown</a:t>
                       </a:r>
                     </a:p>
                     <a:p>
                       <a:r>
-                        <a:rPr lang="en-CA" dirty="0" smtClean="0"/>
+                        <a:rPr lang="en-CA" dirty="0"/>
                         <a:t>Size</a:t>
                       </a:r>
-                      <a:endParaRPr lang="en-CA" dirty="0"/>
                     </a:p>
                   </a:txBody>
                   <a:tcPr>
@@ -16705,11 +16433,11 @@
                     <a:p>
                       <a:pPr algn="ctr"/>
                       <a:r>
-                        <a:rPr lang="en-CA" dirty="0" smtClean="0"/>
+                        <a:rPr lang="en-CA" dirty="0"/>
                         <a:t>Optional</a:t>
                       </a:r>
                       <a:r>
-                        <a:rPr lang="en-CA" baseline="0" dirty="0" smtClean="0"/>
+                        <a:rPr lang="en-CA" baseline="0" dirty="0"/>
                         <a:t> Header</a:t>
                       </a:r>
                       <a:endParaRPr lang="en-CA" dirty="0"/>
@@ -17096,7 +16824,7 @@
                     <a:lstStyle/>
                     <a:p>
                       <a:r>
-                        <a:rPr lang="en-CA" dirty="0" smtClean="0"/>
+                        <a:rPr lang="en-CA" dirty="0"/>
                         <a:t>Unknown</a:t>
                       </a:r>
                     </a:p>
@@ -17119,7 +16847,7 @@
                         <a:defRPr/>
                       </a:pPr>
                       <a:r>
-                        <a:rPr lang="en-CA" dirty="0" smtClean="0"/>
+                        <a:rPr lang="en-CA" dirty="0"/>
                         <a:t>Size</a:t>
                       </a:r>
                     </a:p>
@@ -17167,10 +16895,9 @@
                     <a:p>
                       <a:pPr algn="ctr"/>
                       <a:r>
-                        <a:rPr lang="en-CA" dirty="0" smtClean="0"/>
+                        <a:rPr lang="en-CA" dirty="0"/>
                         <a:t>Payload</a:t>
                       </a:r>
-                      <a:endParaRPr lang="en-CA" dirty="0"/>
                     </a:p>
                   </a:txBody>
                   <a:tcPr>
@@ -17688,7 +17415,7 @@
             <a:p>
               <a:pPr algn="ctr"/>
               <a:r>
-                <a:rPr lang="en-US" altLang="zh-CN" sz="1600" dirty="0" smtClean="0">
+                <a:rPr lang="en-US" altLang="zh-CN" sz="1600" dirty="0">
                   <a:solidFill>
                     <a:schemeClr val="tx1"/>
                   </a:solidFill>
@@ -17748,7 +17475,7 @@
             <a:p>
               <a:pPr algn="ctr"/>
               <a:r>
-                <a:rPr lang="en-US" altLang="zh-CN" sz="1600" dirty="0" smtClean="0">
+                <a:rPr lang="en-US" altLang="zh-CN" sz="1600" dirty="0">
                   <a:solidFill>
                     <a:schemeClr val="tx1"/>
                   </a:solidFill>
@@ -17808,7 +17535,7 @@
             <a:p>
               <a:pPr algn="ctr"/>
               <a:r>
-                <a:rPr lang="en-US" altLang="zh-CN" sz="1600" dirty="0" smtClean="0">
+                <a:rPr lang="en-US" altLang="zh-CN" sz="1600" dirty="0">
                   <a:solidFill>
                     <a:schemeClr val="tx1"/>
                   </a:solidFill>
@@ -17912,7 +17639,7 @@
             <a:lstStyle/>
             <a:p>
               <a:r>
-                <a:rPr lang="en-US" altLang="zh-CN" sz="1200" dirty="0" smtClean="0"/>
+                <a:rPr lang="en-US" altLang="zh-CN" sz="1200" dirty="0"/>
                 <a:t>CoAP Request</a:t>
               </a:r>
               <a:endParaRPr lang="zh-CN" altLang="en-US" sz="1200" dirty="0"/>
@@ -17942,7 +17669,7 @@
             <a:lstStyle/>
             <a:p>
               <a:r>
-                <a:rPr lang="en-US" altLang="zh-CN" sz="1200" dirty="0" smtClean="0"/>
+                <a:rPr lang="en-US" altLang="zh-CN" sz="1200" dirty="0"/>
                 <a:t>CoAP Request</a:t>
               </a:r>
               <a:endParaRPr lang="zh-CN" altLang="en-US" sz="1200" dirty="0"/>
@@ -17995,7 +17722,7 @@
           <a:p>
             <a:pPr algn="ctr"/>
             <a:r>
-              <a:rPr lang="en-US" altLang="zh-CN" sz="1600" dirty="0" smtClean="0">
+              <a:rPr lang="en-US" altLang="zh-CN" sz="1600" dirty="0">
                 <a:solidFill>
                   <a:schemeClr val="tx1"/>
                 </a:solidFill>
@@ -18055,7 +17782,7 @@
           <a:p>
             <a:pPr algn="ctr"/>
             <a:r>
-              <a:rPr lang="en-US" altLang="zh-CN" sz="1600" dirty="0" smtClean="0">
+              <a:rPr lang="en-US" altLang="zh-CN" sz="1600" dirty="0">
                 <a:solidFill>
                   <a:schemeClr val="tx1"/>
                 </a:solidFill>
@@ -18115,7 +17842,7 @@
           <a:p>
             <a:pPr algn="ctr"/>
             <a:r>
-              <a:rPr lang="en-US" altLang="zh-CN" sz="1600" dirty="0" smtClean="0">
+              <a:rPr lang="en-US" altLang="zh-CN" sz="1600" dirty="0">
                 <a:solidFill>
                   <a:schemeClr val="tx1"/>
                 </a:solidFill>
@@ -18439,7 +18166,7 @@
           <a:p>
             <a:pPr algn="ctr"/>
             <a:r>
-              <a:rPr lang="en-US" altLang="zh-CN" sz="1600" dirty="0" smtClean="0">
+              <a:rPr lang="en-US" altLang="zh-CN" sz="1600" dirty="0">
                 <a:solidFill>
                   <a:schemeClr val="tx1"/>
                 </a:solidFill>
@@ -18499,7 +18226,7 @@
           <a:p>
             <a:pPr algn="ctr"/>
             <a:r>
-              <a:rPr lang="en-US" altLang="zh-CN" sz="1600" dirty="0" smtClean="0">
+              <a:rPr lang="en-US" altLang="zh-CN" sz="1600" dirty="0">
                 <a:solidFill>
                   <a:schemeClr val="tx1"/>
                 </a:solidFill>
@@ -18559,7 +18286,7 @@
           <a:p>
             <a:pPr algn="ctr"/>
             <a:r>
-              <a:rPr lang="en-US" altLang="zh-CN" sz="1600" dirty="0" smtClean="0">
+              <a:rPr lang="en-US" altLang="zh-CN" sz="1600" dirty="0">
                 <a:solidFill>
                   <a:schemeClr val="tx1"/>
                 </a:solidFill>
@@ -18663,7 +18390,7 @@
           <a:lstStyle/>
           <a:p>
             <a:r>
-              <a:rPr lang="en-US" altLang="zh-CN" sz="1200" dirty="0" smtClean="0"/>
+              <a:rPr lang="en-US" altLang="zh-CN" sz="1200" dirty="0"/>
               <a:t>CoAP Request</a:t>
             </a:r>
             <a:endParaRPr lang="zh-CN" altLang="en-US" sz="1200" dirty="0"/>
@@ -18693,7 +18420,7 @@
           <a:lstStyle/>
           <a:p>
             <a:r>
-              <a:rPr lang="en-US" altLang="zh-CN" sz="1200" dirty="0" smtClean="0"/>
+              <a:rPr lang="en-US" altLang="zh-CN" sz="1200" dirty="0"/>
               <a:t>CoAP Request</a:t>
             </a:r>
             <a:endParaRPr lang="zh-CN" altLang="en-US" sz="1200" dirty="0"/>
@@ -18756,10 +18483,10 @@
           <a:lstStyle/>
           <a:p>
             <a:r>
-              <a:rPr lang="en-US" altLang="zh-CN" sz="1600" dirty="0" smtClean="0"/>
+              <a:rPr lang="en-US" altLang="zh-CN" sz="1600" dirty="0"/>
               <a:t>BLE Client</a:t>
             </a:r>
-            <a:endParaRPr lang="zh-CN" altLang="en-US" sz="1600" dirty="0" smtClean="0"/>
+            <a:endParaRPr lang="zh-CN" altLang="en-US" sz="1600" dirty="0"/>
           </a:p>
         </p:txBody>
       </p:sp>
@@ -18786,10 +18513,10 @@
           <a:lstStyle/>
           <a:p>
             <a:r>
-              <a:rPr lang="en-US" altLang="zh-CN" sz="1600" dirty="0" smtClean="0"/>
+              <a:rPr lang="en-US" altLang="zh-CN" sz="1600" dirty="0"/>
               <a:t>BLE Client</a:t>
             </a:r>
-            <a:endParaRPr lang="zh-CN" altLang="en-US" sz="1600" dirty="0" smtClean="0"/>
+            <a:endParaRPr lang="zh-CN" altLang="en-US" sz="1600" dirty="0"/>
           </a:p>
         </p:txBody>
       </p:sp>
@@ -18941,10 +18668,10 @@
           <a:lstStyle/>
           <a:p>
             <a:r>
-              <a:rPr lang="en-US" altLang="zh-CN" sz="1600" dirty="0" smtClean="0"/>
+              <a:rPr lang="en-US" altLang="zh-CN" sz="1600" dirty="0"/>
               <a:t>NP2PClient</a:t>
             </a:r>
-            <a:endParaRPr lang="zh-CN" altLang="en-US" sz="1600" dirty="0" smtClean="0"/>
+            <a:endParaRPr lang="zh-CN" altLang="en-US" sz="1600" dirty="0"/>
           </a:p>
         </p:txBody>
       </p:sp>
@@ -18993,7 +18720,7 @@
           <a:p>
             <a:pPr algn="ctr"/>
             <a:r>
-              <a:rPr lang="en-US" altLang="zh-CN" sz="1600" dirty="0" smtClean="0">
+              <a:rPr lang="en-US" altLang="zh-CN" sz="1600" dirty="0">
                 <a:solidFill>
                   <a:schemeClr val="tx1"/>
                 </a:solidFill>
@@ -19053,7 +18780,7 @@
           <a:p>
             <a:pPr algn="ctr"/>
             <a:r>
-              <a:rPr lang="en-US" altLang="zh-CN" sz="1600" dirty="0" smtClean="0">
+              <a:rPr lang="en-US" altLang="zh-CN" sz="1600" dirty="0">
                 <a:solidFill>
                   <a:schemeClr val="tx1"/>
                 </a:solidFill>
@@ -19165,7 +18892,7 @@
           <a:p>
             <a:pPr algn="ctr"/>
             <a:r>
-              <a:rPr lang="en-US" altLang="zh-CN" sz="1600" dirty="0" smtClean="0">
+              <a:rPr lang="en-US" altLang="zh-CN" sz="1600" dirty="0">
                 <a:solidFill>
                   <a:schemeClr val="tx1"/>
                 </a:solidFill>
@@ -19225,7 +18952,7 @@
           <a:p>
             <a:pPr algn="ctr"/>
             <a:r>
-              <a:rPr lang="en-US" altLang="zh-CN" sz="1600" dirty="0" smtClean="0">
+              <a:rPr lang="en-US" altLang="zh-CN" sz="1600" dirty="0">
                 <a:solidFill>
                   <a:schemeClr val="tx1"/>
                 </a:solidFill>
@@ -19285,7 +19012,7 @@
           <a:p>
             <a:pPr algn="ctr"/>
             <a:r>
-              <a:rPr lang="en-US" altLang="zh-CN" sz="1600" dirty="0" smtClean="0">
+              <a:rPr lang="en-US" altLang="zh-CN" sz="1600" dirty="0">
                 <a:solidFill>
                   <a:schemeClr val="tx1"/>
                 </a:solidFill>
@@ -19423,10 +19150,10 @@
           <a:lstStyle/>
           <a:p>
             <a:r>
-              <a:rPr lang="en-US" altLang="zh-CN" sz="1600" dirty="0" smtClean="0"/>
+              <a:rPr lang="en-US" altLang="zh-CN" sz="1600" dirty="0"/>
               <a:t>NP2PClient</a:t>
             </a:r>
-            <a:endParaRPr lang="zh-CN" altLang="en-US" sz="1600" dirty="0" smtClean="0"/>
+            <a:endParaRPr lang="zh-CN" altLang="en-US" sz="1600" dirty="0"/>
           </a:p>
         </p:txBody>
       </p:sp>
@@ -19475,7 +19202,7 @@
           <a:p>
             <a:pPr algn="ctr"/>
             <a:r>
-              <a:rPr lang="en-US" altLang="zh-CN" sz="1600" dirty="0" smtClean="0">
+              <a:rPr lang="en-US" altLang="zh-CN" sz="1600" dirty="0">
                 <a:solidFill>
                   <a:schemeClr val="tx1"/>
                 </a:solidFill>
@@ -19535,7 +19262,7 @@
           <a:p>
             <a:pPr algn="ctr"/>
             <a:r>
-              <a:rPr lang="en-US" altLang="zh-CN" sz="1600" dirty="0" smtClean="0">
+              <a:rPr lang="en-US" altLang="zh-CN" sz="1600" dirty="0">
                 <a:solidFill>
                   <a:schemeClr val="tx1"/>
                 </a:solidFill>
@@ -19647,7 +19374,7 @@
           <a:p>
             <a:pPr algn="ctr"/>
             <a:r>
-              <a:rPr lang="en-US" altLang="zh-CN" sz="1600" dirty="0" smtClean="0">
+              <a:rPr lang="en-US" altLang="zh-CN" sz="1600" dirty="0">
                 <a:solidFill>
                   <a:schemeClr val="tx1"/>
                 </a:solidFill>
@@ -19707,7 +19434,7 @@
           <a:p>
             <a:pPr algn="ctr"/>
             <a:r>
-              <a:rPr lang="en-US" altLang="zh-CN" sz="1600" dirty="0" smtClean="0">
+              <a:rPr lang="en-US" altLang="zh-CN" sz="1600" dirty="0">
                 <a:solidFill>
                   <a:schemeClr val="tx1"/>
                 </a:solidFill>
@@ -19767,7 +19494,7 @@
           <a:p>
             <a:pPr algn="ctr"/>
             <a:r>
-              <a:rPr lang="en-US" altLang="zh-CN" sz="1600" dirty="0" smtClean="0">
+              <a:rPr lang="en-US" altLang="zh-CN" sz="1600" dirty="0">
                 <a:solidFill>
                   <a:schemeClr val="tx1"/>
                 </a:solidFill>
@@ -19962,7 +19689,7 @@
           <a:lstStyle/>
           <a:p>
             <a:r>
-              <a:rPr lang="en-US" altLang="zh-CN" sz="1400" dirty="0" smtClean="0"/>
+              <a:rPr lang="en-US" altLang="zh-CN" sz="1400" dirty="0"/>
               <a:t>App1</a:t>
             </a:r>
             <a:endParaRPr lang="zh-CN" altLang="en-US" sz="1400" dirty="0"/>
@@ -19992,7 +19719,7 @@
           <a:lstStyle/>
           <a:p>
             <a:r>
-              <a:rPr lang="en-US" altLang="zh-CN" sz="1400" dirty="0" smtClean="0"/>
+              <a:rPr lang="en-US" altLang="zh-CN" sz="1400" dirty="0"/>
               <a:t>App2</a:t>
             </a:r>
             <a:endParaRPr lang="zh-CN" altLang="en-US" sz="1400" dirty="0"/>
@@ -20022,7 +19749,7 @@
           <a:lstStyle/>
           <a:p>
             <a:r>
-              <a:rPr lang="en-US" altLang="zh-CN" sz="1400" dirty="0" smtClean="0"/>
+              <a:rPr lang="en-US" altLang="zh-CN" sz="1400" dirty="0"/>
               <a:t>App1</a:t>
             </a:r>
             <a:endParaRPr lang="zh-CN" altLang="en-US" sz="1400" dirty="0"/>
@@ -20052,7 +19779,7 @@
           <a:lstStyle/>
           <a:p>
             <a:r>
-              <a:rPr lang="en-US" altLang="zh-CN" sz="1400" dirty="0" smtClean="0"/>
+              <a:rPr lang="en-US" altLang="zh-CN" sz="1400" dirty="0"/>
               <a:t>App2</a:t>
             </a:r>
             <a:endParaRPr lang="zh-CN" altLang="en-US" sz="1400" dirty="0"/>
@@ -20182,10 +19909,10 @@
           <a:lstStyle/>
           <a:p>
             <a:r>
-              <a:rPr lang="en-US" altLang="zh-CN" sz="1600" dirty="0" smtClean="0"/>
+              <a:rPr lang="en-US" altLang="zh-CN" sz="1600" dirty="0"/>
               <a:t>NP2PServer </a:t>
             </a:r>
-            <a:endParaRPr lang="zh-CN" altLang="en-US" sz="1600" dirty="0" smtClean="0"/>
+            <a:endParaRPr lang="zh-CN" altLang="en-US" sz="1600" dirty="0"/>
           </a:p>
         </p:txBody>
       </p:sp>
@@ -20234,7 +19961,7 @@
           <a:p>
             <a:pPr algn="ctr"/>
             <a:r>
-              <a:rPr lang="en-US" altLang="zh-CN" sz="1600" dirty="0" smtClean="0">
+              <a:rPr lang="en-US" altLang="zh-CN" sz="1600" dirty="0">
                 <a:solidFill>
                   <a:schemeClr val="tx1"/>
                 </a:solidFill>
@@ -20294,7 +20021,7 @@
           <a:p>
             <a:pPr algn="ctr"/>
             <a:r>
-              <a:rPr lang="en-US" altLang="zh-CN" sz="1600" dirty="0" smtClean="0">
+              <a:rPr lang="en-US" altLang="zh-CN" sz="1600" dirty="0">
                 <a:solidFill>
                   <a:schemeClr val="tx1"/>
                 </a:solidFill>
@@ -20354,7 +20081,7 @@
           <a:p>
             <a:pPr algn="ctr"/>
             <a:r>
-              <a:rPr lang="en-US" altLang="zh-CN" sz="1600" dirty="0" smtClean="0">
+              <a:rPr lang="en-US" altLang="zh-CN" sz="1600" dirty="0">
                 <a:solidFill>
                   <a:schemeClr val="tx1"/>
                 </a:solidFill>
@@ -20491,7 +20218,7 @@
           <a:lstStyle/>
           <a:p>
             <a:r>
-              <a:rPr lang="en-US" altLang="zh-CN" sz="1400" dirty="0" smtClean="0"/>
+              <a:rPr lang="en-US" altLang="zh-CN" sz="1400" dirty="0"/>
               <a:t>Service Manager</a:t>
             </a:r>
             <a:endParaRPr lang="zh-CN" altLang="en-US" sz="1400" dirty="0"/>
@@ -20568,14 +20295,14 @@
           <a:p>
             <a:pPr algn="ctr"/>
             <a:r>
-              <a:rPr lang="en-US" altLang="zh-CN" sz="1600" smtClean="0">
+              <a:rPr lang="en-US" altLang="zh-CN" sz="1600">
                 <a:solidFill>
                   <a:schemeClr val="tx1"/>
                 </a:solidFill>
               </a:rPr>
               <a:t>Client</a:t>
             </a:r>
-            <a:endParaRPr lang="en-US" altLang="zh-CN" sz="1600" dirty="0" smtClean="0">
+            <a:endParaRPr lang="en-US" altLang="zh-CN" sz="1600" dirty="0">
               <a:solidFill>
                 <a:schemeClr val="tx1"/>
               </a:solidFill>
@@ -20628,7 +20355,7 @@
           <a:p>
             <a:pPr algn="ctr"/>
             <a:r>
-              <a:rPr lang="en-US" altLang="zh-CN" sz="1600" dirty="0" smtClean="0">
+              <a:rPr lang="en-US" altLang="zh-CN" sz="1600" dirty="0">
                 <a:solidFill>
                   <a:schemeClr val="tx1"/>
                 </a:solidFill>
@@ -20764,7 +20491,7 @@
           <a:lstStyle/>
           <a:p>
             <a:r>
-              <a:rPr lang="en-US" altLang="zh-CN" sz="1200" dirty="0" smtClean="0"/>
+              <a:rPr lang="en-US" altLang="zh-CN" sz="1200" dirty="0"/>
               <a:t>Client Announcement</a:t>
             </a:r>
             <a:endParaRPr lang="zh-CN" altLang="en-US" sz="1200" dirty="0"/>
@@ -20828,7 +20555,7 @@
           <a:lstStyle/>
           <a:p>
             <a:r>
-              <a:rPr lang="en-US" altLang="zh-CN" sz="1200" dirty="0" smtClean="0"/>
+              <a:rPr lang="en-US" altLang="zh-CN" sz="1200" dirty="0"/>
               <a:t>Server Announcement</a:t>
             </a:r>
             <a:endParaRPr lang="zh-CN" altLang="en-US" sz="1200" dirty="0"/>
@@ -20858,7 +20585,7 @@
           <a:lstStyle/>
           <a:p>
             <a:r>
-              <a:rPr lang="en-US" altLang="zh-CN" sz="1200" dirty="0" smtClean="0"/>
+              <a:rPr lang="en-US" altLang="zh-CN" sz="1200" dirty="0"/>
               <a:t>Write Request of InCharacteristic</a:t>
             </a:r>
             <a:endParaRPr lang="zh-CN" altLang="en-US" sz="1200" dirty="0"/>
@@ -20956,7 +20683,7 @@
           <a:lstStyle/>
           <a:p>
             <a:r>
-              <a:rPr lang="en-US" altLang="zh-CN" sz="1200" dirty="0" smtClean="0"/>
+              <a:rPr lang="en-US" altLang="zh-CN" sz="1200" dirty="0"/>
               <a:t>Request Reply</a:t>
             </a:r>
             <a:endParaRPr lang="zh-CN" altLang="en-US" sz="1200" dirty="0"/>
@@ -21020,7 +20747,7 @@
           <a:lstStyle/>
           <a:p>
             <a:r>
-              <a:rPr lang="en-US" altLang="zh-CN" sz="1200" dirty="0" smtClean="0"/>
+              <a:rPr lang="en-US" altLang="zh-CN" sz="1200" dirty="0"/>
               <a:t>Notification of OutCharacteristic</a:t>
             </a:r>
             <a:endParaRPr lang="zh-CN" altLang="en-US" sz="1200" dirty="0"/>
@@ -21073,75 +20800,75 @@
           </a:bodyPr>
           <a:lstStyle/>
           <a:p>
-            <a:endParaRPr lang="en-US" sz="1400" dirty="0" smtClean="0"/>
-          </a:p>
-          <a:p>
-            <a:r>
-              <a:rPr lang="en-US" sz="1400" dirty="0" smtClean="0"/>
+            <a:endParaRPr lang="en-US" sz="1400" dirty="0"/>
+          </a:p>
+          <a:p>
+            <a:r>
+              <a:rPr lang="en-US" sz="1400" dirty="0"/>
               <a:t>2 bits indicate the type of message </a:t>
             </a:r>
-            <a:endParaRPr lang="zh-CN" altLang="en-US" sz="1400" dirty="0" smtClean="0"/>
-          </a:p>
-          <a:p>
-            <a:r>
-              <a:rPr lang="en-US" sz="1400" dirty="0" smtClean="0"/>
+            <a:endParaRPr lang="zh-CN" altLang="en-US" sz="1400" dirty="0"/>
+          </a:p>
+          <a:p>
+            <a:r>
+              <a:rPr lang="en-US" sz="1400" dirty="0"/>
               <a:t>00: announcement</a:t>
             </a:r>
-            <a:endParaRPr lang="zh-CN" altLang="en-US" sz="1400" dirty="0" smtClean="0"/>
-          </a:p>
-          <a:p>
-            <a:r>
-              <a:rPr lang="en-US" sz="1400" dirty="0" smtClean="0"/>
+            <a:endParaRPr lang="zh-CN" altLang="en-US" sz="1400" dirty="0"/>
+          </a:p>
+          <a:p>
+            <a:r>
+              <a:rPr lang="en-US" sz="1400" dirty="0"/>
               <a:t>01: continue package</a:t>
             </a:r>
-            <a:endParaRPr lang="zh-CN" altLang="en-US" sz="1400" dirty="0" smtClean="0"/>
-          </a:p>
-          <a:p>
-            <a:r>
-              <a:rPr lang="en-US" sz="1400" dirty="0" smtClean="0"/>
+            <a:endParaRPr lang="zh-CN" altLang="en-US" sz="1400" dirty="0"/>
+          </a:p>
+          <a:p>
+            <a:r>
+              <a:rPr lang="en-US" sz="1400" dirty="0"/>
               <a:t>10: end of package</a:t>
             </a:r>
             <a:r>
-              <a:rPr lang="en-US" altLang="zh-CN" sz="1400" dirty="0" smtClean="0"/>
+              <a:rPr lang="en-US" altLang="zh-CN" sz="1400" dirty="0"/>
               <a:t> </a:t>
             </a:r>
           </a:p>
           <a:p>
             <a:r>
-              <a:rPr lang="en-US" sz="1400" dirty="0" smtClean="0"/>
+              <a:rPr lang="en-US" sz="1400" dirty="0"/>
               <a:t>11: reserve</a:t>
             </a:r>
           </a:p>
           <a:p>
-            <a:endParaRPr lang="en-US" altLang="zh-CN" sz="1400" dirty="0" smtClean="0"/>
-          </a:p>
-          <a:p>
-            <a:r>
-              <a:rPr lang="en-US" altLang="zh-CN" sz="1400" dirty="0" smtClean="0"/>
+            <a:endParaRPr lang="en-US" altLang="zh-CN" sz="1400" dirty="0"/>
+          </a:p>
+          <a:p>
+            <a:r>
+              <a:rPr lang="en-US" altLang="zh-CN" sz="1400" dirty="0"/>
               <a:t>14 </a:t>
             </a:r>
             <a:r>
-              <a:rPr lang="en-US" sz="1400" dirty="0" smtClean="0"/>
+              <a:rPr lang="en-US" sz="1400" dirty="0"/>
               <a:t>bits unsigned integer </a:t>
             </a:r>
             <a:r>
-              <a:rPr lang="en-US" altLang="zh-CN" sz="1400" dirty="0" smtClean="0"/>
+              <a:rPr lang="en-US" altLang="zh-CN" sz="1400" dirty="0"/>
               <a:t>as APPID</a:t>
             </a:r>
-            <a:endParaRPr lang="zh-CN" altLang="en-US" sz="1400" dirty="0" smtClean="0"/>
+            <a:endParaRPr lang="zh-CN" altLang="en-US" sz="1400" dirty="0"/>
           </a:p>
           <a:p>
             <a:pPr marL="342900" indent="-342900"/>
             <a:r>
-              <a:rPr lang="en-US" altLang="zh-CN" sz="1400" dirty="0" smtClean="0"/>
+              <a:rPr lang="en-US" altLang="zh-CN" sz="1400" dirty="0"/>
               <a:t>16 </a:t>
             </a:r>
             <a:r>
-              <a:rPr lang="en-US" sz="1400" dirty="0" smtClean="0"/>
+              <a:rPr lang="en-US" sz="1400" dirty="0"/>
               <a:t>bits unsigned integer </a:t>
             </a:r>
             <a:r>
-              <a:rPr lang="en-US" altLang="zh-CN" sz="1400" dirty="0" smtClean="0"/>
+              <a:rPr lang="en-US" altLang="zh-CN" sz="1400" dirty="0"/>
               <a:t>as UserID</a:t>
             </a:r>
           </a:p>
@@ -21195,7 +20922,7 @@
                     <a:lstStyle/>
                     <a:p>
                       <a:r>
-                        <a:rPr lang="en-US" altLang="zh-CN" sz="1200" b="1" cap="none" spc="0" dirty="0" smtClean="0">
+                        <a:rPr lang="en-US" altLang="zh-CN" sz="1200" b="1" cap="none" spc="0" dirty="0">
                           <a:ln>
                             <a:noFill/>
                           </a:ln>
@@ -21226,7 +20953,7 @@
                     <a:p>
                       <a:pPr algn="ctr"/>
                       <a:r>
-                        <a:rPr lang="en-US" altLang="zh-CN" sz="1200" b="1" cap="none" spc="0" dirty="0" smtClean="0">
+                        <a:rPr lang="en-US" altLang="zh-CN" sz="1200" b="1" cap="none" spc="0" dirty="0">
                           <a:ln>
                             <a:noFill/>
                           </a:ln>
@@ -21238,7 +20965,7 @@
                         <a:t>14</a:t>
                       </a:r>
                       <a:r>
-                        <a:rPr lang="en-US" altLang="zh-CN" sz="1200" b="1" cap="none" spc="0" baseline="0" dirty="0" smtClean="0">
+                        <a:rPr lang="en-US" altLang="zh-CN" sz="1200" b="1" cap="none" spc="0" baseline="0" dirty="0">
                           <a:ln>
                             <a:noFill/>
                           </a:ln>
@@ -21250,7 +20977,7 @@
                         <a:t> </a:t>
                       </a:r>
                       <a:r>
-                        <a:rPr lang="en-US" altLang="zh-CN" sz="1200" b="1" cap="none" spc="0" dirty="0" smtClean="0">
+                        <a:rPr lang="en-US" altLang="zh-CN" sz="1200" b="1" cap="none" spc="0" dirty="0">
                           <a:ln>
                             <a:noFill/>
                           </a:ln>
@@ -21297,7 +21024,7 @@
                         <a:defRPr/>
                       </a:pPr>
                       <a:r>
-                        <a:rPr lang="en-US" altLang="zh-CN" sz="1200" b="1" cap="none" spc="0" dirty="0" smtClean="0">
+                        <a:rPr lang="en-US" altLang="zh-CN" sz="1200" b="1" cap="none" spc="0" dirty="0">
                           <a:ln>
                             <a:noFill/>
                           </a:ln>
@@ -21309,7 +21036,7 @@
                         <a:t>1</a:t>
                       </a:r>
                       <a:r>
-                        <a:rPr lang="en-US" altLang="zh-CN" sz="1200" b="1" cap="none" spc="0" baseline="0" dirty="0" smtClean="0">
+                        <a:rPr lang="en-US" altLang="zh-CN" sz="1200" b="1" cap="none" spc="0" baseline="0" dirty="0">
                           <a:ln>
                             <a:noFill/>
                           </a:ln>
@@ -21321,7 +21048,7 @@
                         <a:t>6</a:t>
                       </a:r>
                       <a:r>
-                        <a:rPr lang="en-US" altLang="zh-CN" sz="1200" b="1" cap="none" spc="0" dirty="0" smtClean="0">
+                        <a:rPr lang="en-US" altLang="zh-CN" sz="1200" b="1" cap="none" spc="0" dirty="0">
                           <a:ln>
                             <a:noFill/>
                           </a:ln>
@@ -21332,7 +21059,7 @@
                         </a:rPr>
                         <a:t>bits</a:t>
                       </a:r>
-                      <a:endParaRPr lang="zh-CN" altLang="en-US" sz="1200" b="1" cap="none" spc="0" dirty="0" smtClean="0">
+                      <a:endParaRPr lang="zh-CN" altLang="en-US" sz="1200" b="1" cap="none" spc="0" dirty="0">
                         <a:ln>
                           <a:noFill/>
                         </a:ln>
@@ -21501,7 +21228,7 @@
           <a:lstStyle/>
           <a:p>
             <a:r>
-              <a:rPr lang="en-US" altLang="zh-CN" sz="1200" dirty="0" smtClean="0"/>
+              <a:rPr lang="en-US" altLang="zh-CN" sz="1200" dirty="0"/>
               <a:t>Type</a:t>
             </a:r>
             <a:endParaRPr lang="zh-CN" altLang="en-US" sz="1200" dirty="0"/>
@@ -21531,7 +21258,7 @@
           <a:lstStyle/>
           <a:p>
             <a:r>
-              <a:rPr lang="en-US" altLang="zh-CN" sz="1200" dirty="0" smtClean="0"/>
+              <a:rPr lang="en-US" altLang="zh-CN" sz="1200" dirty="0"/>
               <a:t>AppID</a:t>
             </a:r>
             <a:endParaRPr lang="zh-CN" altLang="en-US" sz="1200" dirty="0"/>
@@ -21561,7 +21288,7 @@
           <a:lstStyle/>
           <a:p>
             <a:r>
-              <a:rPr lang="en-US" altLang="zh-CN" sz="1200" dirty="0" smtClean="0"/>
+              <a:rPr lang="en-US" altLang="zh-CN" sz="1200" dirty="0"/>
               <a:t>UserID</a:t>
             </a:r>
             <a:endParaRPr lang="zh-CN" altLang="en-US" sz="1200" dirty="0"/>
@@ -21603,7 +21330,7 @@
                     <a:p>
                       <a:pPr algn="ctr"/>
                       <a:r>
-                        <a:rPr lang="en-US" altLang="zh-CN" sz="1200" dirty="0" smtClean="0">
+                        <a:rPr lang="en-US" altLang="zh-CN" sz="1200" dirty="0">
                           <a:solidFill>
                             <a:schemeClr val="accent1"/>
                           </a:solidFill>
@@ -21733,7 +21460,7 @@
           <a:lstStyle/>
           <a:p>
             <a:r>
-              <a:rPr lang="en-US" altLang="zh-CN" sz="1400" b="1" dirty="0" smtClean="0">
+              <a:rPr lang="en-US" altLang="zh-CN" sz="1400" b="1" dirty="0">
                 <a:solidFill>
                   <a:schemeClr val="accent1"/>
                 </a:solidFill>
@@ -21793,7 +21520,7 @@
           <a:p>
             <a:pPr marL="342900" indent="-342900"/>
             <a:r>
-              <a:rPr lang="en-US" altLang="zh-CN" dirty="0" smtClean="0"/>
+              <a:rPr lang="en-US" altLang="zh-CN" dirty="0"/>
               <a:t>The BLE service (in BLE client) aims to support communications between multiple applications and multiple data providers (BLE server).</a:t>
             </a:r>
             <a:endParaRPr lang="zh-CN" altLang="en-US" dirty="0"/>
@@ -21824,146 +21551,146 @@
           <a:p>
             <a:pPr marL="342900" indent="-342900"/>
             <a:r>
-              <a:rPr lang="en-US" altLang="zh-CN" dirty="0" smtClean="0"/>
+              <a:rPr lang="en-US" altLang="zh-CN" dirty="0"/>
               <a:t>1. When discover advertising server, client need to know the type of BLE server for </a:t>
             </a:r>
           </a:p>
           <a:p>
             <a:pPr marL="342900" indent="-342900"/>
             <a:r>
-              <a:rPr lang="en-US" altLang="zh-CN" dirty="0" smtClean="0"/>
+              <a:rPr lang="en-US" altLang="zh-CN" dirty="0"/>
               <a:t>automatically create communication channels</a:t>
             </a:r>
           </a:p>
           <a:p>
             <a:pPr marL="342900" indent="-342900"/>
             <a:r>
-              <a:rPr lang="en-US" altLang="zh-CN" dirty="0" smtClean="0"/>
+              <a:rPr lang="en-US" altLang="zh-CN" dirty="0"/>
               <a:t>Solution: Set signal like “NP2P:Device1”as “manufactory data”  when construct advertise data.</a:t>
             </a:r>
           </a:p>
           <a:p>
             <a:pPr marL="342900" indent="-342900"/>
-            <a:endParaRPr lang="en-US" altLang="zh-CN" dirty="0" smtClean="0"/>
+            <a:endParaRPr lang="en-US" altLang="zh-CN" dirty="0"/>
           </a:p>
           <a:p>
             <a:pPr marL="342900" indent="-342900"/>
             <a:r>
-              <a:rPr lang="en-US" altLang="zh-CN" dirty="0" smtClean="0"/>
+              <a:rPr lang="en-US" altLang="zh-CN" dirty="0"/>
               <a:t>2. In the era of a single user with multiple access points, the communication channel should </a:t>
             </a:r>
           </a:p>
           <a:p>
             <a:pPr marL="342900" indent="-342900"/>
             <a:r>
-              <a:rPr lang="en-US" altLang="zh-CN" dirty="0" smtClean="0"/>
+              <a:rPr lang="en-US" altLang="zh-CN" dirty="0"/>
               <a:t>independent from static identifier.</a:t>
             </a:r>
           </a:p>
           <a:p>
             <a:pPr marL="342900" indent="-342900"/>
             <a:r>
-              <a:rPr lang="en-US" altLang="zh-CN" dirty="0" smtClean="0"/>
+              <a:rPr lang="en-US" altLang="zh-CN" dirty="0"/>
               <a:t>Solution: Adopt 4 bytes header in the 20bytes BLE packet.</a:t>
             </a:r>
           </a:p>
           <a:p>
             <a:pPr marL="342900" indent="-342900"/>
             <a:r>
-              <a:rPr lang="en-US" dirty="0" smtClean="0"/>
+              <a:rPr lang="en-US" dirty="0"/>
               <a:t>2|14|16</a:t>
             </a:r>
           </a:p>
           <a:p>
             <a:r>
-              <a:rPr lang="en-US" dirty="0" smtClean="0"/>
+              <a:rPr lang="en-US" dirty="0"/>
               <a:t>2 bits indicate the type of message;</a:t>
             </a:r>
-            <a:endParaRPr lang="zh-CN" altLang="en-US" dirty="0" smtClean="0"/>
-          </a:p>
-          <a:p>
-            <a:r>
-              <a:rPr lang="en-US" dirty="0" smtClean="0"/>
+            <a:endParaRPr lang="zh-CN" altLang="en-US" dirty="0"/>
+          </a:p>
+          <a:p>
+            <a:r>
+              <a:rPr lang="en-US" dirty="0"/>
               <a:t>00: announcement</a:t>
             </a:r>
-            <a:endParaRPr lang="zh-CN" altLang="en-US" dirty="0" smtClean="0"/>
-          </a:p>
-          <a:p>
-            <a:r>
-              <a:rPr lang="en-US" dirty="0" smtClean="0"/>
+            <a:endParaRPr lang="zh-CN" altLang="en-US" dirty="0"/>
+          </a:p>
+          <a:p>
+            <a:r>
+              <a:rPr lang="en-US" dirty="0"/>
               <a:t>01: continue package</a:t>
             </a:r>
-            <a:endParaRPr lang="zh-CN" altLang="en-US" dirty="0" smtClean="0"/>
-          </a:p>
-          <a:p>
-            <a:r>
-              <a:rPr lang="en-US" dirty="0" smtClean="0"/>
+            <a:endParaRPr lang="zh-CN" altLang="en-US" dirty="0"/>
+          </a:p>
+          <a:p>
+            <a:r>
+              <a:rPr lang="en-US" dirty="0"/>
               <a:t>11: end of package</a:t>
             </a:r>
             <a:r>
-              <a:rPr lang="en-US" altLang="zh-CN" dirty="0" smtClean="0"/>
+              <a:rPr lang="en-US" altLang="zh-CN" dirty="0"/>
               <a:t> </a:t>
             </a:r>
-            <a:endParaRPr lang="en-US" dirty="0" smtClean="0"/>
-          </a:p>
-          <a:p>
-            <a:endParaRPr lang="en-US" altLang="zh-CN" dirty="0" smtClean="0"/>
-          </a:p>
-          <a:p>
-            <a:r>
-              <a:rPr lang="en-US" altLang="zh-CN" dirty="0" smtClean="0"/>
+            <a:endParaRPr lang="en-US" dirty="0"/>
+          </a:p>
+          <a:p>
+            <a:endParaRPr lang="en-US" altLang="zh-CN" dirty="0"/>
+          </a:p>
+          <a:p>
+            <a:r>
+              <a:rPr lang="en-US" altLang="zh-CN" dirty="0"/>
               <a:t>14 </a:t>
             </a:r>
             <a:r>
-              <a:rPr lang="en-US" dirty="0" smtClean="0"/>
+              <a:rPr lang="en-US" dirty="0"/>
               <a:t>bits </a:t>
             </a:r>
             <a:r>
-              <a:rPr lang="en-US" altLang="zh-CN" dirty="0" smtClean="0"/>
+              <a:rPr lang="en-US" altLang="zh-CN" dirty="0"/>
               <a:t>indicate APPID</a:t>
             </a:r>
-            <a:endParaRPr lang="zh-CN" altLang="en-US" dirty="0" smtClean="0"/>
+            <a:endParaRPr lang="zh-CN" altLang="en-US" dirty="0"/>
           </a:p>
           <a:p>
             <a:pPr marL="342900" indent="-342900"/>
             <a:r>
-              <a:rPr lang="en-US" altLang="zh-CN" dirty="0" smtClean="0"/>
+              <a:rPr lang="en-US" altLang="zh-CN" dirty="0"/>
               <a:t>16 </a:t>
             </a:r>
             <a:r>
-              <a:rPr lang="en-US" dirty="0" smtClean="0"/>
+              <a:rPr lang="en-US" dirty="0"/>
               <a:t>bits </a:t>
             </a:r>
             <a:r>
-              <a:rPr lang="en-US" altLang="zh-CN" dirty="0" smtClean="0"/>
+              <a:rPr lang="en-US" altLang="zh-CN" dirty="0"/>
               <a:t>indicate UserID</a:t>
             </a:r>
           </a:p>
           <a:p>
             <a:pPr marL="342900" indent="-342900"/>
-            <a:endParaRPr lang="en-US" altLang="zh-CN" dirty="0" smtClean="0"/>
+            <a:endParaRPr lang="en-US" altLang="zh-CN" dirty="0"/>
           </a:p>
           <a:p>
             <a:pPr marL="342900" indent="-342900"/>
             <a:r>
-              <a:rPr lang="en-US" dirty="0" smtClean="0"/>
+              <a:rPr lang="en-US" dirty="0"/>
               <a:t>Announcement is  a 4 bytes header payload;</a:t>
             </a:r>
           </a:p>
           <a:p>
             <a:pPr marL="342900" indent="-342900"/>
             <a:r>
-              <a:rPr lang="en-US" dirty="0" smtClean="0"/>
+              <a:rPr lang="en-US" dirty="0"/>
               <a:t>It indicates a new instance of APP/User joined the communication. </a:t>
             </a:r>
           </a:p>
           <a:p>
             <a:pPr marL="342900" indent="-342900"/>
-            <a:endParaRPr lang="en-US" altLang="zh-CN" dirty="0" smtClean="0"/>
+            <a:endParaRPr lang="en-US" altLang="zh-CN" dirty="0"/>
           </a:p>
           <a:p>
             <a:pPr marL="342900" indent="-342900"/>
-            <a:endParaRPr lang="en-US" altLang="zh-CN" dirty="0" smtClean="0"/>
+            <a:endParaRPr lang="en-US" altLang="zh-CN" dirty="0"/>
           </a:p>
         </p:txBody>
       </p:sp>
@@ -22032,7 +21759,7 @@
           <a:p>
             <a:pPr algn="ctr"/>
             <a:r>
-              <a:rPr lang="en-US" altLang="zh-CN" dirty="0" smtClean="0">
+              <a:rPr lang="en-US" altLang="zh-CN" dirty="0">
                 <a:solidFill>
                   <a:schemeClr val="tx1"/>
                 </a:solidFill>
@@ -22087,7 +21814,7 @@
           <a:p>
             <a:pPr algn="ctr"/>
             <a:r>
-              <a:rPr lang="en-US" altLang="zh-CN" dirty="0" smtClean="0">
+              <a:rPr lang="en-US" altLang="zh-CN" dirty="0">
                 <a:solidFill>
                   <a:schemeClr val="tx1"/>
                 </a:solidFill>
@@ -22191,7 +21918,7 @@
           <a:lstStyle/>
           <a:p>
             <a:r>
-              <a:rPr lang="en-US" altLang="zh-CN" dirty="0" err="1" smtClean="0"/>
+              <a:rPr lang="en-US" altLang="zh-CN" dirty="0" err="1"/>
               <a:t>ReplyToUserID</a:t>
             </a:r>
             <a:endParaRPr lang="zh-CN" altLang="en-US" dirty="0"/>
@@ -22221,7 +21948,7 @@
           <a:lstStyle/>
           <a:p>
             <a:r>
-              <a:rPr lang="en-US" altLang="zh-CN" dirty="0" smtClean="0"/>
+              <a:rPr lang="en-US" altLang="zh-CN" dirty="0"/>
               <a:t>Request from UserID/APPID</a:t>
             </a:r>
             <a:endParaRPr lang="zh-CN" altLang="en-US" dirty="0"/>

--- a/ThesisImg.pptx
+++ b/ThesisImg.pptx
@@ -321,7 +321,7 @@
             <a:fld id="{14079E88-C8E6-41F4-996F-838B1F23D75D}" type="datetimeFigureOut">
               <a:rPr lang="zh-CN" altLang="en-US" smtClean="0"/>
               <a:pPr/>
-              <a:t>2016/6/26</a:t>
+              <a:t>2016/7/5</a:t>
             </a:fld>
             <a:endParaRPr lang="zh-CN" altLang="en-US"/>
           </a:p>
@@ -486,7 +486,7 @@
             <a:fld id="{14079E88-C8E6-41F4-996F-838B1F23D75D}" type="datetimeFigureOut">
               <a:rPr lang="zh-CN" altLang="en-US" smtClean="0"/>
               <a:pPr/>
-              <a:t>2016/6/26</a:t>
+              <a:t>2016/7/5</a:t>
             </a:fld>
             <a:endParaRPr lang="zh-CN" altLang="en-US"/>
           </a:p>
@@ -661,7 +661,7 @@
             <a:fld id="{14079E88-C8E6-41F4-996F-838B1F23D75D}" type="datetimeFigureOut">
               <a:rPr lang="zh-CN" altLang="en-US" smtClean="0"/>
               <a:pPr/>
-              <a:t>2016/6/26</a:t>
+              <a:t>2016/7/5</a:t>
             </a:fld>
             <a:endParaRPr lang="zh-CN" altLang="en-US"/>
           </a:p>
@@ -826,7 +826,7 @@
             <a:fld id="{14079E88-C8E6-41F4-996F-838B1F23D75D}" type="datetimeFigureOut">
               <a:rPr lang="zh-CN" altLang="en-US" smtClean="0"/>
               <a:pPr/>
-              <a:t>2016/6/26</a:t>
+              <a:t>2016/7/5</a:t>
             </a:fld>
             <a:endParaRPr lang="zh-CN" altLang="en-US"/>
           </a:p>
@@ -1068,7 +1068,7 @@
             <a:fld id="{14079E88-C8E6-41F4-996F-838B1F23D75D}" type="datetimeFigureOut">
               <a:rPr lang="zh-CN" altLang="en-US" smtClean="0"/>
               <a:pPr/>
-              <a:t>2016/6/26</a:t>
+              <a:t>2016/7/5</a:t>
             </a:fld>
             <a:endParaRPr lang="zh-CN" altLang="en-US"/>
           </a:p>
@@ -1350,7 +1350,7 @@
             <a:fld id="{14079E88-C8E6-41F4-996F-838B1F23D75D}" type="datetimeFigureOut">
               <a:rPr lang="zh-CN" altLang="en-US" smtClean="0"/>
               <a:pPr/>
-              <a:t>2016/6/26</a:t>
+              <a:t>2016/7/5</a:t>
             </a:fld>
             <a:endParaRPr lang="zh-CN" altLang="en-US"/>
           </a:p>
@@ -1766,7 +1766,7 @@
             <a:fld id="{14079E88-C8E6-41F4-996F-838B1F23D75D}" type="datetimeFigureOut">
               <a:rPr lang="zh-CN" altLang="en-US" smtClean="0"/>
               <a:pPr/>
-              <a:t>2016/6/26</a:t>
+              <a:t>2016/7/5</a:t>
             </a:fld>
             <a:endParaRPr lang="zh-CN" altLang="en-US"/>
           </a:p>
@@ -1880,7 +1880,7 @@
             <a:fld id="{14079E88-C8E6-41F4-996F-838B1F23D75D}" type="datetimeFigureOut">
               <a:rPr lang="zh-CN" altLang="en-US" smtClean="0"/>
               <a:pPr/>
-              <a:t>2016/6/26</a:t>
+              <a:t>2016/7/5</a:t>
             </a:fld>
             <a:endParaRPr lang="zh-CN" altLang="en-US"/>
           </a:p>
@@ -1972,7 +1972,7 @@
             <a:fld id="{14079E88-C8E6-41F4-996F-838B1F23D75D}" type="datetimeFigureOut">
               <a:rPr lang="zh-CN" altLang="en-US" smtClean="0"/>
               <a:pPr/>
-              <a:t>2016/6/26</a:t>
+              <a:t>2016/7/5</a:t>
             </a:fld>
             <a:endParaRPr lang="zh-CN" altLang="en-US"/>
           </a:p>
@@ -2244,7 +2244,7 @@
             <a:fld id="{14079E88-C8E6-41F4-996F-838B1F23D75D}" type="datetimeFigureOut">
               <a:rPr lang="zh-CN" altLang="en-US" smtClean="0"/>
               <a:pPr/>
-              <a:t>2016/6/26</a:t>
+              <a:t>2016/7/5</a:t>
             </a:fld>
             <a:endParaRPr lang="zh-CN" altLang="en-US"/>
           </a:p>
@@ -2493,7 +2493,7 @@
             <a:fld id="{14079E88-C8E6-41F4-996F-838B1F23D75D}" type="datetimeFigureOut">
               <a:rPr lang="zh-CN" altLang="en-US" smtClean="0"/>
               <a:pPr/>
-              <a:t>2016/6/26</a:t>
+              <a:t>2016/7/5</a:t>
             </a:fld>
             <a:endParaRPr lang="zh-CN" altLang="en-US"/>
           </a:p>
@@ -2701,7 +2701,7 @@
             <a:fld id="{14079E88-C8E6-41F4-996F-838B1F23D75D}" type="datetimeFigureOut">
               <a:rPr lang="zh-CN" altLang="en-US" smtClean="0"/>
               <a:pPr/>
-              <a:t>2016/6/26</a:t>
+              <a:t>2016/7/5</a:t>
             </a:fld>
             <a:endParaRPr lang="zh-CN" altLang="en-US"/>
           </a:p>
@@ -3399,8 +3399,8 @@
         </p:nvSpPr>
         <p:spPr>
           <a:xfrm>
-            <a:off x="1571604" y="3286124"/>
-            <a:ext cx="1857388" cy="642942"/>
+            <a:off x="1500166" y="2315841"/>
+            <a:ext cx="2255160" cy="1069169"/>
           </a:xfrm>
           <a:prstGeom prst="rect">
             <a:avLst/>
@@ -3454,8 +3454,8 @@
         </p:nvSpPr>
         <p:spPr>
           <a:xfrm>
-            <a:off x="1571604" y="4429132"/>
-            <a:ext cx="1857388" cy="642942"/>
+            <a:off x="1500166" y="3458849"/>
+            <a:ext cx="2255160" cy="1069169"/>
           </a:xfrm>
           <a:prstGeom prst="rect">
             <a:avLst/>
@@ -3509,8 +3509,8 @@
         </p:nvSpPr>
         <p:spPr>
           <a:xfrm>
-            <a:off x="4643438" y="3143248"/>
-            <a:ext cx="3143272" cy="954107"/>
+            <a:off x="4211960" y="2315841"/>
+            <a:ext cx="3816424" cy="1077218"/>
           </a:xfrm>
           <a:prstGeom prst="rect">
             <a:avLst/>
@@ -3523,14 +3523,14 @@
           <a:lstStyle/>
           <a:p>
             <a:r>
-              <a:rPr lang="en-US" altLang="zh-CN" sz="1400" dirty="0"/>
+              <a:rPr lang="en-US" altLang="zh-CN" sz="1600" dirty="0"/>
               <a:t>Application Layer</a:t>
             </a:r>
             <a:r>
-              <a:rPr lang="en-US" sz="1400" dirty="0"/>
+              <a:rPr lang="en-US" sz="1600" dirty="0"/>
               <a:t>: Build a user friendly interface for CoAP communication,  message queue management and multiple thread dispatcher.</a:t>
             </a:r>
-            <a:endParaRPr lang="en-US" altLang="zh-CN" sz="1400" dirty="0"/>
+            <a:endParaRPr lang="en-US" altLang="zh-CN" sz="1600" dirty="0"/>
           </a:p>
         </p:txBody>
       </p:sp>
@@ -3542,8 +3542,8 @@
         </p:nvSpPr>
         <p:spPr>
           <a:xfrm>
-            <a:off x="4643438" y="4357694"/>
-            <a:ext cx="3143272" cy="738664"/>
+            <a:off x="4211960" y="3595326"/>
+            <a:ext cx="3816424" cy="830997"/>
           </a:xfrm>
           <a:prstGeom prst="rect">
             <a:avLst/>
@@ -3556,102 +3556,14 @@
           <a:lstStyle/>
           <a:p>
             <a:r>
-              <a:rPr lang="en-US" altLang="zh-CN" sz="1400" dirty="0"/>
+              <a:rPr lang="en-US" altLang="zh-CN" sz="1600" dirty="0"/>
               <a:t>Network Layer</a:t>
             </a:r>
             <a:r>
-              <a:rPr lang="en-US" sz="1400" dirty="0"/>
+              <a:rPr lang="en-US" sz="1600" dirty="0"/>
               <a:t>: Different  implementations of wireless communication in Non IP environment </a:t>
             </a:r>
-            <a:endParaRPr lang="en-US" altLang="zh-CN" sz="1400" dirty="0"/>
-          </a:p>
-        </p:txBody>
-      </p:sp>
-      <p:sp>
-        <p:nvSpPr>
-          <p:cNvPr id="13" name="矩形 12"/>
-          <p:cNvSpPr/>
-          <p:nvPr/>
-        </p:nvSpPr>
-        <p:spPr>
-          <a:xfrm>
-            <a:off x="1571604" y="2071678"/>
-            <a:ext cx="1857388" cy="642942"/>
-          </a:xfrm>
-          <a:prstGeom prst="rect">
-            <a:avLst/>
-          </a:prstGeom>
-          <a:solidFill>
-            <a:schemeClr val="bg1"/>
-          </a:solidFill>
-        </p:spPr>
-        <p:style>
-          <a:lnRef idx="2">
-            <a:schemeClr val="accent1">
-              <a:shade val="50000"/>
-            </a:schemeClr>
-          </a:lnRef>
-          <a:fillRef idx="1">
-            <a:schemeClr val="accent1"/>
-          </a:fillRef>
-          <a:effectRef idx="0">
-            <a:schemeClr val="accent1"/>
-          </a:effectRef>
-          <a:fontRef idx="minor">
-            <a:schemeClr val="lt1"/>
-          </a:fontRef>
-        </p:style>
-        <p:txBody>
-          <a:bodyPr rtlCol="0" anchor="ctr"/>
-          <a:lstStyle/>
-          <a:p>
-            <a:pPr algn="ctr"/>
-            <a:r>
-              <a:rPr lang="en-US" altLang="zh-CN" dirty="0">
-                <a:solidFill>
-                  <a:schemeClr val="tx1"/>
-                </a:solidFill>
-              </a:rPr>
-              <a:t>Developer Layer</a:t>
-            </a:r>
-            <a:endParaRPr lang="zh-CN" altLang="en-US" dirty="0">
-              <a:solidFill>
-                <a:schemeClr val="tx1"/>
-              </a:solidFill>
-            </a:endParaRPr>
-          </a:p>
-        </p:txBody>
-      </p:sp>
-      <p:sp>
-        <p:nvSpPr>
-          <p:cNvPr id="14" name="矩形 13"/>
-          <p:cNvSpPr/>
-          <p:nvPr/>
-        </p:nvSpPr>
-        <p:spPr>
-          <a:xfrm>
-            <a:off x="4643438" y="2048524"/>
-            <a:ext cx="3143272" cy="523220"/>
-          </a:xfrm>
-          <a:prstGeom prst="rect">
-            <a:avLst/>
-          </a:prstGeom>
-        </p:spPr>
-        <p:txBody>
-          <a:bodyPr wrap="square">
-            <a:spAutoFit/>
-          </a:bodyPr>
-          <a:lstStyle/>
-          <a:p>
-            <a:r>
-              <a:rPr lang="en-US" altLang="zh-CN" sz="1400" dirty="0"/>
-              <a:t>Developer Layer</a:t>
-            </a:r>
-            <a:r>
-              <a:rPr lang="en-US" sz="1400" dirty="0"/>
-              <a:t>:  This layer is customized by developers.</a:t>
-            </a:r>
-            <a:endParaRPr lang="en-US" altLang="zh-CN" sz="1400" dirty="0"/>
+            <a:endParaRPr lang="en-US" altLang="zh-CN" sz="1600" dirty="0"/>
           </a:p>
         </p:txBody>
       </p:sp>
